--- a/Presentations/Intro to Unity.pptx
+++ b/Presentations/Intro to Unity.pptx
@@ -548,17 +548,11 @@
           <a:p>
             <a:r>
               <a:rPr lang="en-US" dirty="0" smtClean="0"/>
-              <a:t>600M</a:t>
+              <a:t>Overview of what will be covered.  2D/3D</a:t>
             </a:r>
             <a:r>
               <a:rPr lang="en-US" baseline="0" dirty="0" smtClean="0"/>
-              <a:t> gamers</a:t>
-            </a:r>
-          </a:p>
-          <a:p>
-            <a:r>
-              <a:rPr lang="en-US" baseline="0" dirty="0" smtClean="0"/>
-              <a:t>75% mobile market in china, 50% in us</a:t>
+              <a:t> Virtual Reality &amp; Augmented Reality</a:t>
             </a:r>
             <a:endParaRPr lang="en-US" dirty="0"/>
           </a:p>
@@ -581,7 +575,7 @@
           <a:p>
             <a:fld id="{DCD2E95C-A448-4C41-BD21-6E619E7F5BB2}" type="slidenum">
               <a:rPr lang="en-US" smtClean="0"/>
-              <a:t>2</a:t>
+              <a:t>1</a:t>
             </a:fld>
             <a:endParaRPr lang="en-US"/>
           </a:p>
@@ -590,7 +584,7 @@
     </p:spTree>
     <p:extLst>
       <p:ext uri="{BB962C8B-B14F-4D97-AF65-F5344CB8AC3E}">
-        <p14:creationId xmlns:p14="http://schemas.microsoft.com/office/powerpoint/2010/main" val="3421585172"/>
+        <p14:creationId xmlns:p14="http://schemas.microsoft.com/office/powerpoint/2010/main" val="3232949476"/>
       </p:ext>
     </p:extLst>
   </p:cSld>
@@ -646,11 +640,30 @@
           <a:p>
             <a:r>
               <a:rPr lang="en-US" dirty="0" smtClean="0"/>
-              <a:t>Create</a:t>
+              <a:t>Show and explain </a:t>
+            </a:r>
+            <a:r>
+              <a:rPr lang="en-US" dirty="0" err="1" smtClean="0"/>
+              <a:t>FishBasic.cs</a:t>
+            </a:r>
+            <a:endParaRPr lang="en-US" dirty="0" smtClean="0"/>
+          </a:p>
+          <a:p>
+            <a:r>
+              <a:rPr lang="en-US" dirty="0" smtClean="0"/>
+              <a:t>Explain</a:t>
             </a:r>
             <a:r>
               <a:rPr lang="en-US" baseline="0" dirty="0" smtClean="0"/>
-              <a:t> a prefab then duplicate the seaweed 3x</a:t>
+              <a:t> </a:t>
+            </a:r>
+            <a:r>
+              <a:rPr lang="en-US" baseline="0" dirty="0" err="1" smtClean="0"/>
+              <a:t>ProjectSettings</a:t>
+            </a:r>
+            <a:r>
+              <a:rPr lang="en-US" baseline="0" dirty="0" smtClean="0"/>
+              <a:t> “Input”</a:t>
             </a:r>
             <a:endParaRPr lang="en-US" dirty="0"/>
           </a:p>
@@ -673,7 +686,7 @@
           <a:p>
             <a:fld id="{DCD2E95C-A448-4C41-BD21-6E619E7F5BB2}" type="slidenum">
               <a:rPr lang="en-US" smtClean="0"/>
-              <a:t>15</a:t>
+              <a:t>11</a:t>
             </a:fld>
             <a:endParaRPr lang="en-US"/>
           </a:p>
@@ -682,7 +695,7 @@
     </p:spTree>
     <p:extLst>
       <p:ext uri="{BB962C8B-B14F-4D97-AF65-F5344CB8AC3E}">
-        <p14:creationId xmlns:p14="http://schemas.microsoft.com/office/powerpoint/2010/main" val="2409840657"/>
+        <p14:creationId xmlns:p14="http://schemas.microsoft.com/office/powerpoint/2010/main" val="1239673272"/>
       </p:ext>
     </p:extLst>
   </p:cSld>
@@ -738,31 +751,31 @@
           <a:p>
             <a:r>
               <a:rPr lang="en-US" dirty="0" smtClean="0"/>
-              <a:t>Scale 20</a:t>
+              <a:t>Fish </a:t>
+            </a:r>
+            <a:r>
+              <a:rPr lang="en-US" dirty="0" smtClean="0"/>
+              <a:t>still falls through, show this.</a:t>
             </a:r>
             <a:r>
               <a:rPr lang="en-US" baseline="0" dirty="0" smtClean="0"/>
-              <a:t> Height -3.5</a:t>
-            </a:r>
-          </a:p>
-          <a:p>
+              <a:t>  Next slide adds </a:t>
+            </a:r>
             <a:r>
               <a:rPr lang="en-US" baseline="0" dirty="0" smtClean="0"/>
-              <a:t>Add </a:t>
-            </a:r>
-            <a:r>
-              <a:rPr lang="en-US" baseline="0" dirty="0" err="1" smtClean="0"/>
-              <a:t>ground.cs</a:t>
-            </a:r>
+              <a:t>collider</a:t>
+            </a:r>
+          </a:p>
+          <a:p>
             <a:r>
               <a:rPr lang="en-US" baseline="0" dirty="0" smtClean="0"/>
-              <a:t>  set speed to 5</a:t>
+              <a:t>Don’t add code file yet</a:t>
             </a:r>
           </a:p>
           <a:p>
             <a:r>
               <a:rPr lang="en-US" baseline="0" dirty="0" smtClean="0"/>
-              <a:t>Show the trigger enter</a:t>
+              <a:t>Single Seaweed – Adding more on Prefab Slide</a:t>
             </a:r>
             <a:endParaRPr lang="en-US" dirty="0"/>
           </a:p>
@@ -785,7 +798,7 @@
           <a:p>
             <a:fld id="{DCD2E95C-A448-4C41-BD21-6E619E7F5BB2}" type="slidenum">
               <a:rPr lang="en-US" smtClean="0"/>
-              <a:t>16</a:t>
+              <a:t>12</a:t>
             </a:fld>
             <a:endParaRPr lang="en-US"/>
           </a:p>
@@ -794,7 +807,7 @@
     </p:spTree>
     <p:extLst>
       <p:ext uri="{BB962C8B-B14F-4D97-AF65-F5344CB8AC3E}">
-        <p14:creationId xmlns:p14="http://schemas.microsoft.com/office/powerpoint/2010/main" val="2017828483"/>
+        <p14:creationId xmlns:p14="http://schemas.microsoft.com/office/powerpoint/2010/main" val="1633927711"/>
       </p:ext>
     </p:extLst>
   </p:cSld>
@@ -850,23 +863,31 @@
           <a:p>
             <a:r>
               <a:rPr lang="en-US" dirty="0" smtClean="0"/>
-              <a:t>Open </a:t>
+              <a:t>Add the collider show it roll off</a:t>
+            </a:r>
+          </a:p>
+          <a:p>
+            <a:r>
+              <a:rPr lang="en-US" dirty="0" smtClean="0"/>
+              <a:t>Switch to a trigger</a:t>
+            </a:r>
+          </a:p>
+          <a:p>
+            <a:r>
+              <a:rPr lang="en-US" dirty="0" smtClean="0"/>
+              <a:t>Add </a:t>
             </a:r>
             <a:r>
               <a:rPr lang="en-US" dirty="0" err="1" smtClean="0"/>
-              <a:t>gamestate.cs</a:t>
+              <a:t>seaweedPartBasic.cs</a:t>
+            </a:r>
+            <a:r>
+              <a:rPr lang="en-US" dirty="0" smtClean="0"/>
+              <a:t> </a:t>
             </a:r>
             <a:r>
               <a:rPr lang="en-US" baseline="0" dirty="0" smtClean="0"/>
-              <a:t>  - doesn’t need to be </a:t>
-            </a:r>
-            <a:r>
-              <a:rPr lang="en-US" baseline="0" dirty="0" err="1" smtClean="0"/>
-              <a:t>monobehavior</a:t>
-            </a:r>
-            <a:r>
-              <a:rPr lang="en-US" baseline="0" dirty="0" smtClean="0"/>
-              <a:t> but doesn’t hurt.</a:t>
+              <a:t>  watch fish fall and level restart – scene must be saved</a:t>
             </a:r>
             <a:endParaRPr lang="en-US" dirty="0"/>
           </a:p>
@@ -889,7 +910,7 @@
           <a:p>
             <a:fld id="{DCD2E95C-A448-4C41-BD21-6E619E7F5BB2}" type="slidenum">
               <a:rPr lang="en-US" smtClean="0"/>
-              <a:t>18</a:t>
+              <a:t>13</a:t>
             </a:fld>
             <a:endParaRPr lang="en-US"/>
           </a:p>
@@ -898,7 +919,7 @@
     </p:spTree>
     <p:extLst>
       <p:ext uri="{BB962C8B-B14F-4D97-AF65-F5344CB8AC3E}">
-        <p14:creationId xmlns:p14="http://schemas.microsoft.com/office/powerpoint/2010/main" val="2766511803"/>
+        <p14:creationId xmlns:p14="http://schemas.microsoft.com/office/powerpoint/2010/main" val="2045006429"/>
       </p:ext>
     </p:extLst>
   </p:cSld>
@@ -954,44 +975,72 @@
           <a:p>
             <a:r>
               <a:rPr lang="en-US" dirty="0" smtClean="0"/>
-              <a:t>Swap </a:t>
-            </a:r>
-            <a:r>
-              <a:rPr lang="en-US" dirty="0" err="1" smtClean="0"/>
-              <a:t>fishbasic</a:t>
-            </a:r>
-            <a:r>
-              <a:rPr lang="en-US" dirty="0" smtClean="0"/>
-              <a:t> with </a:t>
-            </a:r>
-            <a:r>
-              <a:rPr lang="en-US" dirty="0" err="1" smtClean="0"/>
-              <a:t>Fish.cs</a:t>
-            </a:r>
-            <a:r>
-              <a:rPr lang="en-US" dirty="0" smtClean="0"/>
-              <a:t/>
-            </a:r>
-            <a:br>
-              <a:rPr lang="en-US" dirty="0" smtClean="0"/>
-            </a:br>
-            <a:r>
-              <a:rPr lang="en-US" dirty="0" smtClean="0"/>
-              <a:t>Start and run, fish should drop</a:t>
-            </a:r>
-          </a:p>
-          <a:p>
-            <a:r>
-              <a:rPr lang="en-US" dirty="0" smtClean="0"/>
-              <a:t>Show error in error window for the missing</a:t>
+              <a:t>Create</a:t>
             </a:r>
             <a:r>
               <a:rPr lang="en-US" baseline="0" dirty="0" smtClean="0"/>
-              <a:t> </a:t>
+              <a:t> a </a:t>
             </a:r>
             <a:r>
               <a:rPr lang="en-US" baseline="0" dirty="0" err="1" smtClean="0"/>
-              <a:t>guitext</a:t>
+              <a:t>gameobject</a:t>
+            </a:r>
+            <a:r>
+              <a:rPr lang="en-US" baseline="0" dirty="0" smtClean="0"/>
+              <a:t> and set the two seaweed parts as children</a:t>
+            </a:r>
+            <a:r>
+              <a:rPr lang="en-US" baseline="0" dirty="0" smtClean="0"/>
+              <a:t>.</a:t>
+            </a:r>
+          </a:p>
+          <a:p>
+            <a:r>
+              <a:rPr lang="en-US" baseline="0" dirty="0" smtClean="0"/>
+              <a:t>Explain child offset and show it moving children</a:t>
+            </a:r>
+            <a:endParaRPr lang="en-US" baseline="0" dirty="0" smtClean="0"/>
+          </a:p>
+          <a:p>
+            <a:r>
+              <a:rPr lang="en-US" baseline="0" dirty="0" smtClean="0"/>
+              <a:t>Add </a:t>
+            </a:r>
+            <a:r>
+              <a:rPr lang="en-US" baseline="0" dirty="0" err="1" smtClean="0"/>
+              <a:t>seaweedbasic.cs</a:t>
+            </a:r>
+            <a:endParaRPr lang="en-US" baseline="0" dirty="0" smtClean="0"/>
+          </a:p>
+          <a:p>
+            <a:r>
+              <a:rPr lang="en-US" baseline="0" dirty="0" smtClean="0"/>
+              <a:t>Watch seaweed move</a:t>
+            </a:r>
+            <a:r>
+              <a:rPr lang="en-US" baseline="0" dirty="0" smtClean="0"/>
+              <a:t>.</a:t>
+            </a:r>
+          </a:p>
+          <a:p>
+            <a:r>
+              <a:rPr lang="en-US" baseline="0" dirty="0" smtClean="0"/>
+              <a:t>Set </a:t>
+            </a:r>
+            <a:r>
+              <a:rPr lang="en-US" baseline="0" dirty="0" err="1" smtClean="0"/>
+              <a:t>SeaweedSpeed</a:t>
+            </a:r>
+            <a:r>
+              <a:rPr lang="en-US" baseline="0" smtClean="0"/>
+              <a:t> to 2.5</a:t>
+            </a:r>
+            <a:endParaRPr lang="en-US" baseline="0" dirty="0" smtClean="0"/>
+          </a:p>
+          <a:p>
+            <a:r>
+              <a:rPr lang="en-US" baseline="0" dirty="0" smtClean="0"/>
+              <a:t>Duplicate seaweed</a:t>
             </a:r>
             <a:endParaRPr lang="en-US" dirty="0"/>
           </a:p>
@@ -1014,7 +1063,7 @@
           <a:p>
             <a:fld id="{DCD2E95C-A448-4C41-BD21-6E619E7F5BB2}" type="slidenum">
               <a:rPr lang="en-US" smtClean="0"/>
-              <a:t>19</a:t>
+              <a:t>14</a:t>
             </a:fld>
             <a:endParaRPr lang="en-US"/>
           </a:p>
@@ -1023,7 +1072,7 @@
     </p:spTree>
     <p:extLst>
       <p:ext uri="{BB962C8B-B14F-4D97-AF65-F5344CB8AC3E}">
-        <p14:creationId xmlns:p14="http://schemas.microsoft.com/office/powerpoint/2010/main" val="243204536"/>
+        <p14:creationId xmlns:p14="http://schemas.microsoft.com/office/powerpoint/2010/main" val="1020439643"/>
       </p:ext>
     </p:extLst>
   </p:cSld>
@@ -1079,8 +1128,49 @@
           <a:p>
             <a:r>
               <a:rPr lang="en-US" dirty="0" smtClean="0"/>
-              <a:t>Create a Text object then assign it to the fish.</a:t>
-            </a:r>
+              <a:t>Create</a:t>
+            </a:r>
+            <a:r>
+              <a:rPr lang="en-US" baseline="0" dirty="0" smtClean="0"/>
+              <a:t> a prefab then duplicate the seaweed </a:t>
+            </a:r>
+            <a:r>
+              <a:rPr lang="en-US" baseline="0" dirty="0" smtClean="0"/>
+              <a:t>3x</a:t>
+            </a:r>
+          </a:p>
+          <a:p>
+            <a:pPr marL="0" marR="0" indent="0" algn="l" defTabSz="914400" rtl="0" eaLnBrk="1" fontAlgn="auto" latinLnBrk="0" hangingPunct="1">
+              <a:lnSpc>
+                <a:spcPct val="100000"/>
+              </a:lnSpc>
+              <a:spcBef>
+                <a:spcPts val="0"/>
+              </a:spcBef>
+              <a:spcAft>
+                <a:spcPts val="0"/>
+              </a:spcAft>
+              <a:buClrTx/>
+              <a:buSzTx/>
+              <a:buFontTx/>
+              <a:buNone/>
+              <a:tabLst/>
+              <a:defRPr/>
+            </a:pPr>
+            <a:r>
+              <a:rPr lang="en-US" dirty="0" smtClean="0"/>
+              <a:t>Also keeps changes to</a:t>
+            </a:r>
+            <a:r>
+              <a:rPr lang="en-US" baseline="0" dirty="0" smtClean="0"/>
+              <a:t> c</a:t>
+            </a:r>
+            <a:r>
+              <a:rPr lang="en-US" dirty="0" smtClean="0"/>
+              <a:t>hildren</a:t>
+            </a:r>
+          </a:p>
+          <a:p>
             <a:endParaRPr lang="en-US" dirty="0"/>
           </a:p>
         </p:txBody>
@@ -1102,7 +1192,7 @@
           <a:p>
             <a:fld id="{DCD2E95C-A448-4C41-BD21-6E619E7F5BB2}" type="slidenum">
               <a:rPr lang="en-US" smtClean="0"/>
-              <a:t>20</a:t>
+              <a:t>15</a:t>
             </a:fld>
             <a:endParaRPr lang="en-US"/>
           </a:p>
@@ -1111,7 +1201,7 @@
     </p:spTree>
     <p:extLst>
       <p:ext uri="{BB962C8B-B14F-4D97-AF65-F5344CB8AC3E}">
-        <p14:creationId xmlns:p14="http://schemas.microsoft.com/office/powerpoint/2010/main" val="797296942"/>
+        <p14:creationId xmlns:p14="http://schemas.microsoft.com/office/powerpoint/2010/main" val="2409840657"/>
       </p:ext>
     </p:extLst>
   </p:cSld>
@@ -1167,33 +1257,36 @@
           <a:p>
             <a:r>
               <a:rPr lang="en-US" dirty="0" smtClean="0"/>
-              <a:t>Create</a:t>
+              <a:t>Scale 20</a:t>
             </a:r>
             <a:r>
               <a:rPr lang="en-US" baseline="0" dirty="0" smtClean="0"/>
-              <a:t> an empty </a:t>
+              <a:t> Height -3.5</a:t>
+            </a:r>
+          </a:p>
+          <a:p>
+            <a:r>
+              <a:rPr lang="en-US" baseline="0" dirty="0" smtClean="0"/>
+              <a:t>Add </a:t>
             </a:r>
             <a:r>
               <a:rPr lang="en-US" baseline="0" dirty="0" err="1" smtClean="0"/>
-              <a:t>gameobject</a:t>
+              <a:t>ground.cs</a:t>
             </a:r>
             <a:r>
               <a:rPr lang="en-US" baseline="0" dirty="0" smtClean="0"/>
-              <a:t>, add the </a:t>
-            </a:r>
-            <a:r>
-              <a:rPr lang="en-US" baseline="0" dirty="0" err="1" smtClean="0"/>
-              <a:t>scorekeeper.cs</a:t>
+              <a:t>  set speed to </a:t>
             </a:r>
             <a:r>
               <a:rPr lang="en-US" baseline="0" dirty="0" smtClean="0"/>
-              <a:t> script</a:t>
-            </a:r>
+              <a:t>1.5</a:t>
+            </a:r>
+            <a:endParaRPr lang="en-US" baseline="0" dirty="0" smtClean="0"/>
           </a:p>
           <a:p>
             <a:r>
               <a:rPr lang="en-US" baseline="0" dirty="0" smtClean="0"/>
-              <a:t>Create a Text and assign it to the scorekeeper</a:t>
+              <a:t>Show the trigger enter</a:t>
             </a:r>
             <a:endParaRPr lang="en-US" dirty="0"/>
           </a:p>
@@ -1216,7 +1309,7 @@
           <a:p>
             <a:fld id="{DCD2E95C-A448-4C41-BD21-6E619E7F5BB2}" type="slidenum">
               <a:rPr lang="en-US" smtClean="0"/>
-              <a:t>23</a:t>
+              <a:t>16</a:t>
             </a:fld>
             <a:endParaRPr lang="en-US"/>
           </a:p>
@@ -1225,7 +1318,7 @@
     </p:spTree>
     <p:extLst>
       <p:ext uri="{BB962C8B-B14F-4D97-AF65-F5344CB8AC3E}">
-        <p14:creationId xmlns:p14="http://schemas.microsoft.com/office/powerpoint/2010/main" val="2575853715"/>
+        <p14:creationId xmlns:p14="http://schemas.microsoft.com/office/powerpoint/2010/main" val="2017828483"/>
       </p:ext>
     </p:extLst>
   </p:cSld>
@@ -1281,14 +1374,24 @@
           <a:p>
             <a:r>
               <a:rPr lang="en-US" dirty="0" smtClean="0"/>
-              <a:t>Create a terrain and show it grey.  Then import the terrain assets in the file import menu.  Mention standard</a:t>
+              <a:t>Open </a:t>
+            </a:r>
+            <a:r>
+              <a:rPr lang="en-US" dirty="0" err="1" smtClean="0"/>
+              <a:t>gamestate.cs</a:t>
             </a:r>
             <a:r>
               <a:rPr lang="en-US" baseline="0" dirty="0" smtClean="0"/>
-              <a:t> assets.  Add a directional light then deform the terrain.</a:t>
-            </a:r>
-          </a:p>
-          <a:p>
+              <a:t>  - doesn’t need to be </a:t>
+            </a:r>
+            <a:r>
+              <a:rPr lang="en-US" baseline="0" dirty="0" err="1" smtClean="0"/>
+              <a:t>monobehavior</a:t>
+            </a:r>
+            <a:r>
+              <a:rPr lang="en-US" baseline="0" dirty="0" smtClean="0"/>
+              <a:t> but doesn’t hurt.</a:t>
+            </a:r>
             <a:endParaRPr lang="en-US" dirty="0"/>
           </a:p>
         </p:txBody>
@@ -1310,7 +1413,7 @@
           <a:p>
             <a:fld id="{DCD2E95C-A448-4C41-BD21-6E619E7F5BB2}" type="slidenum">
               <a:rPr lang="en-US" smtClean="0"/>
-              <a:t>27</a:t>
+              <a:t>18</a:t>
             </a:fld>
             <a:endParaRPr lang="en-US"/>
           </a:p>
@@ -1319,7 +1422,7 @@
     </p:spTree>
     <p:extLst>
       <p:ext uri="{BB962C8B-B14F-4D97-AF65-F5344CB8AC3E}">
-        <p14:creationId xmlns:p14="http://schemas.microsoft.com/office/powerpoint/2010/main" val="4130325980"/>
+        <p14:creationId xmlns:p14="http://schemas.microsoft.com/office/powerpoint/2010/main" val="2766511803"/>
       </p:ext>
     </p:extLst>
   </p:cSld>
@@ -1375,19 +1478,44 @@
           <a:p>
             <a:r>
               <a:rPr lang="en-US" dirty="0" smtClean="0"/>
-              <a:t>Create</a:t>
+              <a:t>Swap </a:t>
+            </a:r>
+            <a:r>
+              <a:rPr lang="en-US" dirty="0" err="1" smtClean="0"/>
+              <a:t>fishbasic</a:t>
+            </a:r>
+            <a:r>
+              <a:rPr lang="en-US" dirty="0" smtClean="0"/>
+              <a:t> with </a:t>
+            </a:r>
+            <a:r>
+              <a:rPr lang="en-US" dirty="0" err="1" smtClean="0"/>
+              <a:t>Fish.cs</a:t>
+            </a:r>
+            <a:r>
+              <a:rPr lang="en-US" dirty="0" smtClean="0"/>
+              <a:t/>
+            </a:r>
+            <a:br>
+              <a:rPr lang="en-US" dirty="0" smtClean="0"/>
+            </a:br>
+            <a:r>
+              <a:rPr lang="en-US" dirty="0" smtClean="0"/>
+              <a:t>Start and run, fish should drop</a:t>
+            </a:r>
+          </a:p>
+          <a:p>
+            <a:r>
+              <a:rPr lang="en-US" dirty="0" smtClean="0"/>
+              <a:t>Show error in error window for the missing</a:t>
             </a:r>
             <a:r>
               <a:rPr lang="en-US" baseline="0" dirty="0" smtClean="0"/>
-              <a:t> a sphere in the main camera’s view and show it drop when it gets a </a:t>
+              <a:t> </a:t>
             </a:r>
             <a:r>
               <a:rPr lang="en-US" baseline="0" dirty="0" err="1" smtClean="0"/>
-              <a:t>rigidbody</a:t>
-            </a:r>
-            <a:r>
-              <a:rPr lang="en-US" baseline="0" dirty="0" smtClean="0"/>
-              <a:t>.  Try to make it roll down a hill.</a:t>
+              <a:t>guitext</a:t>
             </a:r>
             <a:endParaRPr lang="en-US" dirty="0"/>
           </a:p>
@@ -1410,7 +1538,7 @@
           <a:p>
             <a:fld id="{DCD2E95C-A448-4C41-BD21-6E619E7F5BB2}" type="slidenum">
               <a:rPr lang="en-US" smtClean="0"/>
-              <a:t>28</a:t>
+              <a:t>19</a:t>
             </a:fld>
             <a:endParaRPr lang="en-US"/>
           </a:p>
@@ -1419,7 +1547,7 @@
     </p:spTree>
     <p:extLst>
       <p:ext uri="{BB962C8B-B14F-4D97-AF65-F5344CB8AC3E}">
-        <p14:creationId xmlns:p14="http://schemas.microsoft.com/office/powerpoint/2010/main" val="3530183443"/>
+        <p14:creationId xmlns:p14="http://schemas.microsoft.com/office/powerpoint/2010/main" val="243204536"/>
       </p:ext>
     </p:extLst>
   </p:cSld>
@@ -1475,14 +1603,7 @@
           <a:p>
             <a:r>
               <a:rPr lang="en-US" dirty="0" smtClean="0"/>
-              <a:t>Import the character controller package.</a:t>
-            </a:r>
-            <a:br>
-              <a:rPr lang="en-US" dirty="0" smtClean="0"/>
-            </a:br>
-            <a:r>
-              <a:rPr lang="en-US" dirty="0" smtClean="0"/>
-              <a:t>Add the prefab and remove the original main camera</a:t>
+              <a:t>Create a Text object then assign it to the fish.</a:t>
             </a:r>
             <a:endParaRPr lang="en-US" dirty="0"/>
           </a:p>
@@ -1505,7 +1626,7 @@
           <a:p>
             <a:fld id="{DCD2E95C-A448-4C41-BD21-6E619E7F5BB2}" type="slidenum">
               <a:rPr lang="en-US" smtClean="0"/>
-              <a:t>29</a:t>
+              <a:t>20</a:t>
             </a:fld>
             <a:endParaRPr lang="en-US"/>
           </a:p>
@@ -1514,7 +1635,7 @@
     </p:spTree>
     <p:extLst>
       <p:ext uri="{BB962C8B-B14F-4D97-AF65-F5344CB8AC3E}">
-        <p14:creationId xmlns:p14="http://schemas.microsoft.com/office/powerpoint/2010/main" val="1169975469"/>
+        <p14:creationId xmlns:p14="http://schemas.microsoft.com/office/powerpoint/2010/main" val="797296942"/>
       </p:ext>
     </p:extLst>
   </p:cSld>
@@ -1570,63 +1691,33 @@
           <a:p>
             <a:r>
               <a:rPr lang="en-US" dirty="0" smtClean="0"/>
-              <a:t>Create a new </a:t>
-            </a:r>
-            <a:r>
-              <a:rPr lang="en-US" dirty="0" err="1" smtClean="0"/>
+              <a:t>Create</a:t>
+            </a:r>
+            <a:r>
+              <a:rPr lang="en-US" baseline="0" dirty="0" smtClean="0"/>
+              <a:t> an empty </a:t>
+            </a:r>
+            <a:r>
+              <a:rPr lang="en-US" baseline="0" dirty="0" err="1" smtClean="0"/>
               <a:t>gameobject</a:t>
             </a:r>
             <a:r>
-              <a:rPr lang="en-US" dirty="0" smtClean="0"/>
-              <a:t> and add a </a:t>
-            </a:r>
-            <a:r>
-              <a:rPr lang="en-US" dirty="0" err="1" smtClean="0"/>
-              <a:t>poolmanager</a:t>
-            </a:r>
-            <a:r>
-              <a:rPr lang="en-US" dirty="0" smtClean="0"/>
-              <a:t> script.</a:t>
-            </a:r>
-          </a:p>
-          <a:p>
-            <a:r>
-              <a:rPr lang="en-US" dirty="0" smtClean="0"/>
-              <a:t>Show the </a:t>
-            </a:r>
-            <a:r>
-              <a:rPr lang="en-US" dirty="0" err="1" smtClean="0"/>
-              <a:t>poolmanager</a:t>
-            </a:r>
-            <a:r>
-              <a:rPr lang="en-US" dirty="0" smtClean="0"/>
-              <a:t> code (better ones available or written in 10</a:t>
-            </a:r>
-            <a:r>
               <a:rPr lang="en-US" baseline="0" dirty="0" smtClean="0"/>
-              <a:t> </a:t>
+              <a:t>, add the </a:t>
             </a:r>
             <a:r>
               <a:rPr lang="en-US" baseline="0" dirty="0" err="1" smtClean="0"/>
-              <a:t>mins</a:t>
+              <a:t>scorekeeper.cs</a:t>
             </a:r>
             <a:r>
               <a:rPr lang="en-US" baseline="0" dirty="0" smtClean="0"/>
-              <a:t>)  Use Generics</a:t>
+              <a:t> script</a:t>
             </a:r>
           </a:p>
           <a:p>
             <a:r>
               <a:rPr lang="en-US" baseline="0" dirty="0" smtClean="0"/>
-              <a:t>Create a red sphere, make it a prefab, and set it as the </a:t>
-            </a:r>
-            <a:r>
-              <a:rPr lang="en-US" baseline="0" dirty="0" err="1" smtClean="0"/>
-              <a:t>poolmanager</a:t>
-            </a:r>
-            <a:r>
-              <a:rPr lang="en-US" baseline="0" dirty="0" smtClean="0"/>
-              <a:t> prefab</a:t>
+              <a:t>Create a Text and assign it to the scorekeeper</a:t>
             </a:r>
             <a:endParaRPr lang="en-US" dirty="0"/>
           </a:p>
@@ -1649,7 +1740,7 @@
           <a:p>
             <a:fld id="{DCD2E95C-A448-4C41-BD21-6E619E7F5BB2}" type="slidenum">
               <a:rPr lang="en-US" smtClean="0"/>
-              <a:t>30</a:t>
+              <a:t>23</a:t>
             </a:fld>
             <a:endParaRPr lang="en-US"/>
           </a:p>
@@ -1658,7 +1749,7 @@
     </p:spTree>
     <p:extLst>
       <p:ext uri="{BB962C8B-B14F-4D97-AF65-F5344CB8AC3E}">
-        <p14:creationId xmlns:p14="http://schemas.microsoft.com/office/powerpoint/2010/main" val="3311590230"/>
+        <p14:creationId xmlns:p14="http://schemas.microsoft.com/office/powerpoint/2010/main" val="2575853715"/>
       </p:ext>
     </p:extLst>
   </p:cSld>
@@ -1714,7 +1805,17 @@
           <a:p>
             <a:r>
               <a:rPr lang="en-US" dirty="0" smtClean="0"/>
-              <a:t>Training, visualization, creation, education, entertainment, home automation</a:t>
+              <a:t>600M</a:t>
+            </a:r>
+            <a:r>
+              <a:rPr lang="en-US" baseline="0" dirty="0" smtClean="0"/>
+              <a:t> gamers</a:t>
+            </a:r>
+          </a:p>
+          <a:p>
+            <a:r>
+              <a:rPr lang="en-US" baseline="0" dirty="0" smtClean="0"/>
+              <a:t>75% mobile market in china, 50% in us</a:t>
             </a:r>
             <a:endParaRPr lang="en-US" dirty="0"/>
           </a:p>
@@ -1737,7 +1838,7 @@
           <a:p>
             <a:fld id="{DCD2E95C-A448-4C41-BD21-6E619E7F5BB2}" type="slidenum">
               <a:rPr lang="en-US" smtClean="0"/>
-              <a:t>3</a:t>
+              <a:t>2</a:t>
             </a:fld>
             <a:endParaRPr lang="en-US"/>
           </a:p>
@@ -1746,7 +1847,7 @@
     </p:spTree>
     <p:extLst>
       <p:ext uri="{BB962C8B-B14F-4D97-AF65-F5344CB8AC3E}">
-        <p14:creationId xmlns:p14="http://schemas.microsoft.com/office/powerpoint/2010/main" val="3319053361"/>
+        <p14:creationId xmlns:p14="http://schemas.microsoft.com/office/powerpoint/2010/main" val="3421585172"/>
       </p:ext>
     </p:extLst>
   </p:cSld>
@@ -1802,15 +1903,11 @@
           <a:p>
             <a:r>
               <a:rPr lang="en-US" dirty="0" smtClean="0"/>
-              <a:t>Add the </a:t>
-            </a:r>
-            <a:r>
-              <a:rPr lang="en-US" dirty="0" err="1" smtClean="0"/>
-              <a:t>projectilelauncher.cs</a:t>
-            </a:r>
-            <a:r>
-              <a:rPr lang="en-US" dirty="0" smtClean="0"/>
-              <a:t> script to the player</a:t>
+              <a:t>Create a terrain and show it grey.  Then import the terrain assets in the file import menu.  Mention standard</a:t>
+            </a:r>
+            <a:r>
+              <a:rPr lang="en-US" baseline="0" dirty="0" smtClean="0"/>
+              <a:t> assets.  Add a directional light then deform the terrain.</a:t>
             </a:r>
           </a:p>
           <a:p>
@@ -1835,7 +1932,7 @@
           <a:p>
             <a:fld id="{DCD2E95C-A448-4C41-BD21-6E619E7F5BB2}" type="slidenum">
               <a:rPr lang="en-US" smtClean="0"/>
-              <a:t>31</a:t>
+              <a:t>27</a:t>
             </a:fld>
             <a:endParaRPr lang="en-US"/>
           </a:p>
@@ -1844,7 +1941,7 @@
     </p:spTree>
     <p:extLst>
       <p:ext uri="{BB962C8B-B14F-4D97-AF65-F5344CB8AC3E}">
-        <p14:creationId xmlns:p14="http://schemas.microsoft.com/office/powerpoint/2010/main" val="409507648"/>
+        <p14:creationId xmlns:p14="http://schemas.microsoft.com/office/powerpoint/2010/main" val="4130325980"/>
       </p:ext>
     </p:extLst>
   </p:cSld>
@@ -1900,46 +1997,19 @@
           <a:p>
             <a:r>
               <a:rPr lang="en-US" dirty="0" smtClean="0"/>
-              <a:t>After adding this, change the type</a:t>
+              <a:t>Create</a:t>
             </a:r>
             <a:r>
               <a:rPr lang="en-US" baseline="0" dirty="0" smtClean="0"/>
-              <a:t> to </a:t>
+              <a:t> a sphere in the main camera’s view and show it drop when it gets a </a:t>
             </a:r>
             <a:r>
               <a:rPr lang="en-US" baseline="0" dirty="0" err="1" smtClean="0"/>
-              <a:t>Continious</a:t>
+              <a:t>rigidbody</a:t>
             </a:r>
             <a:r>
               <a:rPr lang="en-US" baseline="0" dirty="0" smtClean="0"/>
-              <a:t> Dynamic</a:t>
-            </a:r>
-            <a:br>
-              <a:rPr lang="en-US" baseline="0" dirty="0" smtClean="0"/>
-            </a:br>
-            <a:r>
-              <a:rPr lang="en-US" baseline="0" dirty="0" smtClean="0"/>
-              <a:t>Discrete = Non Moving</a:t>
-            </a:r>
-          </a:p>
-          <a:p>
-            <a:r>
-              <a:rPr lang="en-US" baseline="0" dirty="0" err="1" smtClean="0"/>
-              <a:t>Cont</a:t>
-            </a:r>
-            <a:r>
-              <a:rPr lang="en-US" baseline="0" dirty="0" smtClean="0"/>
-              <a:t> = Moving slow</a:t>
-            </a:r>
-          </a:p>
-          <a:p>
-            <a:r>
-              <a:rPr lang="en-US" baseline="0" dirty="0" err="1" smtClean="0"/>
-              <a:t>Cont</a:t>
-            </a:r>
-            <a:r>
-              <a:rPr lang="en-US" baseline="0" dirty="0" smtClean="0"/>
-              <a:t> Dynamic = Fast Moving</a:t>
+              <a:t>.  Try to make it roll down a hill.</a:t>
             </a:r>
             <a:endParaRPr lang="en-US" dirty="0"/>
           </a:p>
@@ -1962,7 +2032,7 @@
           <a:p>
             <a:fld id="{DCD2E95C-A448-4C41-BD21-6E619E7F5BB2}" type="slidenum">
               <a:rPr lang="en-US" smtClean="0"/>
-              <a:t>32</a:t>
+              <a:t>28</a:t>
             </a:fld>
             <a:endParaRPr lang="en-US"/>
           </a:p>
@@ -1971,7 +2041,7 @@
     </p:spTree>
     <p:extLst>
       <p:ext uri="{BB962C8B-B14F-4D97-AF65-F5344CB8AC3E}">
-        <p14:creationId xmlns:p14="http://schemas.microsoft.com/office/powerpoint/2010/main" val="3342569816"/>
+        <p14:creationId xmlns:p14="http://schemas.microsoft.com/office/powerpoint/2010/main" val="3530183443"/>
       </p:ext>
     </p:extLst>
   </p:cSld>
@@ -2027,25 +2097,14 @@
           <a:p>
             <a:r>
               <a:rPr lang="en-US" dirty="0" smtClean="0"/>
-              <a:t>Talk about the asset store then import</a:t>
-            </a:r>
-            <a:r>
-              <a:rPr lang="en-US" baseline="0" dirty="0" smtClean="0"/>
-              <a:t> the “Crate and Box”</a:t>
-            </a:r>
-            <a:r>
-              <a:rPr lang="en-US" dirty="0" smtClean="0"/>
-              <a:t> package</a:t>
-            </a:r>
-          </a:p>
-          <a:p>
-            <a:r>
-              <a:rPr lang="en-US" dirty="0" smtClean="0"/>
-              <a:t>Developers</a:t>
-            </a:r>
-            <a:r>
-              <a:rPr lang="en-US" baseline="0" dirty="0" smtClean="0"/>
-              <a:t> can sell on the store</a:t>
+              <a:t>Import the character controller package.</a:t>
+            </a:r>
+            <a:br>
+              <a:rPr lang="en-US" dirty="0" smtClean="0"/>
+            </a:br>
+            <a:r>
+              <a:rPr lang="en-US" dirty="0" smtClean="0"/>
+              <a:t>Add the prefab and remove the original main camera</a:t>
             </a:r>
             <a:endParaRPr lang="en-US" dirty="0"/>
           </a:p>
@@ -2068,7 +2127,7 @@
           <a:p>
             <a:fld id="{DCD2E95C-A448-4C41-BD21-6E619E7F5BB2}" type="slidenum">
               <a:rPr lang="en-US" smtClean="0"/>
-              <a:t>33</a:t>
+              <a:t>29</a:t>
             </a:fld>
             <a:endParaRPr lang="en-US"/>
           </a:p>
@@ -2077,7 +2136,7 @@
     </p:spTree>
     <p:extLst>
       <p:ext uri="{BB962C8B-B14F-4D97-AF65-F5344CB8AC3E}">
-        <p14:creationId xmlns:p14="http://schemas.microsoft.com/office/powerpoint/2010/main" val="762050862"/>
+        <p14:creationId xmlns:p14="http://schemas.microsoft.com/office/powerpoint/2010/main" val="1169975469"/>
       </p:ext>
     </p:extLst>
   </p:cSld>
@@ -2133,6 +2192,481 @@
           <a:p>
             <a:r>
               <a:rPr lang="en-US" dirty="0" smtClean="0"/>
+              <a:t>Create a new </a:t>
+            </a:r>
+            <a:r>
+              <a:rPr lang="en-US" dirty="0" err="1" smtClean="0"/>
+              <a:t>gameobject</a:t>
+            </a:r>
+            <a:r>
+              <a:rPr lang="en-US" dirty="0" smtClean="0"/>
+              <a:t> and add a </a:t>
+            </a:r>
+            <a:r>
+              <a:rPr lang="en-US" dirty="0" err="1" smtClean="0"/>
+              <a:t>poolmanager</a:t>
+            </a:r>
+            <a:r>
+              <a:rPr lang="en-US" dirty="0" smtClean="0"/>
+              <a:t> script.</a:t>
+            </a:r>
+          </a:p>
+          <a:p>
+            <a:r>
+              <a:rPr lang="en-US" dirty="0" smtClean="0"/>
+              <a:t>Show the </a:t>
+            </a:r>
+            <a:r>
+              <a:rPr lang="en-US" dirty="0" err="1" smtClean="0"/>
+              <a:t>poolmanager</a:t>
+            </a:r>
+            <a:r>
+              <a:rPr lang="en-US" dirty="0" smtClean="0"/>
+              <a:t> code (better ones available or written in 10</a:t>
+            </a:r>
+            <a:r>
+              <a:rPr lang="en-US" baseline="0" dirty="0" smtClean="0"/>
+              <a:t> </a:t>
+            </a:r>
+            <a:r>
+              <a:rPr lang="en-US" baseline="0" dirty="0" err="1" smtClean="0"/>
+              <a:t>mins</a:t>
+            </a:r>
+            <a:r>
+              <a:rPr lang="en-US" baseline="0" dirty="0" smtClean="0"/>
+              <a:t>)  Use Generics</a:t>
+            </a:r>
+          </a:p>
+          <a:p>
+            <a:r>
+              <a:rPr lang="en-US" baseline="0" dirty="0" smtClean="0"/>
+              <a:t>Create a red sphere, make it a prefab, and set it as the </a:t>
+            </a:r>
+            <a:r>
+              <a:rPr lang="en-US" baseline="0" dirty="0" err="1" smtClean="0"/>
+              <a:t>poolmanager</a:t>
+            </a:r>
+            <a:r>
+              <a:rPr lang="en-US" baseline="0" dirty="0" smtClean="0"/>
+              <a:t> prefab</a:t>
+            </a:r>
+            <a:endParaRPr lang="en-US" dirty="0"/>
+          </a:p>
+        </p:txBody>
+      </p:sp>
+      <p:sp>
+        <p:nvSpPr>
+          <p:cNvPr id="4" name="Slide Number Placeholder 3"/>
+          <p:cNvSpPr>
+            <a:spLocks noGrp="1"/>
+          </p:cNvSpPr>
+          <p:nvPr>
+            <p:ph type="sldNum" sz="quarter" idx="10"/>
+          </p:nvPr>
+        </p:nvSpPr>
+        <p:spPr/>
+        <p:txBody>
+          <a:bodyPr/>
+          <a:lstStyle/>
+          <a:p>
+            <a:fld id="{DCD2E95C-A448-4C41-BD21-6E619E7F5BB2}" type="slidenum">
+              <a:rPr lang="en-US" smtClean="0"/>
+              <a:t>30</a:t>
+            </a:fld>
+            <a:endParaRPr lang="en-US"/>
+          </a:p>
+        </p:txBody>
+      </p:sp>
+    </p:spTree>
+    <p:extLst>
+      <p:ext uri="{BB962C8B-B14F-4D97-AF65-F5344CB8AC3E}">
+        <p14:creationId xmlns:p14="http://schemas.microsoft.com/office/powerpoint/2010/main" val="3311590230"/>
+      </p:ext>
+    </p:extLst>
+  </p:cSld>
+  <p:clrMapOvr>
+    <a:masterClrMapping/>
+  </p:clrMapOvr>
+</p:notes>
+</file>
+
+<file path=ppt/notesSlides/notesSlide24.xml><?xml version="1.0" encoding="utf-8"?>
+<p:notes xmlns:a="http://schemas.openxmlformats.org/drawingml/2006/main" xmlns:r="http://schemas.openxmlformats.org/officeDocument/2006/relationships" xmlns:p="http://schemas.openxmlformats.org/presentationml/2006/main">
+  <p:cSld>
+    <p:spTree>
+      <p:nvGrpSpPr>
+        <p:cNvPr id="1" name=""/>
+        <p:cNvGrpSpPr/>
+        <p:nvPr/>
+      </p:nvGrpSpPr>
+      <p:grpSpPr>
+        <a:xfrm>
+          <a:off x="0" y="0"/>
+          <a:ext cx="0" cy="0"/>
+          <a:chOff x="0" y="0"/>
+          <a:chExt cx="0" cy="0"/>
+        </a:xfrm>
+      </p:grpSpPr>
+      <p:sp>
+        <p:nvSpPr>
+          <p:cNvPr id="2" name="Slide Image Placeholder 1"/>
+          <p:cNvSpPr>
+            <a:spLocks noGrp="1" noRot="1" noChangeAspect="1"/>
+          </p:cNvSpPr>
+          <p:nvPr>
+            <p:ph type="sldImg"/>
+          </p:nvPr>
+        </p:nvSpPr>
+        <p:spPr/>
+      </p:sp>
+      <p:sp>
+        <p:nvSpPr>
+          <p:cNvPr id="3" name="Notes Placeholder 2"/>
+          <p:cNvSpPr>
+            <a:spLocks noGrp="1"/>
+          </p:cNvSpPr>
+          <p:nvPr>
+            <p:ph type="body" idx="1"/>
+          </p:nvPr>
+        </p:nvSpPr>
+        <p:spPr/>
+        <p:txBody>
+          <a:bodyPr/>
+          <a:lstStyle/>
+          <a:p>
+            <a:r>
+              <a:rPr lang="en-US" dirty="0" smtClean="0"/>
+              <a:t>Add the </a:t>
+            </a:r>
+            <a:r>
+              <a:rPr lang="en-US" dirty="0" err="1" smtClean="0"/>
+              <a:t>projectilelauncher.cs</a:t>
+            </a:r>
+            <a:r>
+              <a:rPr lang="en-US" dirty="0" smtClean="0"/>
+              <a:t> script to the player</a:t>
+            </a:r>
+          </a:p>
+          <a:p>
+            <a:endParaRPr lang="en-US" dirty="0"/>
+          </a:p>
+        </p:txBody>
+      </p:sp>
+      <p:sp>
+        <p:nvSpPr>
+          <p:cNvPr id="4" name="Slide Number Placeholder 3"/>
+          <p:cNvSpPr>
+            <a:spLocks noGrp="1"/>
+          </p:cNvSpPr>
+          <p:nvPr>
+            <p:ph type="sldNum" sz="quarter" idx="10"/>
+          </p:nvPr>
+        </p:nvSpPr>
+        <p:spPr/>
+        <p:txBody>
+          <a:bodyPr/>
+          <a:lstStyle/>
+          <a:p>
+            <a:fld id="{DCD2E95C-A448-4C41-BD21-6E619E7F5BB2}" type="slidenum">
+              <a:rPr lang="en-US" smtClean="0"/>
+              <a:t>31</a:t>
+            </a:fld>
+            <a:endParaRPr lang="en-US"/>
+          </a:p>
+        </p:txBody>
+      </p:sp>
+    </p:spTree>
+    <p:extLst>
+      <p:ext uri="{BB962C8B-B14F-4D97-AF65-F5344CB8AC3E}">
+        <p14:creationId xmlns:p14="http://schemas.microsoft.com/office/powerpoint/2010/main" val="409507648"/>
+      </p:ext>
+    </p:extLst>
+  </p:cSld>
+  <p:clrMapOvr>
+    <a:masterClrMapping/>
+  </p:clrMapOvr>
+</p:notes>
+</file>
+
+<file path=ppt/notesSlides/notesSlide25.xml><?xml version="1.0" encoding="utf-8"?>
+<p:notes xmlns:a="http://schemas.openxmlformats.org/drawingml/2006/main" xmlns:r="http://schemas.openxmlformats.org/officeDocument/2006/relationships" xmlns:p="http://schemas.openxmlformats.org/presentationml/2006/main">
+  <p:cSld>
+    <p:spTree>
+      <p:nvGrpSpPr>
+        <p:cNvPr id="1" name=""/>
+        <p:cNvGrpSpPr/>
+        <p:nvPr/>
+      </p:nvGrpSpPr>
+      <p:grpSpPr>
+        <a:xfrm>
+          <a:off x="0" y="0"/>
+          <a:ext cx="0" cy="0"/>
+          <a:chOff x="0" y="0"/>
+          <a:chExt cx="0" cy="0"/>
+        </a:xfrm>
+      </p:grpSpPr>
+      <p:sp>
+        <p:nvSpPr>
+          <p:cNvPr id="2" name="Slide Image Placeholder 1"/>
+          <p:cNvSpPr>
+            <a:spLocks noGrp="1" noRot="1" noChangeAspect="1"/>
+          </p:cNvSpPr>
+          <p:nvPr>
+            <p:ph type="sldImg"/>
+          </p:nvPr>
+        </p:nvSpPr>
+        <p:spPr/>
+      </p:sp>
+      <p:sp>
+        <p:nvSpPr>
+          <p:cNvPr id="3" name="Notes Placeholder 2"/>
+          <p:cNvSpPr>
+            <a:spLocks noGrp="1"/>
+          </p:cNvSpPr>
+          <p:nvPr>
+            <p:ph type="body" idx="1"/>
+          </p:nvPr>
+        </p:nvSpPr>
+        <p:spPr/>
+        <p:txBody>
+          <a:bodyPr/>
+          <a:lstStyle/>
+          <a:p>
+            <a:r>
+              <a:rPr lang="en-US" dirty="0" smtClean="0"/>
+              <a:t>After adding this, change the type</a:t>
+            </a:r>
+            <a:r>
+              <a:rPr lang="en-US" baseline="0" dirty="0" smtClean="0"/>
+              <a:t> to </a:t>
+            </a:r>
+            <a:r>
+              <a:rPr lang="en-US" baseline="0" dirty="0" err="1" smtClean="0"/>
+              <a:t>Continious</a:t>
+            </a:r>
+            <a:r>
+              <a:rPr lang="en-US" baseline="0" dirty="0" smtClean="0"/>
+              <a:t> Dynamic</a:t>
+            </a:r>
+            <a:br>
+              <a:rPr lang="en-US" baseline="0" dirty="0" smtClean="0"/>
+            </a:br>
+            <a:r>
+              <a:rPr lang="en-US" baseline="0" dirty="0" smtClean="0"/>
+              <a:t>Discrete = Non Moving</a:t>
+            </a:r>
+          </a:p>
+          <a:p>
+            <a:r>
+              <a:rPr lang="en-US" baseline="0" dirty="0" err="1" smtClean="0"/>
+              <a:t>Cont</a:t>
+            </a:r>
+            <a:r>
+              <a:rPr lang="en-US" baseline="0" dirty="0" smtClean="0"/>
+              <a:t> = Moving slow</a:t>
+            </a:r>
+          </a:p>
+          <a:p>
+            <a:r>
+              <a:rPr lang="en-US" baseline="0" dirty="0" err="1" smtClean="0"/>
+              <a:t>Cont</a:t>
+            </a:r>
+            <a:r>
+              <a:rPr lang="en-US" baseline="0" dirty="0" smtClean="0"/>
+              <a:t> Dynamic = Fast Moving</a:t>
+            </a:r>
+            <a:endParaRPr lang="en-US" dirty="0"/>
+          </a:p>
+        </p:txBody>
+      </p:sp>
+      <p:sp>
+        <p:nvSpPr>
+          <p:cNvPr id="4" name="Slide Number Placeholder 3"/>
+          <p:cNvSpPr>
+            <a:spLocks noGrp="1"/>
+          </p:cNvSpPr>
+          <p:nvPr>
+            <p:ph type="sldNum" sz="quarter" idx="10"/>
+          </p:nvPr>
+        </p:nvSpPr>
+        <p:spPr/>
+        <p:txBody>
+          <a:bodyPr/>
+          <a:lstStyle/>
+          <a:p>
+            <a:fld id="{DCD2E95C-A448-4C41-BD21-6E619E7F5BB2}" type="slidenum">
+              <a:rPr lang="en-US" smtClean="0"/>
+              <a:t>32</a:t>
+            </a:fld>
+            <a:endParaRPr lang="en-US"/>
+          </a:p>
+        </p:txBody>
+      </p:sp>
+    </p:spTree>
+    <p:extLst>
+      <p:ext uri="{BB962C8B-B14F-4D97-AF65-F5344CB8AC3E}">
+        <p14:creationId xmlns:p14="http://schemas.microsoft.com/office/powerpoint/2010/main" val="3342569816"/>
+      </p:ext>
+    </p:extLst>
+  </p:cSld>
+  <p:clrMapOvr>
+    <a:masterClrMapping/>
+  </p:clrMapOvr>
+</p:notes>
+</file>
+
+<file path=ppt/notesSlides/notesSlide26.xml><?xml version="1.0" encoding="utf-8"?>
+<p:notes xmlns:a="http://schemas.openxmlformats.org/drawingml/2006/main" xmlns:r="http://schemas.openxmlformats.org/officeDocument/2006/relationships" xmlns:p="http://schemas.openxmlformats.org/presentationml/2006/main">
+  <p:cSld>
+    <p:spTree>
+      <p:nvGrpSpPr>
+        <p:cNvPr id="1" name=""/>
+        <p:cNvGrpSpPr/>
+        <p:nvPr/>
+      </p:nvGrpSpPr>
+      <p:grpSpPr>
+        <a:xfrm>
+          <a:off x="0" y="0"/>
+          <a:ext cx="0" cy="0"/>
+          <a:chOff x="0" y="0"/>
+          <a:chExt cx="0" cy="0"/>
+        </a:xfrm>
+      </p:grpSpPr>
+      <p:sp>
+        <p:nvSpPr>
+          <p:cNvPr id="2" name="Slide Image Placeholder 1"/>
+          <p:cNvSpPr>
+            <a:spLocks noGrp="1" noRot="1" noChangeAspect="1"/>
+          </p:cNvSpPr>
+          <p:nvPr>
+            <p:ph type="sldImg"/>
+          </p:nvPr>
+        </p:nvSpPr>
+        <p:spPr/>
+      </p:sp>
+      <p:sp>
+        <p:nvSpPr>
+          <p:cNvPr id="3" name="Notes Placeholder 2"/>
+          <p:cNvSpPr>
+            <a:spLocks noGrp="1"/>
+          </p:cNvSpPr>
+          <p:nvPr>
+            <p:ph type="body" idx="1"/>
+          </p:nvPr>
+        </p:nvSpPr>
+        <p:spPr/>
+        <p:txBody>
+          <a:bodyPr/>
+          <a:lstStyle/>
+          <a:p>
+            <a:r>
+              <a:rPr lang="en-US" dirty="0" smtClean="0"/>
+              <a:t>Talk about the asset store then import</a:t>
+            </a:r>
+            <a:r>
+              <a:rPr lang="en-US" baseline="0" dirty="0" smtClean="0"/>
+              <a:t> the “Crate and Box”</a:t>
+            </a:r>
+            <a:r>
+              <a:rPr lang="en-US" dirty="0" smtClean="0"/>
+              <a:t> package</a:t>
+            </a:r>
+          </a:p>
+          <a:p>
+            <a:r>
+              <a:rPr lang="en-US" dirty="0" smtClean="0"/>
+              <a:t>Developers</a:t>
+            </a:r>
+            <a:r>
+              <a:rPr lang="en-US" baseline="0" dirty="0" smtClean="0"/>
+              <a:t> can sell on the store</a:t>
+            </a:r>
+            <a:endParaRPr lang="en-US" dirty="0"/>
+          </a:p>
+        </p:txBody>
+      </p:sp>
+      <p:sp>
+        <p:nvSpPr>
+          <p:cNvPr id="4" name="Slide Number Placeholder 3"/>
+          <p:cNvSpPr>
+            <a:spLocks noGrp="1"/>
+          </p:cNvSpPr>
+          <p:nvPr>
+            <p:ph type="sldNum" sz="quarter" idx="10"/>
+          </p:nvPr>
+        </p:nvSpPr>
+        <p:spPr/>
+        <p:txBody>
+          <a:bodyPr/>
+          <a:lstStyle/>
+          <a:p>
+            <a:fld id="{DCD2E95C-A448-4C41-BD21-6E619E7F5BB2}" type="slidenum">
+              <a:rPr lang="en-US" smtClean="0"/>
+              <a:t>33</a:t>
+            </a:fld>
+            <a:endParaRPr lang="en-US"/>
+          </a:p>
+        </p:txBody>
+      </p:sp>
+    </p:spTree>
+    <p:extLst>
+      <p:ext uri="{BB962C8B-B14F-4D97-AF65-F5344CB8AC3E}">
+        <p14:creationId xmlns:p14="http://schemas.microsoft.com/office/powerpoint/2010/main" val="762050862"/>
+      </p:ext>
+    </p:extLst>
+  </p:cSld>
+  <p:clrMapOvr>
+    <a:masterClrMapping/>
+  </p:clrMapOvr>
+</p:notes>
+</file>
+
+<file path=ppt/notesSlides/notesSlide27.xml><?xml version="1.0" encoding="utf-8"?>
+<p:notes xmlns:a="http://schemas.openxmlformats.org/drawingml/2006/main" xmlns:r="http://schemas.openxmlformats.org/officeDocument/2006/relationships" xmlns:p="http://schemas.openxmlformats.org/presentationml/2006/main">
+  <p:cSld>
+    <p:spTree>
+      <p:nvGrpSpPr>
+        <p:cNvPr id="1" name=""/>
+        <p:cNvGrpSpPr/>
+        <p:nvPr/>
+      </p:nvGrpSpPr>
+      <p:grpSpPr>
+        <a:xfrm>
+          <a:off x="0" y="0"/>
+          <a:ext cx="0" cy="0"/>
+          <a:chOff x="0" y="0"/>
+          <a:chExt cx="0" cy="0"/>
+        </a:xfrm>
+      </p:grpSpPr>
+      <p:sp>
+        <p:nvSpPr>
+          <p:cNvPr id="2" name="Slide Image Placeholder 1"/>
+          <p:cNvSpPr>
+            <a:spLocks noGrp="1" noRot="1" noChangeAspect="1"/>
+          </p:cNvSpPr>
+          <p:nvPr>
+            <p:ph type="sldImg"/>
+          </p:nvPr>
+        </p:nvSpPr>
+        <p:spPr/>
+      </p:sp>
+      <p:sp>
+        <p:nvSpPr>
+          <p:cNvPr id="3" name="Notes Placeholder 2"/>
+          <p:cNvSpPr>
+            <a:spLocks noGrp="1"/>
+          </p:cNvSpPr>
+          <p:nvPr>
+            <p:ph type="body" idx="1"/>
+          </p:nvPr>
+        </p:nvSpPr>
+        <p:spPr/>
+        <p:txBody>
+          <a:bodyPr/>
+          <a:lstStyle/>
+          <a:p>
+            <a:r>
+              <a:rPr lang="en-US" dirty="0" smtClean="0"/>
               <a:t>Talk about </a:t>
             </a:r>
             <a:r>
@@ -2206,7 +2740,7 @@
 </p:notes>
 </file>
 
-<file path=ppt/notesSlides/notesSlide24.xml><?xml version="1.0" encoding="utf-8"?>
+<file path=ppt/notesSlides/notesSlide28.xml><?xml version="1.0" encoding="utf-8"?>
 <p:notes xmlns:a="http://schemas.openxmlformats.org/drawingml/2006/main" xmlns:r="http://schemas.openxmlformats.org/officeDocument/2006/relationships" xmlns:p="http://schemas.openxmlformats.org/presentationml/2006/main">
   <p:cSld>
     <p:spTree>
@@ -2348,7 +2882,47 @@
           <a:p>
             <a:r>
               <a:rPr lang="en-US" dirty="0" smtClean="0"/>
-              <a:t>Import the code and art packages</a:t>
+              <a:t>Training – Simulation of Tasks</a:t>
+            </a:r>
+          </a:p>
+          <a:p>
+            <a:r>
+              <a:rPr lang="en-US" dirty="0" smtClean="0"/>
+              <a:t>Education – Learning games and apps</a:t>
+            </a:r>
+          </a:p>
+          <a:p>
+            <a:r>
+              <a:rPr lang="en-US" dirty="0" smtClean="0"/>
+              <a:t>Visualization – Buildings</a:t>
+            </a:r>
+            <a:r>
+              <a:rPr lang="en-US" baseline="0" dirty="0" smtClean="0"/>
+              <a:t> &amp; Body Parts</a:t>
+            </a:r>
+          </a:p>
+          <a:p>
+            <a:r>
+              <a:rPr lang="en-US" dirty="0" smtClean="0"/>
+              <a:t>Entertainment – Games / Media</a:t>
+            </a:r>
+          </a:p>
+          <a:p>
+            <a:r>
+              <a:rPr lang="en-US" dirty="0" smtClean="0"/>
+              <a:t>General Cross </a:t>
+            </a:r>
+            <a:r>
+              <a:rPr lang="en-US" dirty="0" err="1" smtClean="0"/>
+              <a:t>Platfrom</a:t>
+            </a:r>
+            <a:r>
+              <a:rPr lang="en-US" dirty="0" smtClean="0"/>
+              <a:t> - Home </a:t>
+            </a:r>
+            <a:r>
+              <a:rPr lang="en-US" dirty="0" smtClean="0"/>
+              <a:t>automation</a:t>
             </a:r>
             <a:endParaRPr lang="en-US" dirty="0"/>
           </a:p>
@@ -2371,7 +2945,7 @@
           <a:p>
             <a:fld id="{DCD2E95C-A448-4C41-BD21-6E619E7F5BB2}" type="slidenum">
               <a:rPr lang="en-US" smtClean="0"/>
-              <a:t>6</a:t>
+              <a:t>3</a:t>
             </a:fld>
             <a:endParaRPr lang="en-US"/>
           </a:p>
@@ -2380,7 +2954,7 @@
     </p:spTree>
     <p:extLst>
       <p:ext uri="{BB962C8B-B14F-4D97-AF65-F5344CB8AC3E}">
-        <p14:creationId xmlns:p14="http://schemas.microsoft.com/office/powerpoint/2010/main" val="943124974"/>
+        <p14:creationId xmlns:p14="http://schemas.microsoft.com/office/powerpoint/2010/main" val="3319053361"/>
       </p:ext>
     </p:extLst>
   </p:cSld>
@@ -2436,17 +3010,7 @@
           <a:p>
             <a:r>
               <a:rPr lang="en-US" dirty="0" smtClean="0"/>
-              <a:t>Switch camera to Ortho Size</a:t>
-            </a:r>
-            <a:r>
-              <a:rPr lang="en-US" baseline="0" dirty="0" smtClean="0"/>
-              <a:t> 25</a:t>
-            </a:r>
-          </a:p>
-          <a:p>
-            <a:r>
-              <a:rPr lang="en-US" baseline="0" dirty="0" smtClean="0"/>
-              <a:t>Add a Fish from the art folder to scene hierarchy</a:t>
+              <a:t>Open unity now and show the New Project creation</a:t>
             </a:r>
             <a:endParaRPr lang="en-US" dirty="0"/>
           </a:p>
@@ -2469,7 +3033,7 @@
           <a:p>
             <a:fld id="{DCD2E95C-A448-4C41-BD21-6E619E7F5BB2}" type="slidenum">
               <a:rPr lang="en-US" smtClean="0"/>
-              <a:t>7</a:t>
+              <a:t>5</a:t>
             </a:fld>
             <a:endParaRPr lang="en-US"/>
           </a:p>
@@ -2478,7 +3042,7 @@
     </p:spTree>
     <p:extLst>
       <p:ext uri="{BB962C8B-B14F-4D97-AF65-F5344CB8AC3E}">
-        <p14:creationId xmlns:p14="http://schemas.microsoft.com/office/powerpoint/2010/main" val="4258104041"/>
+        <p14:creationId xmlns:p14="http://schemas.microsoft.com/office/powerpoint/2010/main" val="3919707243"/>
       </p:ext>
     </p:extLst>
   </p:cSld>
@@ -2534,7 +3098,17 @@
           <a:p>
             <a:r>
               <a:rPr lang="en-US" dirty="0" smtClean="0"/>
-              <a:t>Should see fish here</a:t>
+              <a:t>Import the code and art </a:t>
+            </a:r>
+            <a:r>
+              <a:rPr lang="en-US" dirty="0" smtClean="0"/>
+              <a:t>packages</a:t>
+            </a:r>
+          </a:p>
+          <a:p>
+            <a:r>
+              <a:rPr lang="en-US" dirty="0" smtClean="0"/>
+              <a:t>Show Preview of a sprite</a:t>
             </a:r>
             <a:endParaRPr lang="en-US" dirty="0"/>
           </a:p>
@@ -2557,7 +3131,7 @@
           <a:p>
             <a:fld id="{DCD2E95C-A448-4C41-BD21-6E619E7F5BB2}" type="slidenum">
               <a:rPr lang="en-US" smtClean="0"/>
-              <a:t>8</a:t>
+              <a:t>6</a:t>
             </a:fld>
             <a:endParaRPr lang="en-US"/>
           </a:p>
@@ -2566,7 +3140,7 @@
     </p:spTree>
     <p:extLst>
       <p:ext uri="{BB962C8B-B14F-4D97-AF65-F5344CB8AC3E}">
-        <p14:creationId xmlns:p14="http://schemas.microsoft.com/office/powerpoint/2010/main" val="2694097909"/>
+        <p14:creationId xmlns:p14="http://schemas.microsoft.com/office/powerpoint/2010/main" val="943124974"/>
       </p:ext>
     </p:extLst>
   </p:cSld>
@@ -2622,19 +3196,34 @@
           <a:p>
             <a:r>
               <a:rPr lang="en-US" dirty="0" smtClean="0"/>
-              <a:t>Fish has a sprite renderer</a:t>
-            </a:r>
+              <a:t>Switch camera to </a:t>
+            </a:r>
+            <a:r>
+              <a:rPr lang="en-US" dirty="0" smtClean="0"/>
+              <a:t>Ortho</a:t>
+            </a:r>
+            <a:endParaRPr lang="en-US" baseline="0" dirty="0" smtClean="0"/>
           </a:p>
           <a:p>
             <a:r>
               <a:rPr lang="en-US" baseline="0" dirty="0" smtClean="0"/>
-              <a:t>Add RigidBody2D and show it fall</a:t>
-            </a:r>
-          </a:p>
-          <a:p>
+              <a:t>Add a Fish from the art folder to scene </a:t>
+            </a:r>
             <a:r>
               <a:rPr lang="en-US" baseline="0" dirty="0" smtClean="0"/>
-              <a:t>Save the Scene</a:t>
+              <a:t>hierarchy</a:t>
+            </a:r>
+          </a:p>
+          <a:p>
+            <a:r>
+              <a:rPr lang="en-US" baseline="0" dirty="0" smtClean="0"/>
+              <a:t>Focus on the Fish</a:t>
+            </a:r>
+          </a:p>
+          <a:p>
+            <a:r>
+              <a:rPr lang="en-US" baseline="0" dirty="0" smtClean="0"/>
+              <a:t>Show the camera preview - Game view of Fish is next</a:t>
             </a:r>
             <a:endParaRPr lang="en-US" dirty="0"/>
           </a:p>
@@ -2657,7 +3246,7 @@
           <a:p>
             <a:fld id="{DCD2E95C-A448-4C41-BD21-6E619E7F5BB2}" type="slidenum">
               <a:rPr lang="en-US" smtClean="0"/>
-              <a:t>9</a:t>
+              <a:t>7</a:t>
             </a:fld>
             <a:endParaRPr lang="en-US"/>
           </a:p>
@@ -2666,7 +3255,7 @@
     </p:spTree>
     <p:extLst>
       <p:ext uri="{BB962C8B-B14F-4D97-AF65-F5344CB8AC3E}">
-        <p14:creationId xmlns:p14="http://schemas.microsoft.com/office/powerpoint/2010/main" val="4010885049"/>
+        <p14:creationId xmlns:p14="http://schemas.microsoft.com/office/powerpoint/2010/main" val="4258104041"/>
       </p:ext>
     </p:extLst>
   </p:cSld>
@@ -2722,11 +3311,29 @@
           <a:p>
             <a:r>
               <a:rPr lang="en-US" dirty="0" smtClean="0"/>
-              <a:t>Fish still falls through, show this.</a:t>
+              <a:t>Show the game view with the Fish</a:t>
+            </a:r>
+          </a:p>
+          <a:p>
+            <a:r>
+              <a:rPr lang="en-US" dirty="0" smtClean="0"/>
+              <a:t>Explain</a:t>
             </a:r>
             <a:r>
               <a:rPr lang="en-US" baseline="0" dirty="0" smtClean="0"/>
-              <a:t>  Next slide adds collider</a:t>
+              <a:t> game view shows the camera’s view</a:t>
+            </a:r>
+          </a:p>
+          <a:p>
+            <a:r>
+              <a:rPr lang="en-US" baseline="0" dirty="0" smtClean="0"/>
+              <a:t>Show Stats – FPS</a:t>
+            </a:r>
+          </a:p>
+          <a:p>
+            <a:r>
+              <a:rPr lang="en-US" baseline="0" dirty="0" smtClean="0"/>
+              <a:t>Explain resizing for different platforms – Set different sizes</a:t>
             </a:r>
             <a:endParaRPr lang="en-US" dirty="0"/>
           </a:p>
@@ -2749,7 +3356,7 @@
           <a:p>
             <a:fld id="{DCD2E95C-A448-4C41-BD21-6E619E7F5BB2}" type="slidenum">
               <a:rPr lang="en-US" smtClean="0"/>
-              <a:t>12</a:t>
+              <a:t>8</a:t>
             </a:fld>
             <a:endParaRPr lang="en-US"/>
           </a:p>
@@ -2758,7 +3365,7 @@
     </p:spTree>
     <p:extLst>
       <p:ext uri="{BB962C8B-B14F-4D97-AF65-F5344CB8AC3E}">
-        <p14:creationId xmlns:p14="http://schemas.microsoft.com/office/powerpoint/2010/main" val="1633927711"/>
+        <p14:creationId xmlns:p14="http://schemas.microsoft.com/office/powerpoint/2010/main" val="2694097909"/>
       </p:ext>
     </p:extLst>
   </p:cSld>
@@ -2814,31 +3421,28 @@
           <a:p>
             <a:r>
               <a:rPr lang="en-US" dirty="0" smtClean="0"/>
-              <a:t>Add the collider show it roll off</a:t>
-            </a:r>
-          </a:p>
-          <a:p>
-            <a:r>
-              <a:rPr lang="en-US" dirty="0" smtClean="0"/>
-              <a:t>Switch to a trigger</a:t>
-            </a:r>
-          </a:p>
-          <a:p>
-            <a:r>
-              <a:rPr lang="en-US" dirty="0" smtClean="0"/>
-              <a:t>Add </a:t>
-            </a:r>
-            <a:r>
-              <a:rPr lang="en-US" dirty="0" err="1" smtClean="0"/>
-              <a:t>seaweedPartBasic.cs</a:t>
-            </a:r>
-            <a:r>
-              <a:rPr lang="en-US" dirty="0" smtClean="0"/>
-              <a:t> </a:t>
+              <a:t>Fish has a sprite </a:t>
+            </a:r>
+            <a:r>
+              <a:rPr lang="en-US" dirty="0" smtClean="0"/>
+              <a:t>renderer – Show how to change the</a:t>
             </a:r>
             <a:r>
               <a:rPr lang="en-US" baseline="0" dirty="0" smtClean="0"/>
-              <a:t>  watch fish fall and level restart – scene must be saved</a:t>
+              <a:t> sprite</a:t>
+            </a:r>
+            <a:endParaRPr lang="en-US" dirty="0" smtClean="0"/>
+          </a:p>
+          <a:p>
+            <a:r>
+              <a:rPr lang="en-US" baseline="0" dirty="0" smtClean="0"/>
+              <a:t>Add RigidBody2D and show it fall</a:t>
+            </a:r>
+          </a:p>
+          <a:p>
+            <a:r>
+              <a:rPr lang="en-US" baseline="0" dirty="0" smtClean="0"/>
+              <a:t>Save the Scene</a:t>
             </a:r>
             <a:endParaRPr lang="en-US" dirty="0"/>
           </a:p>
@@ -2861,7 +3465,7 @@
           <a:p>
             <a:fld id="{DCD2E95C-A448-4C41-BD21-6E619E7F5BB2}" type="slidenum">
               <a:rPr lang="en-US" smtClean="0"/>
-              <a:t>13</a:t>
+              <a:t>9</a:t>
             </a:fld>
             <a:endParaRPr lang="en-US"/>
           </a:p>
@@ -2870,7 +3474,7 @@
     </p:spTree>
     <p:extLst>
       <p:ext uri="{BB962C8B-B14F-4D97-AF65-F5344CB8AC3E}">
-        <p14:creationId xmlns:p14="http://schemas.microsoft.com/office/powerpoint/2010/main" val="2045006429"/>
+        <p14:creationId xmlns:p14="http://schemas.microsoft.com/office/powerpoint/2010/main" val="4010885049"/>
       </p:ext>
     </p:extLst>
   </p:cSld>
@@ -2926,42 +3530,7 @@
           <a:p>
             <a:r>
               <a:rPr lang="en-US" dirty="0" smtClean="0"/>
-              <a:t>Create</a:t>
-            </a:r>
-            <a:r>
-              <a:rPr lang="en-US" baseline="0" dirty="0" smtClean="0"/>
-              <a:t> a </a:t>
-            </a:r>
-            <a:r>
-              <a:rPr lang="en-US" baseline="0" dirty="0" err="1" smtClean="0"/>
-              <a:t>gameobject</a:t>
-            </a:r>
-            <a:r>
-              <a:rPr lang="en-US" baseline="0" dirty="0" smtClean="0"/>
-              <a:t> and set the two seaweed parts as children.</a:t>
-            </a:r>
-          </a:p>
-          <a:p>
-            <a:r>
-              <a:rPr lang="en-US" baseline="0" dirty="0" smtClean="0"/>
-              <a:t>Add </a:t>
-            </a:r>
-            <a:r>
-              <a:rPr lang="en-US" baseline="0" dirty="0" err="1" smtClean="0"/>
-              <a:t>seaweedbasic.cs</a:t>
-            </a:r>
-            <a:endParaRPr lang="en-US" baseline="0" dirty="0" smtClean="0"/>
-          </a:p>
-          <a:p>
-            <a:r>
-              <a:rPr lang="en-US" baseline="0" dirty="0" smtClean="0"/>
-              <a:t>Watch seaweed move.</a:t>
-            </a:r>
-          </a:p>
-          <a:p>
-            <a:r>
-              <a:rPr lang="en-US" baseline="0" dirty="0" smtClean="0"/>
-              <a:t>Duplicate seaweed</a:t>
+              <a:t>Explain Methods – Continue to Next</a:t>
             </a:r>
             <a:endParaRPr lang="en-US" dirty="0"/>
           </a:p>
@@ -2984,7 +3553,7 @@
           <a:p>
             <a:fld id="{DCD2E95C-A448-4C41-BD21-6E619E7F5BB2}" type="slidenum">
               <a:rPr lang="en-US" smtClean="0"/>
-              <a:t>14</a:t>
+              <a:t>10</a:t>
             </a:fld>
             <a:endParaRPr lang="en-US"/>
           </a:p>
@@ -2993,7 +3562,7 @@
     </p:spTree>
     <p:extLst>
       <p:ext uri="{BB962C8B-B14F-4D97-AF65-F5344CB8AC3E}">
-        <p14:creationId xmlns:p14="http://schemas.microsoft.com/office/powerpoint/2010/main" val="1020439643"/>
+        <p14:creationId xmlns:p14="http://schemas.microsoft.com/office/powerpoint/2010/main" val="965242654"/>
       </p:ext>
     </p:extLst>
   </p:cSld>
@@ -9584,7 +10153,7 @@
           <a:p>
             <a:r>
               <a:rPr lang="en-US" dirty="0" smtClean="0"/>
-              <a:t>Movement</a:t>
+              <a:t>Movement / Seaweed Parent</a:t>
             </a:r>
             <a:endParaRPr lang="en-US" dirty="0"/>
           </a:p>
@@ -9706,47 +10275,65 @@
           <a:lstStyle/>
           <a:p>
             <a:r>
+              <a:rPr lang="en-US" dirty="0" smtClean="0"/>
+              <a:t>Create by dragging a </a:t>
+            </a:r>
+            <a:r>
               <a:rPr lang="en-US" dirty="0" err="1" smtClean="0"/>
               <a:t>GameObject</a:t>
             </a:r>
             <a:r>
+              <a:rPr lang="en-US" dirty="0" smtClean="0"/>
+              <a:t> </a:t>
+            </a:r>
+            <a:r>
+              <a:rPr lang="en-US" dirty="0" smtClean="0"/>
+              <a:t>from scene </a:t>
+            </a:r>
+            <a:r>
               <a:rPr lang="en-US" dirty="0"/>
-              <a:t> </a:t>
-            </a:r>
-            <a:r>
-              <a:rPr lang="en-US" dirty="0" smtClean="0"/>
-              <a:t>from scene as starting point</a:t>
-            </a:r>
-          </a:p>
-          <a:p>
-            <a:r>
-              <a:rPr lang="en-US" dirty="0" smtClean="0"/>
-              <a:t>Children</a:t>
-            </a:r>
-          </a:p>
-          <a:p>
-            <a:r>
-              <a:rPr lang="en-US" dirty="0" smtClean="0"/>
-              <a:t>Values</a:t>
-            </a:r>
-          </a:p>
-          <a:p>
-            <a:r>
-              <a:rPr lang="en-US" dirty="0" smtClean="0"/>
-              <a:t>Is a definition</a:t>
-            </a:r>
-          </a:p>
-          <a:p>
-            <a:r>
-              <a:rPr lang="en-US" dirty="0" smtClean="0"/>
-              <a:t>Changes reflected in scenes</a:t>
+              <a:t>hierarchy to </a:t>
+            </a:r>
+            <a:r>
+              <a:rPr lang="en-US" dirty="0" smtClean="0"/>
+              <a:t>project hierarchy</a:t>
+            </a:r>
+            <a:endParaRPr lang="en-US" dirty="0" smtClean="0"/>
+          </a:p>
+          <a:p>
+            <a:r>
+              <a:rPr lang="en-US" dirty="0" smtClean="0"/>
+              <a:t>“Acts </a:t>
+            </a:r>
+            <a:r>
+              <a:rPr lang="en-US" dirty="0"/>
+              <a:t>as a template from which you can create new object instances in the </a:t>
+            </a:r>
+            <a:r>
+              <a:rPr lang="en-US" dirty="0" smtClean="0"/>
+              <a:t>scene</a:t>
+            </a:r>
+            <a:r>
+              <a:rPr lang="en-US" dirty="0" smtClean="0"/>
+              <a:t>”</a:t>
+            </a:r>
+            <a:endParaRPr lang="en-US" dirty="0" smtClean="0"/>
+          </a:p>
+          <a:p>
+            <a:r>
+              <a:rPr lang="en-US" dirty="0" smtClean="0"/>
+              <a:t>Changes to Prefabs are reflected in their instances in scenes</a:t>
             </a:r>
           </a:p>
           <a:p>
             <a:pPr lvl="1"/>
             <a:r>
               <a:rPr lang="en-US" dirty="0" smtClean="0"/>
-              <a:t>Modified values in the scenes are not auto updated</a:t>
+              <a:t>Modified </a:t>
+            </a:r>
+            <a:r>
+              <a:rPr lang="en-US" dirty="0" smtClean="0"/>
+              <a:t>values in the scenes are not auto updated</a:t>
             </a:r>
             <a:endParaRPr lang="en-US" dirty="0"/>
           </a:p>
@@ -10274,8 +10861,19 @@
           <a:p>
             <a:r>
               <a:rPr lang="en-US" dirty="0" smtClean="0"/>
-              <a:t>2D / 3D Rendering Engine</a:t>
-            </a:r>
+              <a:t>2D / 3D Rendering </a:t>
+            </a:r>
+            <a:r>
+              <a:rPr lang="en-US" dirty="0" smtClean="0"/>
+              <a:t>Engine</a:t>
+            </a:r>
+          </a:p>
+          <a:p>
+            <a:r>
+              <a:rPr lang="en-US" dirty="0" smtClean="0"/>
+              <a:t>Development Environment</a:t>
+            </a:r>
+            <a:endParaRPr lang="en-US" dirty="0" smtClean="0"/>
           </a:p>
           <a:p>
             <a:r>
@@ -11438,21 +12036,10 @@
               <a:t>Visualization (medical, </a:t>
             </a:r>
             <a:r>
-              <a:rPr lang="en-US" dirty="0" err="1" smtClean="0"/>
-              <a:t>arcitechtural</a:t>
-            </a:r>
-            <a:r>
-              <a:rPr lang="en-US" dirty="0" smtClean="0"/>
-              <a:t>, </a:t>
-            </a:r>
-            <a:r>
-              <a:rPr lang="en-US" dirty="0" err="1" smtClean="0"/>
-              <a:t>etc</a:t>
-            </a:r>
-            <a:r>
-              <a:rPr lang="en-US" dirty="0" smtClean="0"/>
-              <a:t>)</a:t>
-            </a:r>
+              <a:rPr lang="en-US" dirty="0" smtClean="0"/>
+              <a:t>architectural, etc.)</a:t>
+            </a:r>
+            <a:endParaRPr lang="en-US" dirty="0" smtClean="0"/>
           </a:p>
           <a:p>
             <a:pPr lvl="1"/>
@@ -12687,8 +13274,18 @@
           <a:lstStyle/>
           <a:p>
             <a:r>
-              <a:rPr lang="en-US" dirty="0" smtClean="0"/>
-              <a:t>Explorer / Finder</a:t>
+              <a:rPr lang="en-US" dirty="0"/>
+              <a:t>Import a package</a:t>
+            </a:r>
+          </a:p>
+          <a:p>
+            <a:r>
+              <a:rPr lang="en-US" dirty="0" smtClean="0"/>
+              <a:t>Explorer </a:t>
+            </a:r>
+            <a:r>
+              <a:rPr lang="en-US" dirty="0" smtClean="0"/>
+              <a:t>/ Finder</a:t>
             </a:r>
           </a:p>
           <a:p>
@@ -12713,12 +13310,6 @@
             <a:r>
               <a:rPr lang="en-US" dirty="0" smtClean="0"/>
               <a:t>Favorites</a:t>
-            </a:r>
-          </a:p>
-          <a:p>
-            <a:r>
-              <a:rPr lang="en-US" dirty="0" smtClean="0"/>
-              <a:t>Import a package</a:t>
             </a:r>
           </a:p>
           <a:p>
@@ -12802,11 +13393,34 @@
           <a:lstStyle/>
           <a:p>
             <a:r>
-              <a:rPr lang="en-US" dirty="0" smtClean="0"/>
-              <a:t>Add to the scene by dragging from the project view</a:t>
-            </a:r>
-          </a:p>
-          <a:p>
+              <a:rPr lang="en-US" dirty="0"/>
+              <a:t>Main </a:t>
+            </a:r>
+            <a:r>
+              <a:rPr lang="en-US" dirty="0" smtClean="0"/>
+              <a:t>Camera</a:t>
+            </a:r>
+          </a:p>
+          <a:p>
+            <a:pPr lvl="1"/>
+            <a:r>
+              <a:rPr lang="en-US" dirty="0" smtClean="0"/>
+              <a:t>Added by Default</a:t>
+            </a:r>
+            <a:endParaRPr lang="en-US" dirty="0"/>
+          </a:p>
+          <a:p>
+            <a:r>
+              <a:rPr lang="en-US" dirty="0" smtClean="0"/>
+              <a:t>Add objects to </a:t>
+            </a:r>
+            <a:r>
+              <a:rPr lang="en-US" dirty="0" smtClean="0"/>
+              <a:t>the scene by dragging from the project view</a:t>
+            </a:r>
+          </a:p>
+          <a:p>
+            <a:pPr lvl="1"/>
             <a:r>
               <a:rPr lang="en-US" dirty="0" smtClean="0"/>
               <a:t>Drop to scene view or hierarchy</a:t>
@@ -12822,12 +13436,6 @@
             <a:r>
               <a:rPr lang="en-US" dirty="0" smtClean="0"/>
               <a:t>Ctrl-D to duplicate</a:t>
-            </a:r>
-          </a:p>
-          <a:p>
-            <a:r>
-              <a:rPr lang="en-US" dirty="0" smtClean="0"/>
-              <a:t>Main Camera</a:t>
             </a:r>
           </a:p>
           <a:p>

--- a/Presentations/Intro to Unity.pptx
+++ b/Presentations/Intro to Unity.pptx
@@ -5,7 +5,7 @@
     <p:sldMasterId id="2147483806" r:id="rId1"/>
   </p:sldMasterIdLst>
   <p:notesMasterIdLst>
-    <p:notesMasterId r:id="rId40"/>
+    <p:notesMasterId r:id="rId41"/>
   </p:notesMasterIdLst>
   <p:sldIdLst>
     <p:sldId id="256" r:id="rId2"/>
@@ -46,6 +46,7 @@
     <p:sldId id="291" r:id="rId37"/>
     <p:sldId id="292" r:id="rId38"/>
     <p:sldId id="293" r:id="rId39"/>
+    <p:sldId id="295" r:id="rId40"/>
   </p:sldIdLst>
   <p:sldSz cx="12192000" cy="6858000"/>
   <p:notesSz cx="6858000" cy="9144000"/>
@@ -234,7 +235,7 @@
           <a:p>
             <a:fld id="{C7AB5DAF-74F8-49FF-A7FB-413F0AF491A3}" type="datetimeFigureOut">
               <a:rPr lang="en-US" smtClean="0"/>
-              <a:t>1/19/2015</a:t>
+              <a:t>1/20/2015</a:t>
             </a:fld>
             <a:endParaRPr lang="en-US"/>
           </a:p>
@@ -751,19 +752,11 @@
           <a:p>
             <a:r>
               <a:rPr lang="en-US" dirty="0" smtClean="0"/>
-              <a:t>Fish </a:t>
-            </a:r>
-            <a:r>
-              <a:rPr lang="en-US" dirty="0" smtClean="0"/>
-              <a:t>still falls through, show this.</a:t>
+              <a:t>Fish still falls through, show this.</a:t>
             </a:r>
             <a:r>
               <a:rPr lang="en-US" baseline="0" dirty="0" smtClean="0"/>
-              <a:t>  Next slide adds </a:t>
-            </a:r>
-            <a:r>
-              <a:rPr lang="en-US" baseline="0" dirty="0" smtClean="0"/>
-              <a:t>collider</a:t>
+              <a:t>  Next slide adds collider</a:t>
             </a:r>
           </a:p>
           <a:p>
@@ -987,11 +980,7 @@
             </a:r>
             <a:r>
               <a:rPr lang="en-US" baseline="0" dirty="0" smtClean="0"/>
-              <a:t> and set the two seaweed parts as children</a:t>
-            </a:r>
-            <a:r>
-              <a:rPr lang="en-US" baseline="0" dirty="0" smtClean="0"/>
-              <a:t>.</a:t>
+              <a:t> and set the two seaweed parts as children.</a:t>
             </a:r>
           </a:p>
           <a:p>
@@ -999,7 +988,6 @@
               <a:rPr lang="en-US" baseline="0" dirty="0" smtClean="0"/>
               <a:t>Explain child offset and show it moving children</a:t>
             </a:r>
-            <a:endParaRPr lang="en-US" baseline="0" dirty="0" smtClean="0"/>
           </a:p>
           <a:p>
             <a:r>
@@ -1015,11 +1003,7 @@
           <a:p>
             <a:r>
               <a:rPr lang="en-US" baseline="0" dirty="0" smtClean="0"/>
-              <a:t>Watch seaweed move</a:t>
-            </a:r>
-            <a:r>
-              <a:rPr lang="en-US" baseline="0" dirty="0" smtClean="0"/>
-              <a:t>.</a:t>
+              <a:t>Watch seaweed move.</a:t>
             </a:r>
           </a:p>
           <a:p>
@@ -1132,11 +1116,7 @@
             </a:r>
             <a:r>
               <a:rPr lang="en-US" baseline="0" dirty="0" smtClean="0"/>
-              <a:t> a prefab then duplicate the seaweed </a:t>
-            </a:r>
-            <a:r>
-              <a:rPr lang="en-US" baseline="0" dirty="0" smtClean="0"/>
-              <a:t>3x</a:t>
+              <a:t> a prefab then duplicate the seaweed 3x</a:t>
             </a:r>
           </a:p>
           <a:p>
@@ -1275,13 +1255,8 @@
             </a:r>
             <a:r>
               <a:rPr lang="en-US" baseline="0" dirty="0" smtClean="0"/>
-              <a:t>  set speed to </a:t>
-            </a:r>
-            <a:r>
-              <a:rPr lang="en-US" baseline="0" dirty="0" smtClean="0"/>
-              <a:t>1.5</a:t>
-            </a:r>
-            <a:endParaRPr lang="en-US" baseline="0" dirty="0" smtClean="0"/>
+              <a:t>  set speed to 1.5</a:t>
+            </a:r>
           </a:p>
           <a:p>
             <a:r>
@@ -2918,11 +2893,7 @@
             </a:r>
             <a:r>
               <a:rPr lang="en-US" dirty="0" smtClean="0"/>
-              <a:t> - Home </a:t>
-            </a:r>
-            <a:r>
-              <a:rPr lang="en-US" dirty="0" smtClean="0"/>
-              <a:t>automation</a:t>
+              <a:t> - Home automation</a:t>
             </a:r>
             <a:endParaRPr lang="en-US" dirty="0"/>
           </a:p>
@@ -3098,11 +3069,7 @@
           <a:p>
             <a:r>
               <a:rPr lang="en-US" dirty="0" smtClean="0"/>
-              <a:t>Import the code and art </a:t>
-            </a:r>
-            <a:r>
-              <a:rPr lang="en-US" dirty="0" smtClean="0"/>
-              <a:t>packages</a:t>
+              <a:t>Import the code and art packages</a:t>
             </a:r>
           </a:p>
           <a:p>
@@ -3196,22 +3163,14 @@
           <a:p>
             <a:r>
               <a:rPr lang="en-US" dirty="0" smtClean="0"/>
-              <a:t>Switch camera to </a:t>
-            </a:r>
-            <a:r>
-              <a:rPr lang="en-US" dirty="0" smtClean="0"/>
-              <a:t>Ortho</a:t>
+              <a:t>Switch camera to Ortho</a:t>
             </a:r>
             <a:endParaRPr lang="en-US" baseline="0" dirty="0" smtClean="0"/>
           </a:p>
           <a:p>
             <a:r>
               <a:rPr lang="en-US" baseline="0" dirty="0" smtClean="0"/>
-              <a:t>Add a Fish from the art folder to scene </a:t>
-            </a:r>
-            <a:r>
-              <a:rPr lang="en-US" baseline="0" dirty="0" smtClean="0"/>
-              <a:t>hierarchy</a:t>
+              <a:t>Add a Fish from the art folder to scene hierarchy</a:t>
             </a:r>
           </a:p>
           <a:p>
@@ -3421,11 +3380,7 @@
           <a:p>
             <a:r>
               <a:rPr lang="en-US" dirty="0" smtClean="0"/>
-              <a:t>Fish has a sprite </a:t>
-            </a:r>
-            <a:r>
-              <a:rPr lang="en-US" dirty="0" smtClean="0"/>
-              <a:t>renderer – Show how to change the</a:t>
+              <a:t>Fish has a sprite renderer – Show how to change the</a:t>
             </a:r>
             <a:r>
               <a:rPr lang="en-US" baseline="0" dirty="0" smtClean="0"/>
@@ -3759,7 +3714,7 @@
             <a:fld id="{B61BEF0D-F0BB-DE4B-95CE-6DB70DBA9567}" type="datetimeFigureOut">
               <a:rPr lang="en-US" smtClean="0"/>
               <a:pPr/>
-              <a:t>1/19/2015</a:t>
+              <a:t>1/20/2015</a:t>
             </a:fld>
             <a:endParaRPr lang="en-US" dirty="0"/>
           </a:p>
@@ -4036,7 +3991,7 @@
             <a:fld id="{B61BEF0D-F0BB-DE4B-95CE-6DB70DBA9567}" type="datetimeFigureOut">
               <a:rPr lang="en-US" smtClean="0"/>
               <a:pPr/>
-              <a:t>1/19/2015</a:t>
+              <a:t>1/20/2015</a:t>
             </a:fld>
             <a:endParaRPr lang="en-US" dirty="0"/>
           </a:p>
@@ -4232,7 +4187,7 @@
             <a:fld id="{B61BEF0D-F0BB-DE4B-95CE-6DB70DBA9567}" type="datetimeFigureOut">
               <a:rPr lang="en-US" smtClean="0"/>
               <a:pPr/>
-              <a:t>1/19/2015</a:t>
+              <a:t>1/20/2015</a:t>
             </a:fld>
             <a:endParaRPr lang="en-US" dirty="0"/>
           </a:p>
@@ -4507,7 +4462,7 @@
             <a:fld id="{B61BEF0D-F0BB-DE4B-95CE-6DB70DBA9567}" type="datetimeFigureOut">
               <a:rPr lang="en-US" smtClean="0"/>
               <a:pPr/>
-              <a:t>1/19/2015</a:t>
+              <a:t>1/20/2015</a:t>
             </a:fld>
             <a:endParaRPr lang="en-US" dirty="0"/>
           </a:p>
@@ -4850,7 +4805,7 @@
             <a:fld id="{B61BEF0D-F0BB-DE4B-95CE-6DB70DBA9567}" type="datetimeFigureOut">
               <a:rPr lang="en-US" smtClean="0"/>
               <a:pPr/>
-              <a:t>1/19/2015</a:t>
+              <a:t>1/20/2015</a:t>
             </a:fld>
             <a:endParaRPr lang="en-US" dirty="0"/>
           </a:p>
@@ -5475,7 +5430,7 @@
             <a:fld id="{B61BEF0D-F0BB-DE4B-95CE-6DB70DBA9567}" type="datetimeFigureOut">
               <a:rPr lang="en-US" smtClean="0"/>
               <a:pPr/>
-              <a:t>1/19/2015</a:t>
+              <a:t>1/20/2015</a:t>
             </a:fld>
             <a:endParaRPr lang="en-US" dirty="0"/>
           </a:p>
@@ -6337,7 +6292,7 @@
             <a:fld id="{B61BEF0D-F0BB-DE4B-95CE-6DB70DBA9567}" type="datetimeFigureOut">
               <a:rPr lang="en-US" smtClean="0"/>
               <a:pPr/>
-              <a:t>1/19/2015</a:t>
+              <a:t>1/20/2015</a:t>
             </a:fld>
             <a:endParaRPr lang="en-US" dirty="0"/>
           </a:p>
@@ -6509,7 +6464,7 @@
             <a:fld id="{B61BEF0D-F0BB-DE4B-95CE-6DB70DBA9567}" type="datetimeFigureOut">
               <a:rPr lang="en-US" smtClean="0"/>
               <a:pPr/>
-              <a:t>1/19/2015</a:t>
+              <a:t>1/20/2015</a:t>
             </a:fld>
             <a:endParaRPr lang="en-US" dirty="0"/>
           </a:p>
@@ -6691,7 +6646,7 @@
             <a:fld id="{B61BEF0D-F0BB-DE4B-95CE-6DB70DBA9567}" type="datetimeFigureOut">
               <a:rPr lang="en-US" smtClean="0"/>
               <a:pPr/>
-              <a:t>1/19/2015</a:t>
+              <a:t>1/20/2015</a:t>
             </a:fld>
             <a:endParaRPr lang="en-US" dirty="0"/>
           </a:p>
@@ -6863,7 +6818,7 @@
             <a:fld id="{B61BEF0D-F0BB-DE4B-95CE-6DB70DBA9567}" type="datetimeFigureOut">
               <a:rPr lang="en-US" smtClean="0"/>
               <a:pPr/>
-              <a:t>1/19/2015</a:t>
+              <a:t>1/20/2015</a:t>
             </a:fld>
             <a:endParaRPr lang="en-US" dirty="0"/>
           </a:p>
@@ -7112,7 +7067,7 @@
             <a:fld id="{B61BEF0D-F0BB-DE4B-95CE-6DB70DBA9567}" type="datetimeFigureOut">
               <a:rPr lang="en-US" smtClean="0"/>
               <a:pPr/>
-              <a:t>1/19/2015</a:t>
+              <a:t>1/20/2015</a:t>
             </a:fld>
             <a:endParaRPr lang="en-US" dirty="0"/>
           </a:p>
@@ -7406,7 +7361,7 @@
             <a:fld id="{B61BEF0D-F0BB-DE4B-95CE-6DB70DBA9567}" type="datetimeFigureOut">
               <a:rPr lang="en-US" smtClean="0"/>
               <a:pPr/>
-              <a:t>1/19/2015</a:t>
+              <a:t>1/20/2015</a:t>
             </a:fld>
             <a:endParaRPr lang="en-US" dirty="0"/>
           </a:p>
@@ -7852,7 +7807,7 @@
             <a:fld id="{B61BEF0D-F0BB-DE4B-95CE-6DB70DBA9567}" type="datetimeFigureOut">
               <a:rPr lang="en-US" smtClean="0"/>
               <a:pPr/>
-              <a:t>1/19/2015</a:t>
+              <a:t>1/20/2015</a:t>
             </a:fld>
             <a:endParaRPr lang="en-US" dirty="0"/>
           </a:p>
@@ -7972,7 +7927,7 @@
             <a:fld id="{B61BEF0D-F0BB-DE4B-95CE-6DB70DBA9567}" type="datetimeFigureOut">
               <a:rPr lang="en-US" smtClean="0"/>
               <a:pPr/>
-              <a:t>1/19/2015</a:t>
+              <a:t>1/20/2015</a:t>
             </a:fld>
             <a:endParaRPr lang="en-US" dirty="0"/>
           </a:p>
@@ -8069,7 +8024,7 @@
             <a:fld id="{B61BEF0D-F0BB-DE4B-95CE-6DB70DBA9567}" type="datetimeFigureOut">
               <a:rPr lang="en-US" smtClean="0"/>
               <a:pPr/>
-              <a:t>1/19/2015</a:t>
+              <a:t>1/20/2015</a:t>
             </a:fld>
             <a:endParaRPr lang="en-US" dirty="0"/>
           </a:p>
@@ -8350,7 +8305,7 @@
             <a:fld id="{B61BEF0D-F0BB-DE4B-95CE-6DB70DBA9567}" type="datetimeFigureOut">
               <a:rPr lang="en-US" smtClean="0"/>
               <a:pPr/>
-              <a:t>1/19/2015</a:t>
+              <a:t>1/20/2015</a:t>
             </a:fld>
             <a:endParaRPr lang="en-US" dirty="0"/>
           </a:p>
@@ -8627,7 +8582,7 @@
             <a:fld id="{B61BEF0D-F0BB-DE4B-95CE-6DB70DBA9567}" type="datetimeFigureOut">
               <a:rPr lang="en-US" smtClean="0"/>
               <a:pPr/>
-              <a:t>1/19/2015</a:t>
+              <a:t>1/20/2015</a:t>
             </a:fld>
             <a:endParaRPr lang="en-US" dirty="0"/>
           </a:p>
@@ -9058,7 +9013,7 @@
             <a:fld id="{B61BEF0D-F0BB-DE4B-95CE-6DB70DBA9567}" type="datetimeFigureOut">
               <a:rPr lang="en-US" smtClean="0"/>
               <a:pPr/>
-              <a:t>1/19/2015</a:t>
+              <a:t>1/20/2015</a:t>
             </a:fld>
             <a:endParaRPr lang="en-US" dirty="0"/>
           </a:p>
@@ -10284,11 +10239,7 @@
             </a:r>
             <a:r>
               <a:rPr lang="en-US" dirty="0" smtClean="0"/>
-              <a:t> </a:t>
-            </a:r>
-            <a:r>
-              <a:rPr lang="en-US" dirty="0" smtClean="0"/>
-              <a:t>from scene </a:t>
+              <a:t> from scene </a:t>
             </a:r>
             <a:r>
               <a:rPr lang="en-US" dirty="0"/>
@@ -10298,7 +10249,6 @@
               <a:rPr lang="en-US" dirty="0" smtClean="0"/>
               <a:t>project hierarchy</a:t>
             </a:r>
-            <a:endParaRPr lang="en-US" dirty="0" smtClean="0"/>
           </a:p>
           <a:p>
             <a:r>
@@ -10311,13 +10261,8 @@
             </a:r>
             <a:r>
               <a:rPr lang="en-US" dirty="0" smtClean="0"/>
-              <a:t>scene</a:t>
-            </a:r>
-            <a:r>
-              <a:rPr lang="en-US" dirty="0" smtClean="0"/>
-              <a:t>”</a:t>
-            </a:r>
-            <a:endParaRPr lang="en-US" dirty="0" smtClean="0"/>
+              <a:t>scene”</a:t>
+            </a:r>
           </a:p>
           <a:p>
             <a:r>
@@ -10329,11 +10274,7 @@
             <a:pPr lvl="1"/>
             <a:r>
               <a:rPr lang="en-US" dirty="0" smtClean="0"/>
-              <a:t>Modified </a:t>
-            </a:r>
-            <a:r>
-              <a:rPr lang="en-US" dirty="0" smtClean="0"/>
-              <a:t>values in the scenes are not auto updated</a:t>
+              <a:t>Modified values in the scenes are not auto updated</a:t>
             </a:r>
             <a:endParaRPr lang="en-US" dirty="0"/>
           </a:p>
@@ -10861,11 +10802,7 @@
           <a:p>
             <a:r>
               <a:rPr lang="en-US" dirty="0" smtClean="0"/>
-              <a:t>2D / 3D Rendering </a:t>
-            </a:r>
-            <a:r>
-              <a:rPr lang="en-US" dirty="0" smtClean="0"/>
-              <a:t>Engine</a:t>
+              <a:t>2D / 3D Rendering Engine</a:t>
             </a:r>
           </a:p>
           <a:p>
@@ -10873,7 +10810,6 @@
               <a:rPr lang="en-US" dirty="0" smtClean="0"/>
               <a:t>Development Environment</a:t>
             </a:r>
-            <a:endParaRPr lang="en-US" dirty="0" smtClean="0"/>
           </a:p>
           <a:p>
             <a:r>
@@ -12033,13 +11969,8 @@
             <a:pPr lvl="1"/>
             <a:r>
               <a:rPr lang="en-US" dirty="0" smtClean="0"/>
-              <a:t>Visualization (medical, </a:t>
-            </a:r>
-            <a:r>
-              <a:rPr lang="en-US" dirty="0" smtClean="0"/>
-              <a:t>architectural, etc.)</a:t>
-            </a:r>
-            <a:endParaRPr lang="en-US" dirty="0" smtClean="0"/>
+              <a:t>Visualization (medical, architectural, etc.)</a:t>
+            </a:r>
           </a:p>
           <a:p>
             <a:pPr lvl="1"/>
@@ -13057,6 +12988,122 @@
 </p:sld>
 </file>
 
+<file path=ppt/slides/slide39.xml><?xml version="1.0" encoding="utf-8"?>
+<p:sld xmlns:a="http://schemas.openxmlformats.org/drawingml/2006/main" xmlns:r="http://schemas.openxmlformats.org/officeDocument/2006/relationships" xmlns:p="http://schemas.openxmlformats.org/presentationml/2006/main">
+  <p:cSld>
+    <p:spTree>
+      <p:nvGrpSpPr>
+        <p:cNvPr id="1" name=""/>
+        <p:cNvGrpSpPr/>
+        <p:nvPr/>
+      </p:nvGrpSpPr>
+      <p:grpSpPr>
+        <a:xfrm>
+          <a:off x="0" y="0"/>
+          <a:ext cx="0" cy="0"/>
+          <a:chOff x="0" y="0"/>
+          <a:chExt cx="0" cy="0"/>
+        </a:xfrm>
+      </p:grpSpPr>
+      <p:sp>
+        <p:nvSpPr>
+          <p:cNvPr id="2" name="Title 1"/>
+          <p:cNvSpPr>
+            <a:spLocks noGrp="1"/>
+          </p:cNvSpPr>
+          <p:nvPr>
+            <p:ph type="title"/>
+          </p:nvPr>
+        </p:nvSpPr>
+        <p:spPr/>
+        <p:txBody>
+          <a:bodyPr/>
+          <a:lstStyle/>
+          <a:p>
+            <a:r>
+              <a:rPr lang="en-US" dirty="0" smtClean="0"/>
+              <a:t>Thanks</a:t>
+            </a:r>
+            <a:endParaRPr lang="en-US" dirty="0"/>
+          </a:p>
+        </p:txBody>
+      </p:sp>
+      <p:sp>
+        <p:nvSpPr>
+          <p:cNvPr id="3" name="Content Placeholder 2"/>
+          <p:cNvSpPr>
+            <a:spLocks noGrp="1"/>
+          </p:cNvSpPr>
+          <p:nvPr>
+            <p:ph idx="1"/>
+          </p:nvPr>
+        </p:nvSpPr>
+        <p:spPr/>
+        <p:txBody>
+          <a:bodyPr/>
+          <a:lstStyle/>
+          <a:p>
+            <a:r>
+              <a:rPr lang="en-US" dirty="0" smtClean="0"/>
+              <a:t>Demo Projects </a:t>
+            </a:r>
+            <a:r>
+              <a:rPr lang="en-US" dirty="0" err="1" smtClean="0"/>
+              <a:t>Avaialble</a:t>
+            </a:r>
+            <a:endParaRPr lang="en-US" dirty="0" smtClean="0"/>
+          </a:p>
+          <a:p>
+            <a:pPr lvl="1"/>
+            <a:r>
+              <a:rPr lang="en-US" dirty="0">
+                <a:hlinkClick r:id="rId2"/>
+              </a:rPr>
+              <a:t>https://</a:t>
+            </a:r>
+            <a:r>
+              <a:rPr lang="en-US" dirty="0" smtClean="0">
+                <a:hlinkClick r:id="rId2"/>
+              </a:rPr>
+              <a:t>github.com/jweimann/Demos</a:t>
+            </a:r>
+            <a:endParaRPr lang="en-US" dirty="0" smtClean="0"/>
+          </a:p>
+          <a:p>
+            <a:r>
+              <a:rPr lang="en-US" dirty="0" smtClean="0"/>
+              <a:t>Email</a:t>
+            </a:r>
+            <a:r>
+              <a:rPr lang="en-US" smtClean="0"/>
+              <a:t>: </a:t>
+            </a:r>
+            <a:r>
+              <a:rPr lang="en-US" smtClean="0">
+                <a:hlinkClick r:id="rId3"/>
+              </a:rPr>
+              <a:t>jasonweimann@gmail.com</a:t>
+            </a:r>
+            <a:endParaRPr lang="en-US" smtClean="0"/>
+          </a:p>
+          <a:p>
+            <a:endParaRPr lang="en-US" dirty="0"/>
+          </a:p>
+        </p:txBody>
+      </p:sp>
+    </p:spTree>
+    <p:extLst>
+      <p:ext uri="{BB962C8B-B14F-4D97-AF65-F5344CB8AC3E}">
+        <p14:creationId xmlns:p14="http://schemas.microsoft.com/office/powerpoint/2010/main" val="3620192333"/>
+      </p:ext>
+    </p:extLst>
+  </p:cSld>
+  <p:clrMapOvr>
+    <a:masterClrMapping/>
+  </p:clrMapOvr>
+</p:sld>
+</file>
+
 <file path=ppt/slides/slide4.xml><?xml version="1.0" encoding="utf-8"?>
 <p:sld xmlns:a="http://schemas.openxmlformats.org/drawingml/2006/main" xmlns:r="http://schemas.openxmlformats.org/officeDocument/2006/relationships" xmlns:p="http://schemas.openxmlformats.org/presentationml/2006/main">
   <p:cSld>
@@ -13136,6 +13183,13 @@
   <p:clrMapOvr>
     <a:masterClrMapping/>
   </p:clrMapOvr>
+  <p:timing>
+    <p:tnLst>
+      <p:par>
+        <p:cTn id="1" dur="indefinite" restart="never" nodeType="tmRoot"/>
+      </p:par>
+    </p:tnLst>
+  </p:timing>
 </p:sld>
 </file>
 
@@ -13281,11 +13335,7 @@
           <a:p>
             <a:r>
               <a:rPr lang="en-US" dirty="0" smtClean="0"/>
-              <a:t>Explorer </a:t>
-            </a:r>
-            <a:r>
-              <a:rPr lang="en-US" dirty="0" smtClean="0"/>
-              <a:t>/ Finder</a:t>
+              <a:t>Explorer / Finder</a:t>
             </a:r>
           </a:p>
           <a:p>
@@ -13412,11 +13462,7 @@
           <a:p>
             <a:r>
               <a:rPr lang="en-US" dirty="0" smtClean="0"/>
-              <a:t>Add objects to </a:t>
-            </a:r>
-            <a:r>
-              <a:rPr lang="en-US" dirty="0" smtClean="0"/>
-              <a:t>the scene by dragging from the project view</a:t>
+              <a:t>Add objects to the scene by dragging from the project view</a:t>
             </a:r>
           </a:p>
           <a:p>

--- a/Presentations/Intro to Unity.pptx
+++ b/Presentations/Intro to Unity.pptx
@@ -235,7 +235,7 @@
           <a:p>
             <a:fld id="{C7AB5DAF-74F8-49FF-A7FB-413F0AF491A3}" type="datetimeFigureOut">
               <a:rPr lang="en-US" smtClean="0"/>
-              <a:t>1/20/2015</a:t>
+              <a:t>3/6/2015</a:t>
             </a:fld>
             <a:endParaRPr lang="en-US"/>
           </a:p>
@@ -664,7 +664,17 @@
             </a:r>
             <a:r>
               <a:rPr lang="en-US" baseline="0" dirty="0" smtClean="0"/>
-              <a:t> “Input”</a:t>
+              <a:t> “Input</a:t>
+            </a:r>
+            <a:r>
+              <a:rPr lang="en-US" baseline="0" dirty="0" smtClean="0"/>
+              <a:t>”</a:t>
+            </a:r>
+          </a:p>
+          <a:p>
+            <a:r>
+              <a:rPr lang="en-US" baseline="0" dirty="0" smtClean="0"/>
+              <a:t>Adjust Flight Height</a:t>
             </a:r>
             <a:endParaRPr lang="en-US" dirty="0"/>
           </a:p>
@@ -768,7 +778,31 @@
           <a:p>
             <a:r>
               <a:rPr lang="en-US" baseline="0" dirty="0" smtClean="0"/>
-              <a:t>Single Seaweed – Adding more on Prefab Slide</a:t>
+              <a:t>Single Seaweed – Adding more on Prefab </a:t>
+            </a:r>
+            <a:r>
+              <a:rPr lang="en-US" baseline="0" dirty="0" smtClean="0"/>
+              <a:t>Slide</a:t>
+            </a:r>
+          </a:p>
+          <a:p>
+            <a:r>
+              <a:rPr lang="en-US" baseline="0" dirty="0" smtClean="0"/>
+              <a:t>Show it fall, then add </a:t>
+            </a:r>
+            <a:r>
+              <a:rPr lang="en-US" baseline="0" dirty="0" err="1" smtClean="0"/>
+              <a:t>polygoncollider</a:t>
+            </a:r>
+            <a:r>
+              <a:rPr lang="en-US" baseline="0" dirty="0" smtClean="0"/>
+              <a:t> and show it fall again (fish doesn’t have collider yet) – add on next slide</a:t>
+            </a:r>
+          </a:p>
+          <a:p>
+            <a:r>
+              <a:rPr lang="en-US" baseline="0" dirty="0" smtClean="0"/>
+              <a:t>Anyone know what we need?</a:t>
             </a:r>
             <a:endParaRPr lang="en-US" dirty="0"/>
           </a:p>
@@ -861,7 +895,7 @@
           </a:p>
           <a:p>
             <a:r>
-              <a:rPr lang="en-US" dirty="0" smtClean="0"/>
+              <a:rPr lang="en-US" b="1" dirty="0" smtClean="0"/>
               <a:t>Switch to a trigger</a:t>
             </a:r>
           </a:p>
@@ -1016,15 +1050,14 @@
               <a:t>SeaweedSpeed</a:t>
             </a:r>
             <a:r>
-              <a:rPr lang="en-US" baseline="0" smtClean="0"/>
+              <a:rPr lang="en-US" baseline="0" dirty="0" smtClean="0"/>
               <a:t> to 2.5</a:t>
             </a:r>
-            <a:endParaRPr lang="en-US" baseline="0" dirty="0" smtClean="0"/>
           </a:p>
           <a:p>
             <a:r>
               <a:rPr lang="en-US" baseline="0" dirty="0" smtClean="0"/>
-              <a:t>Duplicate seaweed</a:t>
+              <a:t>Will duplicate on NEXT SLIDE</a:t>
             </a:r>
             <a:endParaRPr lang="en-US" dirty="0"/>
           </a:p>
@@ -1116,8 +1149,13 @@
             </a:r>
             <a:r>
               <a:rPr lang="en-US" baseline="0" dirty="0" smtClean="0"/>
-              <a:t> a prefab then duplicate the seaweed 3x</a:t>
-            </a:r>
+              <a:t> a prefab then duplicate the seaweed </a:t>
+            </a:r>
+            <a:r>
+              <a:rPr lang="en-US" baseline="0" dirty="0" smtClean="0"/>
+              <a:t>5x</a:t>
+            </a:r>
+            <a:endParaRPr lang="en-US" baseline="0" dirty="0" smtClean="0"/>
           </a:p>
           <a:p>
             <a:pPr marL="0" marR="0" indent="0" algn="l" defTabSz="914400" rtl="0" eaLnBrk="1" fontAlgn="auto" latinLnBrk="0" hangingPunct="1">
@@ -1255,8 +1293,17 @@
             </a:r>
             <a:r>
               <a:rPr lang="en-US" baseline="0" dirty="0" smtClean="0"/>
-              <a:t>  set speed to 1.5</a:t>
-            </a:r>
+              <a:t>  set speed </a:t>
+            </a:r>
+            <a:r>
+              <a:rPr lang="en-US" baseline="0" smtClean="0"/>
+              <a:t>to </a:t>
+            </a:r>
+            <a:r>
+              <a:rPr lang="en-US" baseline="0" smtClean="0"/>
+              <a:t>2.5</a:t>
+            </a:r>
+            <a:endParaRPr lang="en-US" baseline="0" dirty="0" smtClean="0"/>
           </a:p>
           <a:p>
             <a:r>
@@ -3485,7 +3532,17 @@
           <a:p>
             <a:r>
               <a:rPr lang="en-US" dirty="0" smtClean="0"/>
-              <a:t>Explain Methods – Continue to Next</a:t>
+              <a:t>SHOW</a:t>
+            </a:r>
+          </a:p>
+          <a:p>
+            <a:r>
+              <a:rPr lang="en-US" dirty="0" smtClean="0"/>
+              <a:t>Explain </a:t>
+            </a:r>
+            <a:r>
+              <a:rPr lang="en-US" dirty="0" smtClean="0"/>
+              <a:t>Methods – Continue to Next</a:t>
             </a:r>
             <a:endParaRPr lang="en-US" dirty="0"/>
           </a:p>
@@ -3714,7 +3771,7 @@
             <a:fld id="{B61BEF0D-F0BB-DE4B-95CE-6DB70DBA9567}" type="datetimeFigureOut">
               <a:rPr lang="en-US" smtClean="0"/>
               <a:pPr/>
-              <a:t>1/20/2015</a:t>
+              <a:t>3/6/2015</a:t>
             </a:fld>
             <a:endParaRPr lang="en-US" dirty="0"/>
           </a:p>
@@ -3991,7 +4048,7 @@
             <a:fld id="{B61BEF0D-F0BB-DE4B-95CE-6DB70DBA9567}" type="datetimeFigureOut">
               <a:rPr lang="en-US" smtClean="0"/>
               <a:pPr/>
-              <a:t>1/20/2015</a:t>
+              <a:t>3/6/2015</a:t>
             </a:fld>
             <a:endParaRPr lang="en-US" dirty="0"/>
           </a:p>
@@ -4187,7 +4244,7 @@
             <a:fld id="{B61BEF0D-F0BB-DE4B-95CE-6DB70DBA9567}" type="datetimeFigureOut">
               <a:rPr lang="en-US" smtClean="0"/>
               <a:pPr/>
-              <a:t>1/20/2015</a:t>
+              <a:t>3/6/2015</a:t>
             </a:fld>
             <a:endParaRPr lang="en-US" dirty="0"/>
           </a:p>
@@ -4462,7 +4519,7 @@
             <a:fld id="{B61BEF0D-F0BB-DE4B-95CE-6DB70DBA9567}" type="datetimeFigureOut">
               <a:rPr lang="en-US" smtClean="0"/>
               <a:pPr/>
-              <a:t>1/20/2015</a:t>
+              <a:t>3/6/2015</a:t>
             </a:fld>
             <a:endParaRPr lang="en-US" dirty="0"/>
           </a:p>
@@ -4805,7 +4862,7 @@
             <a:fld id="{B61BEF0D-F0BB-DE4B-95CE-6DB70DBA9567}" type="datetimeFigureOut">
               <a:rPr lang="en-US" smtClean="0"/>
               <a:pPr/>
-              <a:t>1/20/2015</a:t>
+              <a:t>3/6/2015</a:t>
             </a:fld>
             <a:endParaRPr lang="en-US" dirty="0"/>
           </a:p>
@@ -5430,7 +5487,7 @@
             <a:fld id="{B61BEF0D-F0BB-DE4B-95CE-6DB70DBA9567}" type="datetimeFigureOut">
               <a:rPr lang="en-US" smtClean="0"/>
               <a:pPr/>
-              <a:t>1/20/2015</a:t>
+              <a:t>3/6/2015</a:t>
             </a:fld>
             <a:endParaRPr lang="en-US" dirty="0"/>
           </a:p>
@@ -6292,7 +6349,7 @@
             <a:fld id="{B61BEF0D-F0BB-DE4B-95CE-6DB70DBA9567}" type="datetimeFigureOut">
               <a:rPr lang="en-US" smtClean="0"/>
               <a:pPr/>
-              <a:t>1/20/2015</a:t>
+              <a:t>3/6/2015</a:t>
             </a:fld>
             <a:endParaRPr lang="en-US" dirty="0"/>
           </a:p>
@@ -6464,7 +6521,7 @@
             <a:fld id="{B61BEF0D-F0BB-DE4B-95CE-6DB70DBA9567}" type="datetimeFigureOut">
               <a:rPr lang="en-US" smtClean="0"/>
               <a:pPr/>
-              <a:t>1/20/2015</a:t>
+              <a:t>3/6/2015</a:t>
             </a:fld>
             <a:endParaRPr lang="en-US" dirty="0"/>
           </a:p>
@@ -6646,7 +6703,7 @@
             <a:fld id="{B61BEF0D-F0BB-DE4B-95CE-6DB70DBA9567}" type="datetimeFigureOut">
               <a:rPr lang="en-US" smtClean="0"/>
               <a:pPr/>
-              <a:t>1/20/2015</a:t>
+              <a:t>3/6/2015</a:t>
             </a:fld>
             <a:endParaRPr lang="en-US" dirty="0"/>
           </a:p>
@@ -6818,7 +6875,7 @@
             <a:fld id="{B61BEF0D-F0BB-DE4B-95CE-6DB70DBA9567}" type="datetimeFigureOut">
               <a:rPr lang="en-US" smtClean="0"/>
               <a:pPr/>
-              <a:t>1/20/2015</a:t>
+              <a:t>3/6/2015</a:t>
             </a:fld>
             <a:endParaRPr lang="en-US" dirty="0"/>
           </a:p>
@@ -7067,7 +7124,7 @@
             <a:fld id="{B61BEF0D-F0BB-DE4B-95CE-6DB70DBA9567}" type="datetimeFigureOut">
               <a:rPr lang="en-US" smtClean="0"/>
               <a:pPr/>
-              <a:t>1/20/2015</a:t>
+              <a:t>3/6/2015</a:t>
             </a:fld>
             <a:endParaRPr lang="en-US" dirty="0"/>
           </a:p>
@@ -7361,7 +7418,7 @@
             <a:fld id="{B61BEF0D-F0BB-DE4B-95CE-6DB70DBA9567}" type="datetimeFigureOut">
               <a:rPr lang="en-US" smtClean="0"/>
               <a:pPr/>
-              <a:t>1/20/2015</a:t>
+              <a:t>3/6/2015</a:t>
             </a:fld>
             <a:endParaRPr lang="en-US" dirty="0"/>
           </a:p>
@@ -7807,7 +7864,7 @@
             <a:fld id="{B61BEF0D-F0BB-DE4B-95CE-6DB70DBA9567}" type="datetimeFigureOut">
               <a:rPr lang="en-US" smtClean="0"/>
               <a:pPr/>
-              <a:t>1/20/2015</a:t>
+              <a:t>3/6/2015</a:t>
             </a:fld>
             <a:endParaRPr lang="en-US" dirty="0"/>
           </a:p>
@@ -7927,7 +7984,7 @@
             <a:fld id="{B61BEF0D-F0BB-DE4B-95CE-6DB70DBA9567}" type="datetimeFigureOut">
               <a:rPr lang="en-US" smtClean="0"/>
               <a:pPr/>
-              <a:t>1/20/2015</a:t>
+              <a:t>3/6/2015</a:t>
             </a:fld>
             <a:endParaRPr lang="en-US" dirty="0"/>
           </a:p>
@@ -8024,7 +8081,7 @@
             <a:fld id="{B61BEF0D-F0BB-DE4B-95CE-6DB70DBA9567}" type="datetimeFigureOut">
               <a:rPr lang="en-US" smtClean="0"/>
               <a:pPr/>
-              <a:t>1/20/2015</a:t>
+              <a:t>3/6/2015</a:t>
             </a:fld>
             <a:endParaRPr lang="en-US" dirty="0"/>
           </a:p>
@@ -8305,7 +8362,7 @@
             <a:fld id="{B61BEF0D-F0BB-DE4B-95CE-6DB70DBA9567}" type="datetimeFigureOut">
               <a:rPr lang="en-US" smtClean="0"/>
               <a:pPr/>
-              <a:t>1/20/2015</a:t>
+              <a:t>3/6/2015</a:t>
             </a:fld>
             <a:endParaRPr lang="en-US" dirty="0"/>
           </a:p>
@@ -8582,7 +8639,7 @@
             <a:fld id="{B61BEF0D-F0BB-DE4B-95CE-6DB70DBA9567}" type="datetimeFigureOut">
               <a:rPr lang="en-US" smtClean="0"/>
               <a:pPr/>
-              <a:t>1/20/2015</a:t>
+              <a:t>3/6/2015</a:t>
             </a:fld>
             <a:endParaRPr lang="en-US" dirty="0"/>
           </a:p>
@@ -9013,7 +9070,7 @@
             <a:fld id="{B61BEF0D-F0BB-DE4B-95CE-6DB70DBA9567}" type="datetimeFigureOut">
               <a:rPr lang="en-US" smtClean="0"/>
               <a:pPr/>
-              <a:t>1/20/2015</a:t>
+              <a:t>3/6/2015</a:t>
             </a:fld>
             <a:endParaRPr lang="en-US" dirty="0"/>
           </a:p>
@@ -9822,8 +9879,28 @@
             </a:r>
             <a:r>
               <a:rPr lang="en-US" dirty="0"/>
-              <a:t>] set show in the Inspector</a:t>
-            </a:r>
+              <a:t>] set show in the </a:t>
+            </a:r>
+            <a:r>
+              <a:rPr lang="en-US" dirty="0" smtClean="0"/>
+              <a:t>Inspector</a:t>
+            </a:r>
+          </a:p>
+          <a:p>
+            <a:pPr lvl="1"/>
+            <a:r>
+              <a:rPr lang="en-US" dirty="0" smtClean="0"/>
+              <a:t>Set </a:t>
+            </a:r>
+            <a:r>
+              <a:rPr lang="en-US" dirty="0" err="1" smtClean="0"/>
+              <a:t>FlightHeight</a:t>
+            </a:r>
+            <a:r>
+              <a:rPr lang="en-US" dirty="0" smtClean="0"/>
+              <a:t> to 200</a:t>
+            </a:r>
+            <a:endParaRPr lang="en-US" dirty="0"/>
           </a:p>
           <a:p>
             <a:r>
@@ -9832,8 +9909,46 @@
             </a:r>
             <a:r>
               <a:rPr lang="en-US" dirty="0" smtClean="0"/>
-              <a:t>(“Fire1”)</a:t>
-            </a:r>
+              <a:t>(“Fire1</a:t>
+            </a:r>
+            <a:r>
+              <a:rPr lang="en-US" dirty="0" smtClean="0"/>
+              <a:t>”)</a:t>
+            </a:r>
+          </a:p>
+          <a:p>
+            <a:pPr lvl="1"/>
+            <a:r>
+              <a:rPr lang="en-US" dirty="0" smtClean="0"/>
+              <a:t>Left Mouse Button</a:t>
+            </a:r>
+          </a:p>
+          <a:p>
+            <a:pPr lvl="1"/>
+            <a:r>
+              <a:rPr lang="en-US" dirty="0" smtClean="0"/>
+              <a:t>Left </a:t>
+            </a:r>
+            <a:r>
+              <a:rPr lang="en-US" dirty="0" err="1" smtClean="0"/>
+              <a:t>Crtl</a:t>
+            </a:r>
+            <a:endParaRPr lang="en-US" dirty="0"/>
+          </a:p>
+          <a:p>
+            <a:pPr lvl="1"/>
+            <a:r>
+              <a:rPr lang="en-US" dirty="0" smtClean="0"/>
+              <a:t>Button “A” on Xbox Controller</a:t>
+            </a:r>
+          </a:p>
+          <a:p>
+            <a:pPr lvl="1"/>
+            <a:r>
+              <a:rPr lang="en-US" dirty="0" smtClean="0"/>
+              <a:t>Tap on screen</a:t>
+            </a:r>
+            <a:endParaRPr lang="en-US" dirty="0" smtClean="0"/>
           </a:p>
           <a:p>
             <a:r>
@@ -9933,8 +10048,13 @@
           <a:p>
             <a:r>
               <a:rPr lang="en-US" dirty="0" smtClean="0"/>
-              <a:t>Use the Rotation property in the inspector to flip</a:t>
-            </a:r>
+              <a:t>Use the Rotation property in the inspector to </a:t>
+            </a:r>
+            <a:r>
+              <a:rPr lang="en-US" dirty="0" smtClean="0"/>
+              <a:t>flip [x=180]</a:t>
+            </a:r>
+            <a:endParaRPr lang="en-US" dirty="0" smtClean="0"/>
           </a:p>
           <a:p>
             <a:r>
@@ -10357,7 +10477,11 @@
           <a:p>
             <a:r>
               <a:rPr lang="en-US" dirty="0" smtClean="0"/>
-              <a:t>Plane (3D Object)</a:t>
+              <a:t>Quad (3D </a:t>
+            </a:r>
+            <a:r>
+              <a:rPr lang="en-US" dirty="0" smtClean="0"/>
+              <a:t>Object)</a:t>
             </a:r>
           </a:p>
           <a:p>

--- a/Presentations/Intro to Unity.pptx
+++ b/Presentations/Intro to Unity.pptx
@@ -5,7 +5,7 @@
     <p:sldMasterId id="2147483806" r:id="rId1"/>
   </p:sldMasterIdLst>
   <p:notesMasterIdLst>
-    <p:notesMasterId r:id="rId41"/>
+    <p:notesMasterId r:id="rId40"/>
   </p:notesMasterIdLst>
   <p:sldIdLst>
     <p:sldId id="256" r:id="rId2"/>
@@ -27,26 +27,25 @@
     <p:sldId id="273" r:id="rId18"/>
     <p:sldId id="274" r:id="rId19"/>
     <p:sldId id="275" r:id="rId20"/>
-    <p:sldId id="276" r:id="rId21"/>
-    <p:sldId id="277" r:id="rId22"/>
-    <p:sldId id="278" r:id="rId23"/>
-    <p:sldId id="279" r:id="rId24"/>
-    <p:sldId id="270" r:id="rId25"/>
-    <p:sldId id="280" r:id="rId26"/>
-    <p:sldId id="281" r:id="rId27"/>
-    <p:sldId id="282" r:id="rId28"/>
-    <p:sldId id="283" r:id="rId29"/>
-    <p:sldId id="284" r:id="rId30"/>
-    <p:sldId id="285" r:id="rId31"/>
-    <p:sldId id="286" r:id="rId32"/>
-    <p:sldId id="287" r:id="rId33"/>
-    <p:sldId id="288" r:id="rId34"/>
-    <p:sldId id="289" r:id="rId35"/>
-    <p:sldId id="290" r:id="rId36"/>
-    <p:sldId id="291" r:id="rId37"/>
-    <p:sldId id="292" r:id="rId38"/>
-    <p:sldId id="293" r:id="rId39"/>
-    <p:sldId id="295" r:id="rId40"/>
+    <p:sldId id="277" r:id="rId21"/>
+    <p:sldId id="278" r:id="rId22"/>
+    <p:sldId id="279" r:id="rId23"/>
+    <p:sldId id="270" r:id="rId24"/>
+    <p:sldId id="280" r:id="rId25"/>
+    <p:sldId id="281" r:id="rId26"/>
+    <p:sldId id="282" r:id="rId27"/>
+    <p:sldId id="283" r:id="rId28"/>
+    <p:sldId id="284" r:id="rId29"/>
+    <p:sldId id="285" r:id="rId30"/>
+    <p:sldId id="286" r:id="rId31"/>
+    <p:sldId id="287" r:id="rId32"/>
+    <p:sldId id="288" r:id="rId33"/>
+    <p:sldId id="289" r:id="rId34"/>
+    <p:sldId id="290" r:id="rId35"/>
+    <p:sldId id="291" r:id="rId36"/>
+    <p:sldId id="292" r:id="rId37"/>
+    <p:sldId id="293" r:id="rId38"/>
+    <p:sldId id="295" r:id="rId39"/>
   </p:sldIdLst>
   <p:sldSz cx="12192000" cy="6858000"/>
   <p:notesSz cx="6858000" cy="9144000"/>
@@ -664,11 +663,7 @@
             </a:r>
             <a:r>
               <a:rPr lang="en-US" baseline="0" dirty="0" smtClean="0"/>
-              <a:t> “Input</a:t>
-            </a:r>
-            <a:r>
-              <a:rPr lang="en-US" baseline="0" dirty="0" smtClean="0"/>
-              <a:t>”</a:t>
+              <a:t> “Input”</a:t>
             </a:r>
           </a:p>
           <a:p>
@@ -778,11 +773,7 @@
           <a:p>
             <a:r>
               <a:rPr lang="en-US" baseline="0" dirty="0" smtClean="0"/>
-              <a:t>Single Seaweed – Adding more on Prefab </a:t>
-            </a:r>
-            <a:r>
-              <a:rPr lang="en-US" baseline="0" dirty="0" smtClean="0"/>
-              <a:t>Slide</a:t>
+              <a:t>Single Seaweed – Adding more on Prefab Slide</a:t>
             </a:r>
           </a:p>
           <a:p>
@@ -1149,13 +1140,8 @@
             </a:r>
             <a:r>
               <a:rPr lang="en-US" baseline="0" dirty="0" smtClean="0"/>
-              <a:t> a prefab then duplicate the seaweed </a:t>
-            </a:r>
-            <a:r>
-              <a:rPr lang="en-US" baseline="0" dirty="0" smtClean="0"/>
-              <a:t>5x</a:t>
-            </a:r>
-            <a:endParaRPr lang="en-US" baseline="0" dirty="0" smtClean="0"/>
+              <a:t> a prefab then duplicate the seaweed 5x</a:t>
+            </a:r>
           </a:p>
           <a:p>
             <a:pPr marL="0" marR="0" indent="0" algn="l" defTabSz="914400" rtl="0" eaLnBrk="1" fontAlgn="auto" latinLnBrk="0" hangingPunct="1">
@@ -1189,6 +1175,17 @@
             </a:r>
           </a:p>
           <a:p>
+            <a:endParaRPr lang="en-US" dirty="0" smtClean="0"/>
+          </a:p>
+          <a:p>
+            <a:r>
+              <a:rPr lang="en-US" dirty="0" smtClean="0"/>
+              <a:t>Don’t change seaweed</a:t>
+            </a:r>
+            <a:r>
+              <a:rPr lang="en-US" baseline="0" dirty="0" smtClean="0"/>
+              <a:t> here. Gets changed much later</a:t>
+            </a:r>
             <a:endParaRPr lang="en-US" dirty="0"/>
           </a:p>
         </p:txBody>
@@ -1293,24 +1290,25 @@
             </a:r>
             <a:r>
               <a:rPr lang="en-US" baseline="0" dirty="0" smtClean="0"/>
-              <a:t>  set speed </a:t>
-            </a:r>
-            <a:r>
-              <a:rPr lang="en-US" baseline="0" smtClean="0"/>
-              <a:t>to </a:t>
-            </a:r>
-            <a:r>
-              <a:rPr lang="en-US" baseline="0" smtClean="0"/>
-              <a:t>2.5</a:t>
-            </a:r>
-            <a:endParaRPr lang="en-US" baseline="0" dirty="0" smtClean="0"/>
+              <a:t>  set speed to 2.5</a:t>
+            </a:r>
           </a:p>
           <a:p>
             <a:r>
               <a:rPr lang="en-US" baseline="0" dirty="0" smtClean="0"/>
-              <a:t>Show the trigger enter</a:t>
-            </a:r>
-            <a:endParaRPr lang="en-US" dirty="0"/>
+              <a:t>Show the trigger </a:t>
+            </a:r>
+            <a:r>
+              <a:rPr lang="en-US" baseline="0" dirty="0" smtClean="0"/>
+              <a:t>enter</a:t>
+            </a:r>
+          </a:p>
+          <a:p>
+            <a:r>
+              <a:rPr lang="en-US" b="1" baseline="0" dirty="0" smtClean="0"/>
+              <a:t>BoxCollider2D</a:t>
+            </a:r>
+            <a:endParaRPr lang="en-US" b="1" dirty="0"/>
           </a:p>
         </p:txBody>
       </p:sp>
@@ -1404,15 +1402,137 @@
             </a:r>
             <a:r>
               <a:rPr lang="en-US" baseline="0" dirty="0" smtClean="0"/>
-              <a:t>  - doesn’t need to be </a:t>
+              <a:t>  </a:t>
+            </a:r>
+            <a:r>
+              <a:rPr lang="en-US" baseline="0" dirty="0" smtClean="0"/>
+              <a:t>- </a:t>
             </a:r>
             <a:r>
               <a:rPr lang="en-US" baseline="0" dirty="0" err="1" smtClean="0"/>
-              <a:t>monobehavior</a:t>
+              <a:t>MonoSingleton</a:t>
             </a:r>
             <a:r>
               <a:rPr lang="en-US" baseline="0" dirty="0" smtClean="0"/>
-              <a:t> but doesn’t hurt.</a:t>
+              <a:t> (pattern available online)</a:t>
+            </a:r>
+          </a:p>
+          <a:p>
+            <a:r>
+              <a:rPr lang="en-US" baseline="0" dirty="0" smtClean="0"/>
+              <a:t>Add </a:t>
+            </a:r>
+            <a:r>
+              <a:rPr lang="en-US" baseline="0" dirty="0" err="1" smtClean="0"/>
+              <a:t>gamestate</a:t>
+            </a:r>
+            <a:r>
+              <a:rPr lang="en-US" baseline="0" dirty="0" smtClean="0"/>
+              <a:t> object and connect the </a:t>
+            </a:r>
+            <a:r>
+              <a:rPr lang="en-US" baseline="0" dirty="0" err="1" smtClean="0"/>
+              <a:t>gamestate</a:t>
+            </a:r>
+            <a:r>
+              <a:rPr lang="en-US" baseline="0" dirty="0" smtClean="0"/>
+              <a:t> text for </a:t>
+            </a:r>
+            <a:r>
+              <a:rPr lang="en-US" baseline="0" dirty="0" err="1" smtClean="0"/>
+              <a:t>ispaused</a:t>
+            </a:r>
+            <a:endParaRPr lang="en-US" baseline="0" dirty="0" smtClean="0"/>
+          </a:p>
+          <a:p>
+            <a:r>
+              <a:rPr lang="en-US" dirty="0" smtClean="0"/>
+              <a:t>Create a Text object then assign it to the fish.</a:t>
+            </a:r>
+          </a:p>
+          <a:p>
+            <a:r>
+              <a:rPr lang="en-US" dirty="0" smtClean="0"/>
+              <a:t>“Press To Play”</a:t>
+            </a:r>
+          </a:p>
+          <a:p>
+            <a:r>
+              <a:rPr lang="en-US" dirty="0" smtClean="0"/>
+              <a:t>Font</a:t>
+            </a:r>
+            <a:r>
+              <a:rPr lang="en-US" baseline="0" dirty="0" smtClean="0"/>
+              <a:t> Size = 28 / Color = White</a:t>
+            </a:r>
+            <a:endParaRPr lang="en-US" dirty="0" smtClean="0"/>
+          </a:p>
+          <a:p>
+            <a:r>
+              <a:rPr lang="en-US" dirty="0" smtClean="0"/>
+              <a:t>Need</a:t>
+            </a:r>
+            <a:r>
+              <a:rPr lang="en-US" baseline="0" dirty="0" smtClean="0"/>
+              <a:t> to expand width &amp; height</a:t>
+            </a:r>
+            <a:endParaRPr lang="en-US" dirty="0" smtClean="0"/>
+          </a:p>
+          <a:p>
+            <a:r>
+              <a:rPr lang="en-US" baseline="0" dirty="0" smtClean="0"/>
+              <a:t>Switch </a:t>
+            </a:r>
+            <a:r>
+              <a:rPr lang="en-US" baseline="0" dirty="0" err="1" smtClean="0"/>
+              <a:t>SeaweedPartBasic.cs</a:t>
+            </a:r>
+            <a:r>
+              <a:rPr lang="en-US" baseline="0" dirty="0" smtClean="0"/>
+              <a:t> to </a:t>
+            </a:r>
+            <a:r>
+              <a:rPr lang="en-US" baseline="0" dirty="0" err="1" smtClean="0"/>
+              <a:t>SeaweedPart.cs</a:t>
+            </a:r>
+            <a:r>
+              <a:rPr lang="en-US" baseline="0" dirty="0" smtClean="0"/>
+              <a:t> – This calls Pause instead of </a:t>
+            </a:r>
+            <a:r>
+              <a:rPr lang="en-US" baseline="0" dirty="0" err="1" smtClean="0"/>
+              <a:t>loadlevel</a:t>
+            </a:r>
+            <a:endParaRPr lang="en-US" baseline="0" dirty="0" smtClean="0"/>
+          </a:p>
+          <a:p>
+            <a:r>
+              <a:rPr lang="en-US" baseline="0" dirty="0" err="1" smtClean="0"/>
+              <a:t>Ground.cs</a:t>
+            </a:r>
+            <a:r>
+              <a:rPr lang="en-US" baseline="0" dirty="0" smtClean="0"/>
+              <a:t> – Change </a:t>
+            </a:r>
+            <a:r>
+              <a:rPr lang="en-US" baseline="0" dirty="0" err="1" smtClean="0"/>
+              <a:t>OnTriggerEnter</a:t>
+            </a:r>
+            <a:r>
+              <a:rPr lang="en-US" baseline="0" dirty="0" smtClean="0"/>
+              <a:t> to </a:t>
+            </a:r>
+            <a:r>
+              <a:rPr lang="en-US" baseline="0" dirty="0" err="1" smtClean="0"/>
+              <a:t>pausegame</a:t>
+            </a:r>
+            <a:r>
+              <a:rPr lang="en-US" baseline="0" dirty="0" smtClean="0"/>
+              <a:t> instead of </a:t>
+            </a:r>
+            <a:r>
+              <a:rPr lang="en-US" baseline="0" dirty="0" err="1" smtClean="0"/>
+              <a:t>loadlevel</a:t>
             </a:r>
             <a:endParaRPr lang="en-US" dirty="0"/>
           </a:p>
@@ -1539,6 +1659,10 @@
               <a:rPr lang="en-US" baseline="0" dirty="0" err="1" smtClean="0"/>
               <a:t>guitext</a:t>
             </a:r>
+            <a:r>
+              <a:rPr lang="en-US" baseline="0" dirty="0" smtClean="0"/>
+              <a:t> – Fixed in next scene</a:t>
+            </a:r>
             <a:endParaRPr lang="en-US" dirty="0"/>
           </a:p>
         </p:txBody>
@@ -1625,7 +1749,26 @@
           <a:p>
             <a:r>
               <a:rPr lang="en-US" dirty="0" smtClean="0"/>
-              <a:t>Create a Text object then assign it to the fish.</a:t>
+              <a:t>Change </a:t>
+            </a:r>
+            <a:r>
+              <a:rPr lang="en-US" dirty="0" err="1" smtClean="0"/>
+              <a:t>seaweedbasic</a:t>
+            </a:r>
+            <a:r>
+              <a:rPr lang="en-US" dirty="0" smtClean="0"/>
+              <a:t> to </a:t>
+            </a:r>
+            <a:r>
+              <a:rPr lang="en-US" dirty="0" err="1" smtClean="0"/>
+              <a:t>seaweed.cs</a:t>
+            </a:r>
+            <a:endParaRPr lang="en-US" dirty="0" smtClean="0"/>
+          </a:p>
+          <a:p>
+            <a:r>
+              <a:rPr lang="en-US" dirty="0" smtClean="0"/>
+              <a:t>Create the new prefab and replace existing instances – In Scene 6</a:t>
             </a:r>
             <a:endParaRPr lang="en-US" dirty="0"/>
           </a:p>
@@ -1657,7 +1800,7 @@
     </p:spTree>
     <p:extLst>
       <p:ext uri="{BB962C8B-B14F-4D97-AF65-F5344CB8AC3E}">
-        <p14:creationId xmlns:p14="http://schemas.microsoft.com/office/powerpoint/2010/main" val="797296942"/>
+        <p14:creationId xmlns:p14="http://schemas.microsoft.com/office/powerpoint/2010/main" val="4097294617"/>
       </p:ext>
     </p:extLst>
   </p:cSld>
@@ -1713,33 +1856,7 @@
           <a:p>
             <a:r>
               <a:rPr lang="en-US" dirty="0" smtClean="0"/>
-              <a:t>Create</a:t>
-            </a:r>
-            <a:r>
-              <a:rPr lang="en-US" baseline="0" dirty="0" smtClean="0"/>
-              <a:t> an empty </a:t>
-            </a:r>
-            <a:r>
-              <a:rPr lang="en-US" baseline="0" dirty="0" err="1" smtClean="0"/>
-              <a:t>gameobject</a:t>
-            </a:r>
-            <a:r>
-              <a:rPr lang="en-US" baseline="0" dirty="0" smtClean="0"/>
-              <a:t>, add the </a:t>
-            </a:r>
-            <a:r>
-              <a:rPr lang="en-US" baseline="0" dirty="0" err="1" smtClean="0"/>
-              <a:t>scorekeeper.cs</a:t>
-            </a:r>
-            <a:r>
-              <a:rPr lang="en-US" baseline="0" dirty="0" smtClean="0"/>
-              <a:t> script</a:t>
-            </a:r>
-          </a:p>
-          <a:p>
-            <a:r>
-              <a:rPr lang="en-US" baseline="0" dirty="0" smtClean="0"/>
-              <a:t>Create a Text and assign it to the scorekeeper</a:t>
+              <a:t>Random Range = 0 / Z = -1</a:t>
             </a:r>
             <a:endParaRPr lang="en-US" dirty="0"/>
           </a:p>
@@ -1762,7 +1879,7 @@
           <a:p>
             <a:fld id="{DCD2E95C-A448-4C41-BD21-6E619E7F5BB2}" type="slidenum">
               <a:rPr lang="en-US" smtClean="0"/>
-              <a:t>23</a:t>
+              <a:t>21</a:t>
             </a:fld>
             <a:endParaRPr lang="en-US"/>
           </a:p>
@@ -1771,7 +1888,7 @@
     </p:spTree>
     <p:extLst>
       <p:ext uri="{BB962C8B-B14F-4D97-AF65-F5344CB8AC3E}">
-        <p14:creationId xmlns:p14="http://schemas.microsoft.com/office/powerpoint/2010/main" val="2575853715"/>
+        <p14:creationId xmlns:p14="http://schemas.microsoft.com/office/powerpoint/2010/main" val="529204786"/>
       </p:ext>
     </p:extLst>
   </p:cSld>
@@ -1925,14 +2042,34 @@
           <a:p>
             <a:r>
               <a:rPr lang="en-US" dirty="0" smtClean="0"/>
-              <a:t>Create a terrain and show it grey.  Then import the terrain assets in the file import menu.  Mention standard</a:t>
+              <a:t>Create</a:t>
             </a:r>
             <a:r>
               <a:rPr lang="en-US" baseline="0" dirty="0" smtClean="0"/>
-              <a:t> assets.  Add a directional light then deform the terrain.</a:t>
-            </a:r>
-          </a:p>
-          <a:p>
+              <a:t> an empty </a:t>
+            </a:r>
+            <a:r>
+              <a:rPr lang="en-US" baseline="0" dirty="0" err="1" smtClean="0"/>
+              <a:t>gameobject</a:t>
+            </a:r>
+            <a:r>
+              <a:rPr lang="en-US" baseline="0" dirty="0" smtClean="0"/>
+              <a:t>, add the </a:t>
+            </a:r>
+            <a:r>
+              <a:rPr lang="en-US" baseline="0" dirty="0" err="1" smtClean="0"/>
+              <a:t>scorekeeper.cs</a:t>
+            </a:r>
+            <a:r>
+              <a:rPr lang="en-US" baseline="0" dirty="0" smtClean="0"/>
+              <a:t> script</a:t>
+            </a:r>
+          </a:p>
+          <a:p>
+            <a:r>
+              <a:rPr lang="en-US" baseline="0" dirty="0" smtClean="0"/>
+              <a:t>Create a Text and assign it to the scorekeeper</a:t>
+            </a:r>
             <a:endParaRPr lang="en-US" dirty="0"/>
           </a:p>
         </p:txBody>
@@ -1954,7 +2091,7 @@
           <a:p>
             <a:fld id="{DCD2E95C-A448-4C41-BD21-6E619E7F5BB2}" type="slidenum">
               <a:rPr lang="en-US" smtClean="0"/>
-              <a:t>27</a:t>
+              <a:t>22</a:t>
             </a:fld>
             <a:endParaRPr lang="en-US"/>
           </a:p>
@@ -1963,7 +2100,7 @@
     </p:spTree>
     <p:extLst>
       <p:ext uri="{BB962C8B-B14F-4D97-AF65-F5344CB8AC3E}">
-        <p14:creationId xmlns:p14="http://schemas.microsoft.com/office/powerpoint/2010/main" val="4130325980"/>
+        <p14:creationId xmlns:p14="http://schemas.microsoft.com/office/powerpoint/2010/main" val="2575853715"/>
       </p:ext>
     </p:extLst>
   </p:cSld>
@@ -2019,20 +2156,14 @@
           <a:p>
             <a:r>
               <a:rPr lang="en-US" dirty="0" smtClean="0"/>
-              <a:t>Create</a:t>
+              <a:t>Create a terrain and show it grey.  Then import the terrain assets in the file import menu.  Mention standard</a:t>
             </a:r>
             <a:r>
               <a:rPr lang="en-US" baseline="0" dirty="0" smtClean="0"/>
-              <a:t> a sphere in the main camera’s view and show it drop when it gets a </a:t>
-            </a:r>
-            <a:r>
-              <a:rPr lang="en-US" baseline="0" dirty="0" err="1" smtClean="0"/>
-              <a:t>rigidbody</a:t>
-            </a:r>
-            <a:r>
-              <a:rPr lang="en-US" baseline="0" dirty="0" smtClean="0"/>
-              <a:t>.  Try to make it roll down a hill.</a:t>
-            </a:r>
+              <a:t> assets.  Add a directional light then deform the terrain.</a:t>
+            </a:r>
+          </a:p>
+          <a:p>
             <a:endParaRPr lang="en-US" dirty="0"/>
           </a:p>
         </p:txBody>
@@ -2054,7 +2185,7 @@
           <a:p>
             <a:fld id="{DCD2E95C-A448-4C41-BD21-6E619E7F5BB2}" type="slidenum">
               <a:rPr lang="en-US" smtClean="0"/>
-              <a:t>28</a:t>
+              <a:t>26</a:t>
             </a:fld>
             <a:endParaRPr lang="en-US"/>
           </a:p>
@@ -2063,7 +2194,7 @@
     </p:spTree>
     <p:extLst>
       <p:ext uri="{BB962C8B-B14F-4D97-AF65-F5344CB8AC3E}">
-        <p14:creationId xmlns:p14="http://schemas.microsoft.com/office/powerpoint/2010/main" val="3530183443"/>
+        <p14:creationId xmlns:p14="http://schemas.microsoft.com/office/powerpoint/2010/main" val="4130325980"/>
       </p:ext>
     </p:extLst>
   </p:cSld>
@@ -2119,14 +2250,19 @@
           <a:p>
             <a:r>
               <a:rPr lang="en-US" dirty="0" smtClean="0"/>
-              <a:t>Import the character controller package.</a:t>
-            </a:r>
-            <a:br>
-              <a:rPr lang="en-US" dirty="0" smtClean="0"/>
-            </a:br>
-            <a:r>
-              <a:rPr lang="en-US" dirty="0" smtClean="0"/>
-              <a:t>Add the prefab and remove the original main camera</a:t>
+              <a:t>Create</a:t>
+            </a:r>
+            <a:r>
+              <a:rPr lang="en-US" baseline="0" dirty="0" smtClean="0"/>
+              <a:t> a sphere in the main camera’s view and show it drop when it gets a </a:t>
+            </a:r>
+            <a:r>
+              <a:rPr lang="en-US" baseline="0" dirty="0" err="1" smtClean="0"/>
+              <a:t>rigidbody</a:t>
+            </a:r>
+            <a:r>
+              <a:rPr lang="en-US" baseline="0" dirty="0" smtClean="0"/>
+              <a:t>.  Try to make it roll down a hill.</a:t>
             </a:r>
             <a:endParaRPr lang="en-US" dirty="0"/>
           </a:p>
@@ -2149,7 +2285,7 @@
           <a:p>
             <a:fld id="{DCD2E95C-A448-4C41-BD21-6E619E7F5BB2}" type="slidenum">
               <a:rPr lang="en-US" smtClean="0"/>
-              <a:t>29</a:t>
+              <a:t>27</a:t>
             </a:fld>
             <a:endParaRPr lang="en-US"/>
           </a:p>
@@ -2158,7 +2294,7 @@
     </p:spTree>
     <p:extLst>
       <p:ext uri="{BB962C8B-B14F-4D97-AF65-F5344CB8AC3E}">
-        <p14:creationId xmlns:p14="http://schemas.microsoft.com/office/powerpoint/2010/main" val="1169975469"/>
+        <p14:creationId xmlns:p14="http://schemas.microsoft.com/office/powerpoint/2010/main" val="3530183443"/>
       </p:ext>
     </p:extLst>
   </p:cSld>
@@ -2214,63 +2350,14 @@
           <a:p>
             <a:r>
               <a:rPr lang="en-US" dirty="0" smtClean="0"/>
-              <a:t>Create a new </a:t>
-            </a:r>
-            <a:r>
-              <a:rPr lang="en-US" dirty="0" err="1" smtClean="0"/>
-              <a:t>gameobject</a:t>
-            </a:r>
-            <a:r>
-              <a:rPr lang="en-US" dirty="0" smtClean="0"/>
-              <a:t> and add a </a:t>
-            </a:r>
-            <a:r>
-              <a:rPr lang="en-US" dirty="0" err="1" smtClean="0"/>
-              <a:t>poolmanager</a:t>
-            </a:r>
-            <a:r>
-              <a:rPr lang="en-US" dirty="0" smtClean="0"/>
-              <a:t> script.</a:t>
-            </a:r>
-          </a:p>
-          <a:p>
-            <a:r>
-              <a:rPr lang="en-US" dirty="0" smtClean="0"/>
-              <a:t>Show the </a:t>
-            </a:r>
-            <a:r>
-              <a:rPr lang="en-US" dirty="0" err="1" smtClean="0"/>
-              <a:t>poolmanager</a:t>
-            </a:r>
-            <a:r>
-              <a:rPr lang="en-US" dirty="0" smtClean="0"/>
-              <a:t> code (better ones available or written in 10</a:t>
-            </a:r>
-            <a:r>
-              <a:rPr lang="en-US" baseline="0" dirty="0" smtClean="0"/>
-              <a:t> </a:t>
-            </a:r>
-            <a:r>
-              <a:rPr lang="en-US" baseline="0" dirty="0" err="1" smtClean="0"/>
-              <a:t>mins</a:t>
-            </a:r>
-            <a:r>
-              <a:rPr lang="en-US" baseline="0" dirty="0" smtClean="0"/>
-              <a:t>)  Use Generics</a:t>
-            </a:r>
-          </a:p>
-          <a:p>
-            <a:r>
-              <a:rPr lang="en-US" baseline="0" dirty="0" smtClean="0"/>
-              <a:t>Create a red sphere, make it a prefab, and set it as the </a:t>
-            </a:r>
-            <a:r>
-              <a:rPr lang="en-US" baseline="0" dirty="0" err="1" smtClean="0"/>
-              <a:t>poolmanager</a:t>
-            </a:r>
-            <a:r>
-              <a:rPr lang="en-US" baseline="0" dirty="0" smtClean="0"/>
-              <a:t> prefab</a:t>
+              <a:t>Import the character controller package.</a:t>
+            </a:r>
+            <a:br>
+              <a:rPr lang="en-US" dirty="0" smtClean="0"/>
+            </a:br>
+            <a:r>
+              <a:rPr lang="en-US" dirty="0" smtClean="0"/>
+              <a:t>Add the prefab and remove the original main camera</a:t>
             </a:r>
             <a:endParaRPr lang="en-US" dirty="0"/>
           </a:p>
@@ -2293,7 +2380,7 @@
           <a:p>
             <a:fld id="{DCD2E95C-A448-4C41-BD21-6E619E7F5BB2}" type="slidenum">
               <a:rPr lang="en-US" smtClean="0"/>
-              <a:t>30</a:t>
+              <a:t>28</a:t>
             </a:fld>
             <a:endParaRPr lang="en-US"/>
           </a:p>
@@ -2302,7 +2389,7 @@
     </p:spTree>
     <p:extLst>
       <p:ext uri="{BB962C8B-B14F-4D97-AF65-F5344CB8AC3E}">
-        <p14:creationId xmlns:p14="http://schemas.microsoft.com/office/powerpoint/2010/main" val="3311590230"/>
+        <p14:creationId xmlns:p14="http://schemas.microsoft.com/office/powerpoint/2010/main" val="1169975469"/>
       </p:ext>
     </p:extLst>
   </p:cSld>
@@ -2358,18 +2445,64 @@
           <a:p>
             <a:r>
               <a:rPr lang="en-US" dirty="0" smtClean="0"/>
-              <a:t>Add the </a:t>
+              <a:t>Create a new </a:t>
             </a:r>
             <a:r>
               <a:rPr lang="en-US" dirty="0" err="1" smtClean="0"/>
-              <a:t>projectilelauncher.cs</a:t>
-            </a:r>
-            <a:r>
-              <a:rPr lang="en-US" dirty="0" smtClean="0"/>
-              <a:t> script to the player</a:t>
-            </a:r>
-          </a:p>
-          <a:p>
+              <a:t>gameobject</a:t>
+            </a:r>
+            <a:r>
+              <a:rPr lang="en-US" dirty="0" smtClean="0"/>
+              <a:t> and add a </a:t>
+            </a:r>
+            <a:r>
+              <a:rPr lang="en-US" dirty="0" err="1" smtClean="0"/>
+              <a:t>poolmanager</a:t>
+            </a:r>
+            <a:r>
+              <a:rPr lang="en-US" dirty="0" smtClean="0"/>
+              <a:t> script.</a:t>
+            </a:r>
+          </a:p>
+          <a:p>
+            <a:r>
+              <a:rPr lang="en-US" dirty="0" smtClean="0"/>
+              <a:t>Show the </a:t>
+            </a:r>
+            <a:r>
+              <a:rPr lang="en-US" dirty="0" err="1" smtClean="0"/>
+              <a:t>poolmanager</a:t>
+            </a:r>
+            <a:r>
+              <a:rPr lang="en-US" dirty="0" smtClean="0"/>
+              <a:t> code (better ones available or written in 10</a:t>
+            </a:r>
+            <a:r>
+              <a:rPr lang="en-US" baseline="0" dirty="0" smtClean="0"/>
+              <a:t> </a:t>
+            </a:r>
+            <a:r>
+              <a:rPr lang="en-US" baseline="0" dirty="0" err="1" smtClean="0"/>
+              <a:t>mins</a:t>
+            </a:r>
+            <a:r>
+              <a:rPr lang="en-US" baseline="0" dirty="0" smtClean="0"/>
+              <a:t>)  Use Generics</a:t>
+            </a:r>
+          </a:p>
+          <a:p>
+            <a:r>
+              <a:rPr lang="en-US" baseline="0" dirty="0" smtClean="0"/>
+              <a:t>Create a red sphere, make it a prefab, and set it as the </a:t>
+            </a:r>
+            <a:r>
+              <a:rPr lang="en-US" baseline="0" dirty="0" err="1" smtClean="0"/>
+              <a:t>poolmanager</a:t>
+            </a:r>
+            <a:r>
+              <a:rPr lang="en-US" baseline="0" dirty="0" smtClean="0"/>
+              <a:t> prefab</a:t>
+            </a:r>
             <a:endParaRPr lang="en-US" dirty="0"/>
           </a:p>
         </p:txBody>
@@ -2391,7 +2524,7 @@
           <a:p>
             <a:fld id="{DCD2E95C-A448-4C41-BD21-6E619E7F5BB2}" type="slidenum">
               <a:rPr lang="en-US" smtClean="0"/>
-              <a:t>31</a:t>
+              <a:t>29</a:t>
             </a:fld>
             <a:endParaRPr lang="en-US"/>
           </a:p>
@@ -2400,7 +2533,7 @@
     </p:spTree>
     <p:extLst>
       <p:ext uri="{BB962C8B-B14F-4D97-AF65-F5344CB8AC3E}">
-        <p14:creationId xmlns:p14="http://schemas.microsoft.com/office/powerpoint/2010/main" val="409507648"/>
+        <p14:creationId xmlns:p14="http://schemas.microsoft.com/office/powerpoint/2010/main" val="3311590230"/>
       </p:ext>
     </p:extLst>
   </p:cSld>
@@ -2456,47 +2589,18 @@
           <a:p>
             <a:r>
               <a:rPr lang="en-US" dirty="0" smtClean="0"/>
-              <a:t>After adding this, change the type</a:t>
-            </a:r>
-            <a:r>
-              <a:rPr lang="en-US" baseline="0" dirty="0" smtClean="0"/>
-              <a:t> to </a:t>
-            </a:r>
-            <a:r>
-              <a:rPr lang="en-US" baseline="0" dirty="0" err="1" smtClean="0"/>
-              <a:t>Continious</a:t>
-            </a:r>
-            <a:r>
-              <a:rPr lang="en-US" baseline="0" dirty="0" smtClean="0"/>
-              <a:t> Dynamic</a:t>
-            </a:r>
-            <a:br>
-              <a:rPr lang="en-US" baseline="0" dirty="0" smtClean="0"/>
-            </a:br>
-            <a:r>
-              <a:rPr lang="en-US" baseline="0" dirty="0" smtClean="0"/>
-              <a:t>Discrete = Non Moving</a:t>
-            </a:r>
-          </a:p>
-          <a:p>
-            <a:r>
-              <a:rPr lang="en-US" baseline="0" dirty="0" err="1" smtClean="0"/>
-              <a:t>Cont</a:t>
-            </a:r>
-            <a:r>
-              <a:rPr lang="en-US" baseline="0" dirty="0" smtClean="0"/>
-              <a:t> = Moving slow</a:t>
-            </a:r>
-          </a:p>
-          <a:p>
-            <a:r>
-              <a:rPr lang="en-US" baseline="0" dirty="0" err="1" smtClean="0"/>
-              <a:t>Cont</a:t>
-            </a:r>
-            <a:r>
-              <a:rPr lang="en-US" baseline="0" dirty="0" smtClean="0"/>
-              <a:t> Dynamic = Fast Moving</a:t>
-            </a:r>
+              <a:t>Add the </a:t>
+            </a:r>
+            <a:r>
+              <a:rPr lang="en-US" dirty="0" err="1" smtClean="0"/>
+              <a:t>projectilelauncher.cs</a:t>
+            </a:r>
+            <a:r>
+              <a:rPr lang="en-US" dirty="0" smtClean="0"/>
+              <a:t> script to the player</a:t>
+            </a:r>
+          </a:p>
+          <a:p>
             <a:endParaRPr lang="en-US" dirty="0"/>
           </a:p>
         </p:txBody>
@@ -2518,7 +2622,7 @@
           <a:p>
             <a:fld id="{DCD2E95C-A448-4C41-BD21-6E619E7F5BB2}" type="slidenum">
               <a:rPr lang="en-US" smtClean="0"/>
-              <a:t>32</a:t>
+              <a:t>30</a:t>
             </a:fld>
             <a:endParaRPr lang="en-US"/>
           </a:p>
@@ -2527,7 +2631,7 @@
     </p:spTree>
     <p:extLst>
       <p:ext uri="{BB962C8B-B14F-4D97-AF65-F5344CB8AC3E}">
-        <p14:creationId xmlns:p14="http://schemas.microsoft.com/office/powerpoint/2010/main" val="3342569816"/>
+        <p14:creationId xmlns:p14="http://schemas.microsoft.com/office/powerpoint/2010/main" val="409507648"/>
       </p:ext>
     </p:extLst>
   </p:cSld>
@@ -2583,25 +2687,46 @@
           <a:p>
             <a:r>
               <a:rPr lang="en-US" dirty="0" smtClean="0"/>
-              <a:t>Talk about the asset store then import</a:t>
+              <a:t>After adding this, change the type</a:t>
             </a:r>
             <a:r>
               <a:rPr lang="en-US" baseline="0" dirty="0" smtClean="0"/>
-              <a:t> the “Crate and Box”</a:t>
-            </a:r>
-            <a:r>
-              <a:rPr lang="en-US" dirty="0" smtClean="0"/>
-              <a:t> package</a:t>
-            </a:r>
-          </a:p>
-          <a:p>
-            <a:r>
-              <a:rPr lang="en-US" dirty="0" smtClean="0"/>
-              <a:t>Developers</a:t>
+              <a:t> to </a:t>
+            </a:r>
+            <a:r>
+              <a:rPr lang="en-US" baseline="0" dirty="0" err="1" smtClean="0"/>
+              <a:t>Continious</a:t>
             </a:r>
             <a:r>
               <a:rPr lang="en-US" baseline="0" dirty="0" smtClean="0"/>
-              <a:t> can sell on the store</a:t>
+              <a:t> Dynamic</a:t>
+            </a:r>
+            <a:br>
+              <a:rPr lang="en-US" baseline="0" dirty="0" smtClean="0"/>
+            </a:br>
+            <a:r>
+              <a:rPr lang="en-US" baseline="0" dirty="0" smtClean="0"/>
+              <a:t>Discrete = Non Moving</a:t>
+            </a:r>
+          </a:p>
+          <a:p>
+            <a:r>
+              <a:rPr lang="en-US" baseline="0" dirty="0" err="1" smtClean="0"/>
+              <a:t>Cont</a:t>
+            </a:r>
+            <a:r>
+              <a:rPr lang="en-US" baseline="0" dirty="0" smtClean="0"/>
+              <a:t> = Moving slow</a:t>
+            </a:r>
+          </a:p>
+          <a:p>
+            <a:r>
+              <a:rPr lang="en-US" baseline="0" dirty="0" err="1" smtClean="0"/>
+              <a:t>Cont</a:t>
+            </a:r>
+            <a:r>
+              <a:rPr lang="en-US" baseline="0" dirty="0" smtClean="0"/>
+              <a:t> Dynamic = Fast Moving</a:t>
             </a:r>
             <a:endParaRPr lang="en-US" dirty="0"/>
           </a:p>
@@ -2624,7 +2749,7 @@
           <a:p>
             <a:fld id="{DCD2E95C-A448-4C41-BD21-6E619E7F5BB2}" type="slidenum">
               <a:rPr lang="en-US" smtClean="0"/>
-              <a:t>33</a:t>
+              <a:t>31</a:t>
             </a:fld>
             <a:endParaRPr lang="en-US"/>
           </a:p>
@@ -2633,7 +2758,7 @@
     </p:spTree>
     <p:extLst>
       <p:ext uri="{BB962C8B-B14F-4D97-AF65-F5344CB8AC3E}">
-        <p14:creationId xmlns:p14="http://schemas.microsoft.com/office/powerpoint/2010/main" val="762050862"/>
+        <p14:creationId xmlns:p14="http://schemas.microsoft.com/office/powerpoint/2010/main" val="3342569816"/>
       </p:ext>
     </p:extLst>
   </p:cSld>
@@ -2689,38 +2814,25 @@
           <a:p>
             <a:r>
               <a:rPr lang="en-US" dirty="0" smtClean="0"/>
-              <a:t>Talk about </a:t>
-            </a:r>
-            <a:r>
-              <a:rPr lang="en-US" dirty="0" err="1" smtClean="0"/>
-              <a:t>GameObject.Destroy</a:t>
-            </a:r>
-            <a:r>
-              <a:rPr lang="en-US" dirty="0" smtClean="0"/>
-              <a:t>.</a:t>
+              <a:t>Talk about the asset store then import</a:t>
             </a:r>
             <a:r>
               <a:rPr lang="en-US" baseline="0" dirty="0" smtClean="0"/>
-              <a:t>  Use </a:t>
-            </a:r>
-            <a:r>
-              <a:rPr lang="en-US" baseline="0" dirty="0" err="1" smtClean="0"/>
-              <a:t>this.GameObject</a:t>
+              <a:t> the “Crate and Box”</a:t>
+            </a:r>
+            <a:r>
+              <a:rPr lang="en-US" dirty="0" smtClean="0"/>
+              <a:t> package</a:t>
+            </a:r>
+          </a:p>
+          <a:p>
+            <a:r>
+              <a:rPr lang="en-US" dirty="0" smtClean="0"/>
+              <a:t>Developers</a:t>
             </a:r>
             <a:r>
               <a:rPr lang="en-US" baseline="0" dirty="0" smtClean="0"/>
-              <a:t> or you’ll be trying to destroy the component not the object.</a:t>
-            </a:r>
-            <a:br>
-              <a:rPr lang="en-US" baseline="0" dirty="0" smtClean="0"/>
-            </a:br>
-            <a:r>
-              <a:rPr lang="en-US" baseline="0" dirty="0" err="1" smtClean="0"/>
-              <a:t>BoxCollider</a:t>
-            </a:r>
-            <a:r>
-              <a:rPr lang="en-US" baseline="0" dirty="0" smtClean="0"/>
-              <a:t> vs Mesh Collider</a:t>
+              <a:t> can sell on the store</a:t>
             </a:r>
             <a:endParaRPr lang="en-US" dirty="0"/>
           </a:p>
@@ -2743,7 +2855,7 @@
           <a:p>
             <a:fld id="{DCD2E95C-A448-4C41-BD21-6E619E7F5BB2}" type="slidenum">
               <a:rPr lang="en-US" smtClean="0"/>
-              <a:t>34</a:t>
+              <a:t>32</a:t>
             </a:fld>
             <a:endParaRPr lang="en-US"/>
           </a:p>
@@ -2752,7 +2864,7 @@
     </p:spTree>
     <p:extLst>
       <p:ext uri="{BB962C8B-B14F-4D97-AF65-F5344CB8AC3E}">
-        <p14:creationId xmlns:p14="http://schemas.microsoft.com/office/powerpoint/2010/main" val="316512440"/>
+        <p14:creationId xmlns:p14="http://schemas.microsoft.com/office/powerpoint/2010/main" val="762050862"/>
       </p:ext>
     </p:extLst>
   </p:cSld>
@@ -2808,6 +2920,125 @@
           <a:p>
             <a:r>
               <a:rPr lang="en-US" dirty="0" smtClean="0"/>
+              <a:t>Talk about </a:t>
+            </a:r>
+            <a:r>
+              <a:rPr lang="en-US" dirty="0" err="1" smtClean="0"/>
+              <a:t>GameObject.Destroy</a:t>
+            </a:r>
+            <a:r>
+              <a:rPr lang="en-US" dirty="0" smtClean="0"/>
+              <a:t>.</a:t>
+            </a:r>
+            <a:r>
+              <a:rPr lang="en-US" baseline="0" dirty="0" smtClean="0"/>
+              <a:t>  Use </a:t>
+            </a:r>
+            <a:r>
+              <a:rPr lang="en-US" baseline="0" dirty="0" err="1" smtClean="0"/>
+              <a:t>this.GameObject</a:t>
+            </a:r>
+            <a:r>
+              <a:rPr lang="en-US" baseline="0" dirty="0" smtClean="0"/>
+              <a:t> or you’ll be trying to destroy the component not the object.</a:t>
+            </a:r>
+            <a:br>
+              <a:rPr lang="en-US" baseline="0" dirty="0" smtClean="0"/>
+            </a:br>
+            <a:r>
+              <a:rPr lang="en-US" baseline="0" dirty="0" err="1" smtClean="0"/>
+              <a:t>BoxCollider</a:t>
+            </a:r>
+            <a:r>
+              <a:rPr lang="en-US" baseline="0" dirty="0" smtClean="0"/>
+              <a:t> vs Mesh Collider</a:t>
+            </a:r>
+            <a:endParaRPr lang="en-US" dirty="0"/>
+          </a:p>
+        </p:txBody>
+      </p:sp>
+      <p:sp>
+        <p:nvSpPr>
+          <p:cNvPr id="4" name="Slide Number Placeholder 3"/>
+          <p:cNvSpPr>
+            <a:spLocks noGrp="1"/>
+          </p:cNvSpPr>
+          <p:nvPr>
+            <p:ph type="sldNum" sz="quarter" idx="10"/>
+          </p:nvPr>
+        </p:nvSpPr>
+        <p:spPr/>
+        <p:txBody>
+          <a:bodyPr/>
+          <a:lstStyle/>
+          <a:p>
+            <a:fld id="{DCD2E95C-A448-4C41-BD21-6E619E7F5BB2}" type="slidenum">
+              <a:rPr lang="en-US" smtClean="0"/>
+              <a:t>33</a:t>
+            </a:fld>
+            <a:endParaRPr lang="en-US"/>
+          </a:p>
+        </p:txBody>
+      </p:sp>
+    </p:spTree>
+    <p:extLst>
+      <p:ext uri="{BB962C8B-B14F-4D97-AF65-F5344CB8AC3E}">
+        <p14:creationId xmlns:p14="http://schemas.microsoft.com/office/powerpoint/2010/main" val="316512440"/>
+      </p:ext>
+    </p:extLst>
+  </p:cSld>
+  <p:clrMapOvr>
+    <a:masterClrMapping/>
+  </p:clrMapOvr>
+</p:notes>
+</file>
+
+<file path=ppt/notesSlides/notesSlide29.xml><?xml version="1.0" encoding="utf-8"?>
+<p:notes xmlns:a="http://schemas.openxmlformats.org/drawingml/2006/main" xmlns:r="http://schemas.openxmlformats.org/officeDocument/2006/relationships" xmlns:p="http://schemas.openxmlformats.org/presentationml/2006/main">
+  <p:cSld>
+    <p:spTree>
+      <p:nvGrpSpPr>
+        <p:cNvPr id="1" name=""/>
+        <p:cNvGrpSpPr/>
+        <p:nvPr/>
+      </p:nvGrpSpPr>
+      <p:grpSpPr>
+        <a:xfrm>
+          <a:off x="0" y="0"/>
+          <a:ext cx="0" cy="0"/>
+          <a:chOff x="0" y="0"/>
+          <a:chExt cx="0" cy="0"/>
+        </a:xfrm>
+      </p:grpSpPr>
+      <p:sp>
+        <p:nvSpPr>
+          <p:cNvPr id="2" name="Slide Image Placeholder 1"/>
+          <p:cNvSpPr>
+            <a:spLocks noGrp="1" noRot="1" noChangeAspect="1"/>
+          </p:cNvSpPr>
+          <p:nvPr>
+            <p:ph type="sldImg"/>
+          </p:nvPr>
+        </p:nvSpPr>
+        <p:spPr/>
+      </p:sp>
+      <p:sp>
+        <p:nvSpPr>
+          <p:cNvPr id="3" name="Notes Placeholder 2"/>
+          <p:cNvSpPr>
+            <a:spLocks noGrp="1"/>
+          </p:cNvSpPr>
+          <p:nvPr>
+            <p:ph type="body" idx="1"/>
+          </p:nvPr>
+        </p:nvSpPr>
+        <p:spPr/>
+        <p:txBody>
+          <a:bodyPr/>
+          <a:lstStyle/>
+          <a:p>
+            <a:r>
+              <a:rPr lang="en-US" dirty="0" smtClean="0"/>
               <a:t>These are all done, just show where to set the </a:t>
             </a:r>
             <a:r>
@@ -2839,7 +3070,7 @@
           <a:p>
             <a:fld id="{DCD2E95C-A448-4C41-BD21-6E619E7F5BB2}" type="slidenum">
               <a:rPr lang="en-US" smtClean="0"/>
-              <a:t>36</a:t>
+              <a:t>35</a:t>
             </a:fld>
             <a:endParaRPr lang="en-US"/>
           </a:p>
@@ -3538,11 +3769,7 @@
           <a:p>
             <a:r>
               <a:rPr lang="en-US" dirty="0" smtClean="0"/>
-              <a:t>Explain </a:t>
-            </a:r>
-            <a:r>
-              <a:rPr lang="en-US" dirty="0" smtClean="0"/>
-              <a:t>Methods – Continue to Next</a:t>
+              <a:t>Explain Methods – Continue to Next</a:t>
             </a:r>
             <a:endParaRPr lang="en-US" dirty="0"/>
           </a:p>
@@ -9909,11 +10136,7 @@
             </a:r>
             <a:r>
               <a:rPr lang="en-US" dirty="0" smtClean="0"/>
-              <a:t>(“Fire1</a:t>
-            </a:r>
-            <a:r>
-              <a:rPr lang="en-US" dirty="0" smtClean="0"/>
-              <a:t>”)</a:t>
+              <a:t>(“Fire1”)</a:t>
             </a:r>
           </a:p>
           <a:p>
@@ -9948,7 +10171,6 @@
               <a:rPr lang="en-US" dirty="0" smtClean="0"/>
               <a:t>Tap on screen</a:t>
             </a:r>
-            <a:endParaRPr lang="en-US" dirty="0" smtClean="0"/>
           </a:p>
           <a:p>
             <a:r>
@@ -10048,13 +10270,8 @@
           <a:p>
             <a:r>
               <a:rPr lang="en-US" dirty="0" smtClean="0"/>
-              <a:t>Use the Rotation property in the inspector to </a:t>
-            </a:r>
-            <a:r>
-              <a:rPr lang="en-US" dirty="0" smtClean="0"/>
-              <a:t>flip [x=180]</a:t>
-            </a:r>
-            <a:endParaRPr lang="en-US" dirty="0" smtClean="0"/>
+              <a:t>Use the Rotation property in the inspector to flip [x=180]</a:t>
+            </a:r>
           </a:p>
           <a:p>
             <a:r>
@@ -10477,11 +10694,7 @@
           <a:p>
             <a:r>
               <a:rPr lang="en-US" dirty="0" smtClean="0"/>
-              <a:t>Quad (3D </a:t>
-            </a:r>
-            <a:r>
-              <a:rPr lang="en-US" dirty="0" smtClean="0"/>
-              <a:t>Object)</a:t>
+              <a:t>Quad (3D Object)</a:t>
             </a:r>
           </a:p>
           <a:p>
@@ -10599,8 +10812,19 @@
           <a:p>
             <a:r>
               <a:rPr lang="en-US" dirty="0" smtClean="0"/>
-              <a:t>Game state / Pause</a:t>
-            </a:r>
+              <a:t>Game state / </a:t>
+            </a:r>
+            <a:r>
+              <a:rPr lang="en-US" dirty="0" smtClean="0"/>
+              <a:t>Pause</a:t>
+            </a:r>
+          </a:p>
+          <a:p>
+            <a:r>
+              <a:rPr lang="en-US" dirty="0" smtClean="0"/>
+              <a:t>UI</a:t>
+            </a:r>
+            <a:endParaRPr lang="en-US" dirty="0" smtClean="0"/>
           </a:p>
           <a:p>
             <a:r>
@@ -10701,9 +10925,10 @@
           <a:lstStyle/>
           <a:p>
             <a:r>
-              <a:rPr lang="en-US" dirty="0" smtClean="0"/>
-              <a:t>Simple Static implementation</a:t>
-            </a:r>
+              <a:rPr lang="en-US" dirty="0" err="1" smtClean="0"/>
+              <a:t>MonoSingleton</a:t>
+            </a:r>
+            <a:endParaRPr lang="en-US" dirty="0" smtClean="0"/>
           </a:p>
           <a:p>
             <a:r>
@@ -11023,11 +11248,7 @@
           <a:p>
             <a:r>
               <a:rPr lang="en-US" dirty="0" smtClean="0"/>
-              <a:t>Game Over / </a:t>
-            </a:r>
-            <a:r>
-              <a:rPr lang="en-US" dirty="0" err="1" smtClean="0"/>
-              <a:t>UI.Text</a:t>
+              <a:t>Seaweed Upgrades</a:t>
             </a:r>
             <a:endParaRPr lang="en-US" dirty="0"/>
           </a:p>
@@ -11050,7 +11271,13 @@
           <a:p>
             <a:r>
               <a:rPr lang="en-US" dirty="0" smtClean="0"/>
-              <a:t>Component in Canvas</a:t>
+              <a:t>Pause Check</a:t>
+            </a:r>
+          </a:p>
+          <a:p>
+            <a:r>
+              <a:rPr lang="en-US" dirty="0" smtClean="0"/>
+              <a:t>Random Height</a:t>
             </a:r>
             <a:endParaRPr lang="en-US" dirty="0"/>
           </a:p>
@@ -11059,7 +11286,7 @@
     </p:spTree>
     <p:extLst>
       <p:ext uri="{BB962C8B-B14F-4D97-AF65-F5344CB8AC3E}">
-        <p14:creationId xmlns:p14="http://schemas.microsoft.com/office/powerpoint/2010/main" val="1264400474"/>
+        <p14:creationId xmlns:p14="http://schemas.microsoft.com/office/powerpoint/2010/main" val="2406486191"/>
       </p:ext>
     </p:extLst>
   </p:cSld>
@@ -11110,7 +11337,7 @@
           <a:p>
             <a:r>
               <a:rPr lang="en-US" dirty="0" smtClean="0"/>
-              <a:t>Seaweed Upgrades</a:t>
+              <a:t>Props</a:t>
             </a:r>
             <a:endParaRPr lang="en-US" dirty="0"/>
           </a:p>
@@ -11133,13 +11360,21 @@
           <a:p>
             <a:r>
               <a:rPr lang="en-US" dirty="0" smtClean="0"/>
-              <a:t>Pause Check</a:t>
-            </a:r>
-          </a:p>
-          <a:p>
-            <a:r>
-              <a:rPr lang="en-US" dirty="0" smtClean="0"/>
-              <a:t>Random Height</a:t>
+              <a:t>Reuse </a:t>
+            </a:r>
+            <a:r>
+              <a:rPr lang="en-US" dirty="0" err="1" smtClean="0"/>
+              <a:t>seaweed.cs</a:t>
+            </a:r>
+            <a:r>
+              <a:rPr lang="en-US" dirty="0" smtClean="0"/>
+              <a:t> with range of 0</a:t>
+            </a:r>
+          </a:p>
+          <a:p>
+            <a:r>
+              <a:rPr lang="en-US" dirty="0" smtClean="0"/>
+              <a:t>Place in front of ground</a:t>
             </a:r>
             <a:endParaRPr lang="en-US" dirty="0"/>
           </a:p>
@@ -11148,7 +11383,7 @@
     </p:spTree>
     <p:extLst>
       <p:ext uri="{BB962C8B-B14F-4D97-AF65-F5344CB8AC3E}">
-        <p14:creationId xmlns:p14="http://schemas.microsoft.com/office/powerpoint/2010/main" val="2406486191"/>
+        <p14:creationId xmlns:p14="http://schemas.microsoft.com/office/powerpoint/2010/main" val="2261892773"/>
       </p:ext>
     </p:extLst>
   </p:cSld>
@@ -11199,7 +11434,7 @@
           <a:p>
             <a:r>
               <a:rPr lang="en-US" dirty="0" smtClean="0"/>
-              <a:t>Props</a:t>
+              <a:t>Scorekeeper</a:t>
             </a:r>
             <a:endParaRPr lang="en-US" dirty="0"/>
           </a:p>
@@ -11222,30 +11457,49 @@
           <a:p>
             <a:r>
               <a:rPr lang="en-US" dirty="0" smtClean="0"/>
-              <a:t>Reuse </a:t>
-            </a:r>
+              <a:t>Handles scoring</a:t>
+            </a:r>
+          </a:p>
+          <a:p>
+            <a:r>
+              <a:rPr lang="en-US" dirty="0" smtClean="0"/>
+              <a:t>Updates the UI</a:t>
+            </a:r>
+          </a:p>
+          <a:p>
+            <a:r>
+              <a:rPr lang="en-US" dirty="0" smtClean="0"/>
+              <a:t>Add Bubble</a:t>
+            </a:r>
+          </a:p>
+          <a:p>
+            <a:pPr lvl="1"/>
             <a:r>
               <a:rPr lang="en-US" dirty="0" err="1" smtClean="0"/>
-              <a:t>seaweed.cs</a:t>
-            </a:r>
-            <a:r>
-              <a:rPr lang="en-US" dirty="0" smtClean="0"/>
-              <a:t> with range of 0</a:t>
-            </a:r>
-          </a:p>
-          <a:p>
-            <a:r>
-              <a:rPr lang="en-US" dirty="0" smtClean="0"/>
-              <a:t>Place in front of ground</a:t>
-            </a:r>
-            <a:endParaRPr lang="en-US" dirty="0"/>
+              <a:t>Bubble.cs</a:t>
+            </a:r>
+            <a:endParaRPr lang="en-US" dirty="0"/>
+          </a:p>
+          <a:p>
+            <a:pPr lvl="1"/>
+            <a:r>
+              <a:rPr lang="en-US" dirty="0" smtClean="0"/>
+              <a:t>Move to the right</a:t>
+            </a:r>
+          </a:p>
+          <a:p>
+            <a:pPr lvl="1"/>
+            <a:r>
+              <a:rPr lang="en-US" dirty="0" smtClean="0"/>
+              <a:t>Apply to prefab</a:t>
+            </a:r>
           </a:p>
         </p:txBody>
       </p:sp>
     </p:spTree>
     <p:extLst>
       <p:ext uri="{BB962C8B-B14F-4D97-AF65-F5344CB8AC3E}">
-        <p14:creationId xmlns:p14="http://schemas.microsoft.com/office/powerpoint/2010/main" val="2261892773"/>
+        <p14:creationId xmlns:p14="http://schemas.microsoft.com/office/powerpoint/2010/main" val="3200898331"/>
       </p:ext>
     </p:extLst>
   </p:cSld>
@@ -11296,7 +11550,7 @@
           <a:p>
             <a:r>
               <a:rPr lang="en-US" dirty="0" smtClean="0"/>
-              <a:t>Scorekeeper</a:t>
+              <a:t>2D Recap</a:t>
             </a:r>
             <a:endParaRPr lang="en-US" dirty="0"/>
           </a:p>
@@ -11319,49 +11573,69 @@
           <a:p>
             <a:r>
               <a:rPr lang="en-US" dirty="0" smtClean="0"/>
-              <a:t>Handles scoring</a:t>
-            </a:r>
-          </a:p>
-          <a:p>
-            <a:r>
-              <a:rPr lang="en-US" dirty="0" smtClean="0"/>
-              <a:t>Updates the UI</a:t>
-            </a:r>
-          </a:p>
-          <a:p>
-            <a:r>
-              <a:rPr lang="en-US" dirty="0" smtClean="0"/>
-              <a:t>Add Bubble</a:t>
+              <a:t>Use colliders and </a:t>
+            </a:r>
+            <a:r>
+              <a:rPr lang="en-US" dirty="0" err="1" smtClean="0"/>
+              <a:t>rigidbody</a:t>
+            </a:r>
+            <a:r>
+              <a:rPr lang="en-US" dirty="0" smtClean="0"/>
+              <a:t> with 2D suffix</a:t>
+            </a:r>
+          </a:p>
+          <a:p>
+            <a:r>
+              <a:rPr lang="en-US" dirty="0"/>
+              <a:t>OnTriggerEnter2D</a:t>
+            </a:r>
+            <a:endParaRPr lang="en-US" dirty="0" smtClean="0"/>
+          </a:p>
+          <a:p>
+            <a:r>
+              <a:rPr lang="en-US" dirty="0" smtClean="0"/>
+              <a:t>Verify Z axis for collisions</a:t>
+            </a:r>
+          </a:p>
+          <a:p>
+            <a:r>
+              <a:rPr lang="en-US" dirty="0" smtClean="0"/>
+              <a:t>Sprites</a:t>
             </a:r>
           </a:p>
           <a:p>
             <a:pPr lvl="1"/>
             <a:r>
               <a:rPr lang="en-US" dirty="0" err="1" smtClean="0"/>
-              <a:t>Bubble.cs</a:t>
-            </a:r>
-            <a:endParaRPr lang="en-US" dirty="0"/>
-          </a:p>
-          <a:p>
-            <a:pPr lvl="1"/>
-            <a:r>
-              <a:rPr lang="en-US" dirty="0" smtClean="0"/>
-              <a:t>Move to the right</a:t>
-            </a:r>
-          </a:p>
-          <a:p>
-            <a:pPr lvl="1"/>
-            <a:r>
-              <a:rPr lang="en-US" dirty="0" smtClean="0"/>
-              <a:t>Apply to prefab</a:t>
-            </a:r>
+              <a:t>PolygonCollider</a:t>
+            </a:r>
+            <a:endParaRPr lang="en-US" dirty="0" smtClean="0"/>
+          </a:p>
+          <a:p>
+            <a:r>
+              <a:rPr lang="en-US" dirty="0" smtClean="0"/>
+              <a:t>Can also use 3d Objects</a:t>
+            </a:r>
+          </a:p>
+          <a:p>
+            <a:r>
+              <a:rPr lang="en-US" dirty="0" smtClean="0"/>
+              <a:t>Camera mode – Orthographic</a:t>
+            </a:r>
+          </a:p>
+          <a:p>
+            <a:r>
+              <a:rPr lang="en-US" dirty="0" smtClean="0"/>
+              <a:t>4.6 UI</a:t>
+            </a:r>
+            <a:endParaRPr lang="en-US" dirty="0"/>
           </a:p>
         </p:txBody>
       </p:sp>
     </p:spTree>
     <p:extLst>
       <p:ext uri="{BB962C8B-B14F-4D97-AF65-F5344CB8AC3E}">
-        <p14:creationId xmlns:p14="http://schemas.microsoft.com/office/powerpoint/2010/main" val="3200898331"/>
+        <p14:creationId xmlns:p14="http://schemas.microsoft.com/office/powerpoint/2010/main" val="948269773"/>
       </p:ext>
     </p:extLst>
   </p:cSld>
@@ -11397,98 +11671,45 @@
       </p:grpSpPr>
       <p:sp>
         <p:nvSpPr>
-          <p:cNvPr id="2" name="Title 1"/>
-          <p:cNvSpPr>
-            <a:spLocks noGrp="1"/>
-          </p:cNvSpPr>
-          <p:nvPr>
-            <p:ph type="title"/>
-          </p:nvPr>
-        </p:nvSpPr>
-        <p:spPr/>
-        <p:txBody>
-          <a:bodyPr/>
-          <a:lstStyle/>
-          <a:p>
-            <a:r>
-              <a:rPr lang="en-US" dirty="0" smtClean="0"/>
-              <a:t>2D Recap</a:t>
-            </a:r>
-            <a:endParaRPr lang="en-US" dirty="0"/>
-          </a:p>
-        </p:txBody>
-      </p:sp>
-      <p:sp>
-        <p:nvSpPr>
-          <p:cNvPr id="3" name="Content Placeholder 2"/>
-          <p:cNvSpPr>
-            <a:spLocks noGrp="1"/>
-          </p:cNvSpPr>
-          <p:nvPr>
-            <p:ph idx="1"/>
-          </p:nvPr>
-        </p:nvSpPr>
-        <p:spPr/>
-        <p:txBody>
-          <a:bodyPr/>
-          <a:lstStyle/>
-          <a:p>
-            <a:r>
-              <a:rPr lang="en-US" dirty="0" smtClean="0"/>
-              <a:t>Use colliders and </a:t>
-            </a:r>
-            <a:r>
-              <a:rPr lang="en-US" dirty="0" err="1" smtClean="0"/>
-              <a:t>rigidbody</a:t>
-            </a:r>
-            <a:r>
-              <a:rPr lang="en-US" dirty="0" smtClean="0"/>
-              <a:t> with 2D suffix</a:t>
-            </a:r>
-          </a:p>
-          <a:p>
-            <a:r>
-              <a:rPr lang="en-US" dirty="0"/>
-              <a:t>OnTriggerEnter2D</a:t>
-            </a:r>
-            <a:endParaRPr lang="en-US" dirty="0" smtClean="0"/>
-          </a:p>
-          <a:p>
-            <a:r>
-              <a:rPr lang="en-US" dirty="0" smtClean="0"/>
-              <a:t>Verify Z axis for collisions</a:t>
-            </a:r>
-          </a:p>
-          <a:p>
-            <a:r>
-              <a:rPr lang="en-US" dirty="0" smtClean="0"/>
-              <a:t>Sprites</a:t>
-            </a:r>
-          </a:p>
-          <a:p>
-            <a:pPr lvl="1"/>
-            <a:r>
-              <a:rPr lang="en-US" dirty="0" err="1" smtClean="0"/>
-              <a:t>PolygonCollider</a:t>
-            </a:r>
-            <a:endParaRPr lang="en-US" dirty="0" smtClean="0"/>
-          </a:p>
-          <a:p>
-            <a:r>
-              <a:rPr lang="en-US" dirty="0" smtClean="0"/>
-              <a:t>Can also use 3d Objects</a:t>
-            </a:r>
-          </a:p>
-          <a:p>
-            <a:r>
-              <a:rPr lang="en-US" dirty="0" smtClean="0"/>
-              <a:t>Camera mode – Orthographic</a:t>
-            </a:r>
-          </a:p>
-          <a:p>
-            <a:r>
-              <a:rPr lang="en-US" dirty="0" smtClean="0"/>
-              <a:t>4.6 UI</a:t>
+          <p:cNvPr id="4" name="Title 3"/>
+          <p:cNvSpPr>
+            <a:spLocks noGrp="1"/>
+          </p:cNvSpPr>
+          <p:nvPr>
+            <p:ph type="ctrTitle"/>
+          </p:nvPr>
+        </p:nvSpPr>
+        <p:spPr/>
+        <p:txBody>
+          <a:bodyPr/>
+          <a:lstStyle/>
+          <a:p>
+            <a:r>
+              <a:rPr lang="en-US" dirty="0" smtClean="0"/>
+              <a:t>3D</a:t>
+            </a:r>
+            <a:endParaRPr lang="en-US" dirty="0"/>
+          </a:p>
+        </p:txBody>
+      </p:sp>
+      <p:sp>
+        <p:nvSpPr>
+          <p:cNvPr id="5" name="Subtitle 4"/>
+          <p:cNvSpPr>
+            <a:spLocks noGrp="1"/>
+          </p:cNvSpPr>
+          <p:nvPr>
+            <p:ph type="subTitle" idx="1"/>
+          </p:nvPr>
+        </p:nvSpPr>
+        <p:spPr/>
+        <p:txBody>
+          <a:bodyPr/>
+          <a:lstStyle/>
+          <a:p>
+            <a:r>
+              <a:rPr lang="en-US" dirty="0" smtClean="0"/>
+              <a:t>Let’s build a first person shooter</a:t>
             </a:r>
             <a:endParaRPr lang="en-US" dirty="0"/>
           </a:p>
@@ -11497,20 +11718,13 @@
     </p:spTree>
     <p:extLst>
       <p:ext uri="{BB962C8B-B14F-4D97-AF65-F5344CB8AC3E}">
-        <p14:creationId xmlns:p14="http://schemas.microsoft.com/office/powerpoint/2010/main" val="948269773"/>
+        <p14:creationId xmlns:p14="http://schemas.microsoft.com/office/powerpoint/2010/main" val="617120444"/>
       </p:ext>
     </p:extLst>
   </p:cSld>
   <p:clrMapOvr>
     <a:masterClrMapping/>
   </p:clrMapOvr>
-  <p:timing>
-    <p:tnLst>
-      <p:par>
-        <p:cTn id="1" dur="indefinite" restart="never" nodeType="tmRoot"/>
-      </p:par>
-    </p:tnLst>
-  </p:timing>
 </p:sld>
 </file>
 
@@ -11533,54 +11747,71 @@
       </p:grpSpPr>
       <p:sp>
         <p:nvSpPr>
-          <p:cNvPr id="4" name="Title 3"/>
-          <p:cNvSpPr>
-            <a:spLocks noGrp="1"/>
-          </p:cNvSpPr>
-          <p:nvPr>
-            <p:ph type="ctrTitle"/>
-          </p:nvPr>
-        </p:nvSpPr>
-        <p:spPr/>
-        <p:txBody>
-          <a:bodyPr/>
-          <a:lstStyle/>
-          <a:p>
-            <a:r>
-              <a:rPr lang="en-US" dirty="0" smtClean="0"/>
-              <a:t>3D</a:t>
-            </a:r>
-            <a:endParaRPr lang="en-US" dirty="0"/>
-          </a:p>
-        </p:txBody>
-      </p:sp>
-      <p:sp>
-        <p:nvSpPr>
-          <p:cNvPr id="5" name="Subtitle 4"/>
-          <p:cNvSpPr>
-            <a:spLocks noGrp="1"/>
-          </p:cNvSpPr>
-          <p:nvPr>
-            <p:ph type="subTitle" idx="1"/>
-          </p:nvPr>
-        </p:nvSpPr>
-        <p:spPr/>
-        <p:txBody>
-          <a:bodyPr/>
-          <a:lstStyle/>
-          <a:p>
-            <a:r>
-              <a:rPr lang="en-US" dirty="0" smtClean="0"/>
-              <a:t>Let’s build a first person shooter</a:t>
-            </a:r>
-            <a:endParaRPr lang="en-US" dirty="0"/>
+          <p:cNvPr id="2" name="Title 1"/>
+          <p:cNvSpPr>
+            <a:spLocks noGrp="1"/>
+          </p:cNvSpPr>
+          <p:nvPr>
+            <p:ph type="title"/>
+          </p:nvPr>
+        </p:nvSpPr>
+        <p:spPr/>
+        <p:txBody>
+          <a:bodyPr/>
+          <a:lstStyle/>
+          <a:p>
+            <a:r>
+              <a:rPr lang="en-US" dirty="0" smtClean="0"/>
+              <a:t>Differences from 2D</a:t>
+            </a:r>
+            <a:endParaRPr lang="en-US" dirty="0"/>
+          </a:p>
+        </p:txBody>
+      </p:sp>
+      <p:sp>
+        <p:nvSpPr>
+          <p:cNvPr id="3" name="Content Placeholder 2"/>
+          <p:cNvSpPr>
+            <a:spLocks noGrp="1"/>
+          </p:cNvSpPr>
+          <p:nvPr>
+            <p:ph idx="1"/>
+          </p:nvPr>
+        </p:nvSpPr>
+        <p:spPr/>
+        <p:txBody>
+          <a:bodyPr/>
+          <a:lstStyle/>
+          <a:p>
+            <a:r>
+              <a:rPr lang="en-US" dirty="0" smtClean="0"/>
+              <a:t>Same component &amp; method names without the 2D suffix</a:t>
+            </a:r>
+          </a:p>
+          <a:p>
+            <a:r>
+              <a:rPr lang="en-US" dirty="0" smtClean="0"/>
+              <a:t>Usually perspective camera</a:t>
+            </a:r>
+          </a:p>
+          <a:p>
+            <a:r>
+              <a:rPr lang="en-US" dirty="0" smtClean="0"/>
+              <a:t>Meshes instead of sprites</a:t>
+            </a:r>
+          </a:p>
+          <a:p>
+            <a:r>
+              <a:rPr lang="en-US" dirty="0" smtClean="0"/>
+              <a:t>Terrains</a:t>
+            </a:r>
           </a:p>
         </p:txBody>
       </p:sp>
     </p:spTree>
     <p:extLst>
       <p:ext uri="{BB962C8B-B14F-4D97-AF65-F5344CB8AC3E}">
-        <p14:creationId xmlns:p14="http://schemas.microsoft.com/office/powerpoint/2010/main" val="617120444"/>
+        <p14:creationId xmlns:p14="http://schemas.microsoft.com/office/powerpoint/2010/main" val="2420246313"/>
       </p:ext>
     </p:extLst>
   </p:cSld>
@@ -11609,7 +11840,7 @@
       </p:grpSpPr>
       <p:sp>
         <p:nvSpPr>
-          <p:cNvPr id="2" name="Title 1"/>
+          <p:cNvPr id="4" name="Title 3"/>
           <p:cNvSpPr>
             <a:spLocks noGrp="1"/>
           </p:cNvSpPr>
@@ -11624,15 +11855,15 @@
           <a:p>
             <a:r>
               <a:rPr lang="en-US" dirty="0" smtClean="0"/>
-              <a:t>Differences from 2D</a:t>
-            </a:r>
-            <a:endParaRPr lang="en-US" dirty="0"/>
-          </a:p>
-        </p:txBody>
-      </p:sp>
-      <p:sp>
-        <p:nvSpPr>
-          <p:cNvPr id="3" name="Content Placeholder 2"/>
+              <a:t>Terrain</a:t>
+            </a:r>
+            <a:endParaRPr lang="en-US" dirty="0"/>
+          </a:p>
+        </p:txBody>
+      </p:sp>
+      <p:sp>
+        <p:nvSpPr>
+          <p:cNvPr id="5" name="Content Placeholder 4"/>
           <p:cNvSpPr>
             <a:spLocks noGrp="1"/>
           </p:cNvSpPr>
@@ -11647,33 +11878,42 @@
           <a:p>
             <a:r>
               <a:rPr lang="en-US" dirty="0" smtClean="0"/>
-              <a:t>Same component &amp; method names without the 2D suffix</a:t>
-            </a:r>
-          </a:p>
-          <a:p>
-            <a:r>
-              <a:rPr lang="en-US" dirty="0" smtClean="0"/>
-              <a:t>Usually perspective camera</a:t>
-            </a:r>
-          </a:p>
-          <a:p>
-            <a:r>
-              <a:rPr lang="en-US" dirty="0" smtClean="0"/>
-              <a:t>Meshes instead of sprites</a:t>
-            </a:r>
-          </a:p>
-          <a:p>
-            <a:r>
-              <a:rPr lang="en-US" dirty="0" smtClean="0"/>
-              <a:t>Terrains</a:t>
-            </a:r>
+              <a:t>Add Textures</a:t>
+            </a:r>
+          </a:p>
+          <a:p>
+            <a:pPr lvl="1"/>
+            <a:r>
+              <a:rPr lang="en-US" dirty="0" smtClean="0"/>
+              <a:t>Import </a:t>
+            </a:r>
+            <a:r>
+              <a:rPr lang="en-US" dirty="0" err="1" smtClean="0"/>
+              <a:t>Assetpack</a:t>
+            </a:r>
+            <a:endParaRPr lang="en-US" dirty="0"/>
+          </a:p>
+          <a:p>
+            <a:r>
+              <a:rPr lang="en-US" dirty="0" smtClean="0"/>
+              <a:t>Light - Directional</a:t>
+            </a:r>
+          </a:p>
+          <a:p>
+            <a:r>
+              <a:rPr lang="en-US" dirty="0" smtClean="0"/>
+              <a:t>Deform</a:t>
+            </a:r>
+          </a:p>
+          <a:p>
+            <a:endParaRPr lang="en-US" dirty="0"/>
           </a:p>
         </p:txBody>
       </p:sp>
     </p:spTree>
     <p:extLst>
       <p:ext uri="{BB962C8B-B14F-4D97-AF65-F5344CB8AC3E}">
-        <p14:creationId xmlns:p14="http://schemas.microsoft.com/office/powerpoint/2010/main" val="2420246313"/>
+        <p14:creationId xmlns:p14="http://schemas.microsoft.com/office/powerpoint/2010/main" val="1750924273"/>
       </p:ext>
     </p:extLst>
   </p:cSld>
@@ -11702,7 +11942,7 @@
       </p:grpSpPr>
       <p:sp>
         <p:nvSpPr>
-          <p:cNvPr id="4" name="Title 3"/>
+          <p:cNvPr id="2" name="Title 1"/>
           <p:cNvSpPr>
             <a:spLocks noGrp="1"/>
           </p:cNvSpPr>
@@ -11717,15 +11957,15 @@
           <a:p>
             <a:r>
               <a:rPr lang="en-US" dirty="0" smtClean="0"/>
-              <a:t>Terrain</a:t>
-            </a:r>
-            <a:endParaRPr lang="en-US" dirty="0"/>
-          </a:p>
-        </p:txBody>
-      </p:sp>
-      <p:sp>
-        <p:nvSpPr>
-          <p:cNvPr id="5" name="Content Placeholder 4"/>
+              <a:t>Sphere</a:t>
+            </a:r>
+            <a:endParaRPr lang="en-US" dirty="0"/>
+          </a:p>
+        </p:txBody>
+      </p:sp>
+      <p:sp>
+        <p:nvSpPr>
+          <p:cNvPr id="3" name="Content Placeholder 2"/>
           <p:cNvSpPr>
             <a:spLocks noGrp="1"/>
           </p:cNvSpPr>
@@ -11739,35 +11979,23 @@
           <a:lstStyle/>
           <a:p>
             <a:r>
-              <a:rPr lang="en-US" dirty="0" smtClean="0"/>
-              <a:t>Add Textures</a:t>
-            </a:r>
-          </a:p>
-          <a:p>
-            <a:pPr lvl="1"/>
-            <a:r>
-              <a:rPr lang="en-US" dirty="0" smtClean="0"/>
-              <a:t>Import </a:t>
-            </a:r>
-            <a:r>
               <a:rPr lang="en-US" dirty="0" err="1" smtClean="0"/>
-              <a:t>Assetpack</a:t>
-            </a:r>
-            <a:endParaRPr lang="en-US" dirty="0"/>
-          </a:p>
-          <a:p>
-            <a:r>
-              <a:rPr lang="en-US" dirty="0" smtClean="0"/>
-              <a:t>Light - Directional</a:t>
-            </a:r>
-          </a:p>
-          <a:p>
-            <a:r>
-              <a:rPr lang="en-US" dirty="0" smtClean="0"/>
-              <a:t>Deform</a:t>
-            </a:r>
-          </a:p>
-          <a:p>
+              <a:t>SphereCollider</a:t>
+            </a:r>
+            <a:r>
+              <a:rPr lang="en-US" dirty="0" smtClean="0"/>
+              <a:t> – Automatically added</a:t>
+            </a:r>
+          </a:p>
+          <a:p>
+            <a:r>
+              <a:rPr lang="en-US" dirty="0" err="1" smtClean="0"/>
+              <a:t>Rigidbody</a:t>
+            </a:r>
+            <a:r>
+              <a:rPr lang="en-US" dirty="0" smtClean="0"/>
+              <a:t> – Needed for movement</a:t>
+            </a:r>
             <a:endParaRPr lang="en-US" dirty="0"/>
           </a:p>
         </p:txBody>
@@ -11775,7 +12003,7 @@
     </p:spTree>
     <p:extLst>
       <p:ext uri="{BB962C8B-B14F-4D97-AF65-F5344CB8AC3E}">
-        <p14:creationId xmlns:p14="http://schemas.microsoft.com/office/powerpoint/2010/main" val="1750924273"/>
+        <p14:creationId xmlns:p14="http://schemas.microsoft.com/office/powerpoint/2010/main" val="770276301"/>
       </p:ext>
     </p:extLst>
   </p:cSld>
@@ -11819,7 +12047,7 @@
           <a:p>
             <a:r>
               <a:rPr lang="en-US" dirty="0" smtClean="0"/>
-              <a:t>Sphere</a:t>
+              <a:t>Character Controller</a:t>
             </a:r>
             <a:endParaRPr lang="en-US" dirty="0"/>
           </a:p>
@@ -11841,23 +12069,37 @@
           <a:lstStyle/>
           <a:p>
             <a:r>
+              <a:rPr lang="en-US" dirty="0" smtClean="0"/>
+              <a:t>Import Package – </a:t>
+            </a:r>
+            <a:r>
               <a:rPr lang="en-US" dirty="0" err="1" smtClean="0"/>
-              <a:t>SphereCollider</a:t>
-            </a:r>
-            <a:r>
-              <a:rPr lang="en-US" dirty="0" smtClean="0"/>
-              <a:t> – Automatically added</a:t>
-            </a:r>
-          </a:p>
-          <a:p>
+              <a:t>CharacterController</a:t>
+            </a:r>
+            <a:endParaRPr lang="en-US" dirty="0" smtClean="0"/>
+          </a:p>
+          <a:p>
+            <a:pPr lvl="1"/>
+            <a:r>
+              <a:rPr lang="en-US" dirty="0" smtClean="0"/>
+              <a:t>Written in .</a:t>
+            </a:r>
             <a:r>
               <a:rPr lang="en-US" dirty="0" err="1" smtClean="0"/>
-              <a:t>Rigidbody</a:t>
-            </a:r>
-            <a:r>
-              <a:rPr lang="en-US" dirty="0" smtClean="0"/>
-              <a:t> – Needed for movement</a:t>
-            </a:r>
+              <a:t>js</a:t>
+            </a:r>
+            <a:r>
+              <a:rPr lang="en-US" dirty="0" smtClean="0"/>
+              <a:t>  Better ones available on wiki</a:t>
+            </a:r>
+          </a:p>
+          <a:p>
+            <a:r>
+              <a:rPr lang="en-US" dirty="0" smtClean="0"/>
+              <a:t>First person and third person prefabs</a:t>
+            </a:r>
+          </a:p>
+          <a:p>
             <a:endParaRPr lang="en-US" dirty="0"/>
           </a:p>
         </p:txBody>
@@ -11865,7 +12107,7 @@
     </p:spTree>
     <p:extLst>
       <p:ext uri="{BB962C8B-B14F-4D97-AF65-F5344CB8AC3E}">
-        <p14:creationId xmlns:p14="http://schemas.microsoft.com/office/powerpoint/2010/main" val="770276301"/>
+        <p14:creationId xmlns:p14="http://schemas.microsoft.com/office/powerpoint/2010/main" val="2675929886"/>
       </p:ext>
     </p:extLst>
   </p:cSld>
@@ -11909,7 +12151,7 @@
           <a:p>
             <a:r>
               <a:rPr lang="en-US" dirty="0" smtClean="0"/>
-              <a:t>Character Controller</a:t>
+              <a:t>Projectiles &amp; Pooling</a:t>
             </a:r>
             <a:endParaRPr lang="en-US" dirty="0"/>
           </a:p>
@@ -11932,36 +12174,45 @@
           <a:p>
             <a:r>
               <a:rPr lang="en-US" dirty="0" smtClean="0"/>
-              <a:t>Import Package – </a:t>
-            </a:r>
+              <a:t>Instantiation and GC are expensive on mobile</a:t>
+            </a:r>
+          </a:p>
+          <a:p>
+            <a:r>
+              <a:rPr lang="en-US" dirty="0" smtClean="0"/>
+              <a:t>Pre-instantiate and use pools</a:t>
+            </a:r>
+          </a:p>
+          <a:p>
             <a:r>
               <a:rPr lang="en-US" dirty="0" err="1" smtClean="0"/>
-              <a:t>CharacterController</a:t>
+              <a:t>GameObject.Instantiate</a:t>
             </a:r>
             <a:endParaRPr lang="en-US" dirty="0" smtClean="0"/>
           </a:p>
           <a:p>
-            <a:pPr lvl="1"/>
-            <a:r>
-              <a:rPr lang="en-US" dirty="0" smtClean="0"/>
-              <a:t>Written in .</a:t>
-            </a:r>
             <a:r>
               <a:rPr lang="en-US" dirty="0" err="1" smtClean="0"/>
-              <a:t>js</a:t>
-            </a:r>
-            <a:r>
-              <a:rPr lang="en-US" dirty="0" smtClean="0"/>
-              <a:t>  Better ones available on wiki</a:t>
-            </a:r>
-          </a:p>
-          <a:p>
-            <a:r>
-              <a:rPr lang="en-US" dirty="0" smtClean="0"/>
-              <a:t>First person and third person prefabs</a:t>
-            </a:r>
-          </a:p>
-          <a:p>
+              <a:t>PoolManager</a:t>
+            </a:r>
+            <a:endParaRPr lang="en-US" dirty="0" smtClean="0"/>
+          </a:p>
+          <a:p>
+            <a:r>
+              <a:rPr lang="en-US" dirty="0" smtClean="0"/>
+              <a:t>Set Projectile on </a:t>
+            </a:r>
+            <a:r>
+              <a:rPr lang="en-US" dirty="0" err="1" smtClean="0"/>
+              <a:t>PoolManager</a:t>
+            </a:r>
+            <a:endParaRPr lang="en-US" dirty="0" smtClean="0"/>
+          </a:p>
+          <a:p>
+            <a:r>
+              <a:rPr lang="en-US" dirty="0" smtClean="0"/>
+              <a:t>Material to set color</a:t>
+            </a:r>
             <a:endParaRPr lang="en-US" dirty="0"/>
           </a:p>
         </p:txBody>
@@ -11969,7 +12220,7 @@
     </p:spTree>
     <p:extLst>
       <p:ext uri="{BB962C8B-B14F-4D97-AF65-F5344CB8AC3E}">
-        <p14:creationId xmlns:p14="http://schemas.microsoft.com/office/powerpoint/2010/main" val="2675929886"/>
+        <p14:creationId xmlns:p14="http://schemas.microsoft.com/office/powerpoint/2010/main" val="2373936562"/>
       </p:ext>
     </p:extLst>
   </p:cSld>
@@ -12178,7 +12429,7 @@
           <a:p>
             <a:r>
               <a:rPr lang="en-US" dirty="0" smtClean="0"/>
-              <a:t>Projectiles &amp; Pooling</a:t>
+              <a:t>Projectile Launcher</a:t>
             </a:r>
             <a:endParaRPr lang="en-US" dirty="0"/>
           </a:p>
@@ -12201,45 +12452,73 @@
           <a:p>
             <a:r>
               <a:rPr lang="en-US" dirty="0" smtClean="0"/>
-              <a:t>Instantiation and GC are expensive on mobile</a:t>
-            </a:r>
-          </a:p>
-          <a:p>
-            <a:r>
-              <a:rPr lang="en-US" dirty="0" smtClean="0"/>
-              <a:t>Pre-instantiate and use pools</a:t>
+              <a:t>Handles “Fire1” just like the 2D sample</a:t>
             </a:r>
           </a:p>
           <a:p>
             <a:r>
               <a:rPr lang="en-US" dirty="0" err="1" smtClean="0"/>
-              <a:t>GameObject.Instantiate</a:t>
-            </a:r>
-            <a:endParaRPr lang="en-US" dirty="0" smtClean="0"/>
+              <a:t>GameObject.FindObjectOfType</a:t>
+            </a:r>
+            <a:r>
+              <a:rPr lang="en-US" dirty="0" smtClean="0"/>
+              <a:t>&lt;T&gt;()</a:t>
+            </a:r>
+          </a:p>
+          <a:p>
+            <a:pPr lvl="1"/>
+            <a:r>
+              <a:rPr lang="en-US" dirty="0" smtClean="0"/>
+              <a:t>Has non-generic overloads</a:t>
+            </a:r>
           </a:p>
           <a:p>
             <a:r>
               <a:rPr lang="en-US" dirty="0" err="1" smtClean="0"/>
-              <a:t>PoolManager</a:t>
-            </a:r>
-            <a:endParaRPr lang="en-US" dirty="0" smtClean="0"/>
-          </a:p>
-          <a:p>
-            <a:r>
-              <a:rPr lang="en-US" dirty="0" smtClean="0"/>
-              <a:t>Set Projectile on </a:t>
-            </a:r>
+              <a:t>GetPooledGameObject</a:t>
+            </a:r>
+            <a:r>
+              <a:rPr lang="en-US" dirty="0" smtClean="0"/>
+              <a:t>()</a:t>
+            </a:r>
+          </a:p>
+          <a:p>
             <a:r>
               <a:rPr lang="en-US" dirty="0" err="1" smtClean="0"/>
-              <a:t>PoolManager</a:t>
-            </a:r>
-            <a:endParaRPr lang="en-US" dirty="0" smtClean="0"/>
-          </a:p>
-          <a:p>
-            <a:r>
-              <a:rPr lang="en-US" dirty="0" smtClean="0"/>
-              <a:t>Material to set color</a:t>
-            </a:r>
+              <a:t>AddForce</a:t>
+            </a:r>
+            <a:r>
+              <a:rPr lang="en-US" dirty="0"/>
+              <a:t> </a:t>
+            </a:r>
+            <a:r>
+              <a:rPr lang="en-US" dirty="0" smtClean="0"/>
+              <a:t>– Similar to 2D sample</a:t>
+            </a:r>
+          </a:p>
+          <a:p>
+            <a:r>
+              <a:rPr lang="en-US" dirty="0" err="1"/>
+              <a:t>t</a:t>
+            </a:r>
+            <a:r>
+              <a:rPr lang="en-US" dirty="0" err="1" smtClean="0"/>
+              <a:t>his.transform.forward</a:t>
+            </a:r>
+            <a:r>
+              <a:rPr lang="en-US" dirty="0" smtClean="0"/>
+              <a:t> – current </a:t>
+            </a:r>
+            <a:r>
+              <a:rPr lang="en-US" dirty="0" err="1" smtClean="0"/>
+              <a:t>gameobjects</a:t>
+            </a:r>
+            <a:r>
+              <a:rPr lang="en-US" dirty="0" smtClean="0"/>
+              <a:t> forward direction</a:t>
+            </a:r>
+          </a:p>
+          <a:p>
             <a:endParaRPr lang="en-US" dirty="0"/>
           </a:p>
         </p:txBody>
@@ -12247,7 +12526,7 @@
     </p:spTree>
     <p:extLst>
       <p:ext uri="{BB962C8B-B14F-4D97-AF65-F5344CB8AC3E}">
-        <p14:creationId xmlns:p14="http://schemas.microsoft.com/office/powerpoint/2010/main" val="2373936562"/>
+        <p14:creationId xmlns:p14="http://schemas.microsoft.com/office/powerpoint/2010/main" val="3105566889"/>
       </p:ext>
     </p:extLst>
   </p:cSld>
@@ -12290,8 +12569,8 @@
           <a:lstStyle/>
           <a:p>
             <a:r>
-              <a:rPr lang="en-US" dirty="0" smtClean="0"/>
-              <a:t>Projectile Launcher</a:t>
+              <a:rPr lang="en-US" dirty="0" err="1" smtClean="0"/>
+              <a:t>Projectile.cs</a:t>
             </a:r>
             <a:endParaRPr lang="en-US" dirty="0"/>
           </a:p>
@@ -12314,73 +12593,21 @@
           <a:p>
             <a:r>
               <a:rPr lang="en-US" dirty="0" smtClean="0"/>
-              <a:t>Handles “Fire1” just like the 2D sample</a:t>
+              <a:t>Self Destroy / Re-Queue</a:t>
             </a:r>
           </a:p>
           <a:p>
             <a:r>
               <a:rPr lang="en-US" dirty="0" err="1" smtClean="0"/>
-              <a:t>GameObject.FindObjectOfType</a:t>
-            </a:r>
-            <a:r>
-              <a:rPr lang="en-US" dirty="0" smtClean="0"/>
-              <a:t>&lt;T&gt;()</a:t>
-            </a:r>
-          </a:p>
-          <a:p>
-            <a:pPr lvl="1"/>
-            <a:r>
-              <a:rPr lang="en-US" dirty="0" smtClean="0"/>
-              <a:t>Has non-generic overloads</a:t>
-            </a:r>
-          </a:p>
-          <a:p>
-            <a:r>
-              <a:rPr lang="en-US" dirty="0" err="1" smtClean="0"/>
-              <a:t>GetPooledGameObject</a:t>
-            </a:r>
-            <a:r>
-              <a:rPr lang="en-US" dirty="0" smtClean="0"/>
-              <a:t>()</a:t>
-            </a:r>
-          </a:p>
-          <a:p>
-            <a:r>
-              <a:rPr lang="en-US" dirty="0" err="1" smtClean="0"/>
-              <a:t>AddForce</a:t>
-            </a:r>
-            <a:r>
-              <a:rPr lang="en-US" dirty="0"/>
-              <a:t> </a:t>
-            </a:r>
-            <a:r>
-              <a:rPr lang="en-US" dirty="0" smtClean="0"/>
-              <a:t>– Similar to 2D sample</a:t>
-            </a:r>
-          </a:p>
-          <a:p>
-            <a:r>
-              <a:rPr lang="en-US" dirty="0" err="1"/>
-              <a:t>t</a:t>
-            </a:r>
-            <a:r>
-              <a:rPr lang="en-US" dirty="0" err="1" smtClean="0"/>
-              <a:t>his.transform.forward</a:t>
-            </a:r>
-            <a:r>
-              <a:rPr lang="en-US" dirty="0" smtClean="0"/>
-              <a:t> – current </a:t>
-            </a:r>
-            <a:r>
-              <a:rPr lang="en-US" dirty="0" err="1" smtClean="0"/>
-              <a:t>gameobjects</a:t>
-            </a:r>
-            <a:r>
-              <a:rPr lang="en-US" dirty="0" smtClean="0"/>
-              <a:t> forward direction</a:t>
-            </a:r>
-          </a:p>
-          <a:p>
+              <a:t>Time.deltaTime</a:t>
+            </a:r>
+            <a:endParaRPr lang="en-US" dirty="0" smtClean="0"/>
+          </a:p>
+          <a:p>
+            <a:r>
+              <a:rPr lang="en-US" dirty="0" smtClean="0"/>
+              <a:t>Collision Detection</a:t>
+            </a:r>
             <a:endParaRPr lang="en-US" dirty="0"/>
           </a:p>
         </p:txBody>
@@ -12388,7 +12615,7 @@
     </p:spTree>
     <p:extLst>
       <p:ext uri="{BB962C8B-B14F-4D97-AF65-F5344CB8AC3E}">
-        <p14:creationId xmlns:p14="http://schemas.microsoft.com/office/powerpoint/2010/main" val="3105566889"/>
+        <p14:creationId xmlns:p14="http://schemas.microsoft.com/office/powerpoint/2010/main" val="1131507461"/>
       </p:ext>
     </p:extLst>
   </p:cSld>
@@ -12431,8 +12658,8 @@
           <a:lstStyle/>
           <a:p>
             <a:r>
-              <a:rPr lang="en-US" dirty="0" err="1" smtClean="0"/>
-              <a:t>Projectile.cs</a:t>
+              <a:rPr lang="en-US" dirty="0" smtClean="0"/>
+              <a:t>Targets – The Asset Store</a:t>
             </a:r>
             <a:endParaRPr lang="en-US" dirty="0"/>
           </a:p>
@@ -12455,20 +12682,64 @@
           <a:p>
             <a:r>
               <a:rPr lang="en-US" dirty="0" smtClean="0"/>
-              <a:t>Self Destroy / Re-Queue</a:t>
-            </a:r>
-          </a:p>
-          <a:p>
-            <a:r>
-              <a:rPr lang="en-US" dirty="0" err="1" smtClean="0"/>
-              <a:t>Time.deltaTime</a:t>
-            </a:r>
-            <a:endParaRPr lang="en-US" dirty="0" smtClean="0"/>
-          </a:p>
-          <a:p>
-            <a:r>
-              <a:rPr lang="en-US" dirty="0" smtClean="0"/>
-              <a:t>Collision Detection</a:t>
+              <a:t>15,000 things on the store (8,000) models</a:t>
+            </a:r>
+          </a:p>
+          <a:p>
+            <a:r>
+              <a:rPr lang="en-US" dirty="0" smtClean="0"/>
+              <a:t>Code Systems</a:t>
+            </a:r>
+          </a:p>
+          <a:p>
+            <a:pPr lvl="1"/>
+            <a:r>
+              <a:rPr lang="en-US" dirty="0" smtClean="0"/>
+              <a:t>Camera controllers</a:t>
+            </a:r>
+          </a:p>
+          <a:p>
+            <a:pPr lvl="1"/>
+            <a:r>
+              <a:rPr lang="en-US" dirty="0" smtClean="0"/>
+              <a:t>AI</a:t>
+            </a:r>
+          </a:p>
+          <a:p>
+            <a:pPr lvl="1"/>
+            <a:r>
+              <a:rPr lang="en-US" dirty="0" smtClean="0"/>
+              <a:t>Networking</a:t>
+            </a:r>
+          </a:p>
+          <a:p>
+            <a:r>
+              <a:rPr lang="en-US" dirty="0" smtClean="0"/>
+              <a:t>Art</a:t>
+            </a:r>
+          </a:p>
+          <a:p>
+            <a:r>
+              <a:rPr lang="en-US" dirty="0" smtClean="0"/>
+              <a:t>Audio</a:t>
+            </a:r>
+          </a:p>
+          <a:p>
+            <a:r>
+              <a:rPr lang="en-US" dirty="0" smtClean="0"/>
+              <a:t>Editor Extensions</a:t>
+            </a:r>
+          </a:p>
+          <a:p>
+            <a:r>
+              <a:rPr lang="en-US" dirty="0" smtClean="0"/>
+              <a:t>Free and Paid (Cost effective)</a:t>
+            </a:r>
+          </a:p>
+          <a:p>
+            <a:r>
+              <a:rPr lang="en-US" dirty="0" smtClean="0"/>
+              <a:t>Let’s grab one</a:t>
             </a:r>
             <a:endParaRPr lang="en-US" dirty="0"/>
           </a:p>
@@ -12477,7 +12748,7 @@
     </p:spTree>
     <p:extLst>
       <p:ext uri="{BB962C8B-B14F-4D97-AF65-F5344CB8AC3E}">
-        <p14:creationId xmlns:p14="http://schemas.microsoft.com/office/powerpoint/2010/main" val="1131507461"/>
+        <p14:creationId xmlns:p14="http://schemas.microsoft.com/office/powerpoint/2010/main" val="3179156432"/>
       </p:ext>
     </p:extLst>
   </p:cSld>
@@ -12521,7 +12792,7 @@
           <a:p>
             <a:r>
               <a:rPr lang="en-US" dirty="0" smtClean="0"/>
-              <a:t>Targets – The Asset Store</a:t>
+              <a:t>Adding the box</a:t>
             </a:r>
             <a:endParaRPr lang="en-US" dirty="0"/>
           </a:p>
@@ -12544,64 +12815,57 @@
           <a:p>
             <a:r>
               <a:rPr lang="en-US" dirty="0" smtClean="0"/>
-              <a:t>15,000 things on the store (8,000) models</a:t>
-            </a:r>
-          </a:p>
-          <a:p>
-            <a:r>
-              <a:rPr lang="en-US" dirty="0" smtClean="0"/>
-              <a:t>Code Systems</a:t>
+              <a:t>Add a Target script</a:t>
             </a:r>
           </a:p>
           <a:p>
             <a:pPr lvl="1"/>
             <a:r>
               <a:rPr lang="en-US" dirty="0" smtClean="0"/>
-              <a:t>Camera controllers</a:t>
+              <a:t>Handles </a:t>
+            </a:r>
+            <a:r>
+              <a:rPr lang="en-US" dirty="0" err="1" smtClean="0"/>
+              <a:t>OnTriggerEnter</a:t>
+            </a:r>
+            <a:r>
+              <a:rPr lang="en-US" dirty="0" smtClean="0"/>
+              <a:t>()</a:t>
             </a:r>
           </a:p>
           <a:p>
             <a:pPr lvl="1"/>
             <a:r>
-              <a:rPr lang="en-US" dirty="0" smtClean="0"/>
-              <a:t>AI</a:t>
-            </a:r>
-          </a:p>
-          <a:p>
-            <a:pPr lvl="1"/>
-            <a:r>
-              <a:rPr lang="en-US" dirty="0" smtClean="0"/>
-              <a:t>Networking</a:t>
-            </a:r>
-          </a:p>
-          <a:p>
-            <a:r>
-              <a:rPr lang="en-US" dirty="0" smtClean="0"/>
-              <a:t>Art</a:t>
-            </a:r>
-          </a:p>
-          <a:p>
-            <a:r>
-              <a:rPr lang="en-US" dirty="0" smtClean="0"/>
-              <a:t>Audio</a:t>
-            </a:r>
-          </a:p>
-          <a:p>
-            <a:r>
-              <a:rPr lang="en-US" dirty="0" smtClean="0"/>
-              <a:t>Editor Extensions</a:t>
-            </a:r>
-          </a:p>
-          <a:p>
-            <a:r>
-              <a:rPr lang="en-US" dirty="0" smtClean="0"/>
-              <a:t>Free and Paid (Cost effective)</a:t>
-            </a:r>
-          </a:p>
-          <a:p>
-            <a:r>
-              <a:rPr lang="en-US" dirty="0" smtClean="0"/>
-              <a:t>Let’s grab one</a:t>
+              <a:rPr lang="en-US" dirty="0" err="1" smtClean="0"/>
+              <a:t>GameObject.Destroy</a:t>
+            </a:r>
+            <a:r>
+              <a:rPr lang="en-US" dirty="0" smtClean="0"/>
+              <a:t>(</a:t>
+            </a:r>
+            <a:r>
+              <a:rPr lang="en-US" dirty="0" err="1" smtClean="0"/>
+              <a:t>this.gameObject</a:t>
+            </a:r>
+            <a:r>
+              <a:rPr lang="en-US" dirty="0" smtClean="0"/>
+              <a:t>)</a:t>
+            </a:r>
+          </a:p>
+          <a:p>
+            <a:r>
+              <a:rPr lang="en-US" dirty="0" smtClean="0"/>
+              <a:t>Remove the mesh collider</a:t>
+            </a:r>
+          </a:p>
+          <a:p>
+            <a:r>
+              <a:rPr lang="en-US" dirty="0" smtClean="0"/>
+              <a:t>Add </a:t>
+            </a:r>
+            <a:r>
+              <a:rPr lang="en-US" dirty="0" err="1" smtClean="0"/>
+              <a:t>BoxCollider</a:t>
             </a:r>
             <a:endParaRPr lang="en-US" dirty="0"/>
           </a:p>
@@ -12610,7 +12874,7 @@
     </p:spTree>
     <p:extLst>
       <p:ext uri="{BB962C8B-B14F-4D97-AF65-F5344CB8AC3E}">
-        <p14:creationId xmlns:p14="http://schemas.microsoft.com/office/powerpoint/2010/main" val="3179156432"/>
+        <p14:creationId xmlns:p14="http://schemas.microsoft.com/office/powerpoint/2010/main" val="702665969"/>
       </p:ext>
     </p:extLst>
   </p:cSld>
@@ -12639,95 +12903,45 @@
       </p:grpSpPr>
       <p:sp>
         <p:nvSpPr>
-          <p:cNvPr id="2" name="Title 1"/>
-          <p:cNvSpPr>
-            <a:spLocks noGrp="1"/>
-          </p:cNvSpPr>
-          <p:nvPr>
-            <p:ph type="title"/>
-          </p:nvPr>
-        </p:nvSpPr>
-        <p:spPr/>
-        <p:txBody>
-          <a:bodyPr/>
-          <a:lstStyle/>
-          <a:p>
-            <a:r>
-              <a:rPr lang="en-US" dirty="0" smtClean="0"/>
-              <a:t>Adding the box</a:t>
-            </a:r>
-            <a:endParaRPr lang="en-US" dirty="0"/>
-          </a:p>
-        </p:txBody>
-      </p:sp>
-      <p:sp>
-        <p:nvSpPr>
-          <p:cNvPr id="3" name="Content Placeholder 2"/>
-          <p:cNvSpPr>
-            <a:spLocks noGrp="1"/>
-          </p:cNvSpPr>
-          <p:nvPr>
-            <p:ph idx="1"/>
-          </p:nvPr>
-        </p:nvSpPr>
-        <p:spPr/>
-        <p:txBody>
-          <a:bodyPr/>
-          <a:lstStyle/>
-          <a:p>
-            <a:r>
-              <a:rPr lang="en-US" dirty="0" smtClean="0"/>
-              <a:t>Add a Target script</a:t>
-            </a:r>
-          </a:p>
-          <a:p>
-            <a:pPr lvl="1"/>
-            <a:r>
-              <a:rPr lang="en-US" dirty="0" smtClean="0"/>
-              <a:t>Handles </a:t>
-            </a:r>
-            <a:r>
-              <a:rPr lang="en-US" dirty="0" err="1" smtClean="0"/>
-              <a:t>OnTriggerEnter</a:t>
-            </a:r>
-            <a:r>
-              <a:rPr lang="en-US" dirty="0" smtClean="0"/>
-              <a:t>()</a:t>
-            </a:r>
-          </a:p>
-          <a:p>
-            <a:pPr lvl="1"/>
-            <a:r>
-              <a:rPr lang="en-US" dirty="0" err="1" smtClean="0"/>
-              <a:t>GameObject.Destroy</a:t>
-            </a:r>
-            <a:r>
-              <a:rPr lang="en-US" dirty="0" smtClean="0"/>
-              <a:t>(</a:t>
-            </a:r>
-            <a:r>
-              <a:rPr lang="en-US" dirty="0" err="1" smtClean="0"/>
-              <a:t>this.gameObject</a:t>
-            </a:r>
-            <a:r>
-              <a:rPr lang="en-US" dirty="0" smtClean="0"/>
-              <a:t>)</a:t>
-            </a:r>
-          </a:p>
-          <a:p>
-            <a:r>
-              <a:rPr lang="en-US" dirty="0" smtClean="0"/>
-              <a:t>Remove the mesh collider</a:t>
-            </a:r>
-          </a:p>
-          <a:p>
-            <a:r>
-              <a:rPr lang="en-US" dirty="0" smtClean="0"/>
-              <a:t>Add </a:t>
-            </a:r>
-            <a:r>
-              <a:rPr lang="en-US" dirty="0" err="1" smtClean="0"/>
-              <a:t>BoxCollider</a:t>
+          <p:cNvPr id="4" name="Title 3"/>
+          <p:cNvSpPr>
+            <a:spLocks noGrp="1"/>
+          </p:cNvSpPr>
+          <p:nvPr>
+            <p:ph type="ctrTitle"/>
+          </p:nvPr>
+        </p:nvSpPr>
+        <p:spPr/>
+        <p:txBody>
+          <a:bodyPr/>
+          <a:lstStyle/>
+          <a:p>
+            <a:r>
+              <a:rPr lang="en-US" dirty="0" smtClean="0"/>
+              <a:t>Virtual Reality</a:t>
+            </a:r>
+            <a:endParaRPr lang="en-US" dirty="0"/>
+          </a:p>
+        </p:txBody>
+      </p:sp>
+      <p:sp>
+        <p:nvSpPr>
+          <p:cNvPr id="5" name="Subtitle 4"/>
+          <p:cNvSpPr>
+            <a:spLocks noGrp="1"/>
+          </p:cNvSpPr>
+          <p:nvPr>
+            <p:ph type="subTitle" idx="1"/>
+          </p:nvPr>
+        </p:nvSpPr>
+        <p:spPr/>
+        <p:txBody>
+          <a:bodyPr/>
+          <a:lstStyle/>
+          <a:p>
+            <a:r>
+              <a:rPr lang="en-US" dirty="0" smtClean="0"/>
+              <a:t>Building for Samsung Gear VR</a:t>
             </a:r>
             <a:endParaRPr lang="en-US" dirty="0"/>
           </a:p>
@@ -12736,7 +12950,7 @@
     </p:spTree>
     <p:extLst>
       <p:ext uri="{BB962C8B-B14F-4D97-AF65-F5344CB8AC3E}">
-        <p14:creationId xmlns:p14="http://schemas.microsoft.com/office/powerpoint/2010/main" val="702665969"/>
+        <p14:creationId xmlns:p14="http://schemas.microsoft.com/office/powerpoint/2010/main" val="48649245"/>
       </p:ext>
     </p:extLst>
   </p:cSld>
@@ -12765,45 +12979,85 @@
       </p:grpSpPr>
       <p:sp>
         <p:nvSpPr>
-          <p:cNvPr id="4" name="Title 3"/>
-          <p:cNvSpPr>
-            <a:spLocks noGrp="1"/>
-          </p:cNvSpPr>
-          <p:nvPr>
-            <p:ph type="ctrTitle"/>
-          </p:nvPr>
-        </p:nvSpPr>
-        <p:spPr/>
-        <p:txBody>
-          <a:bodyPr/>
-          <a:lstStyle/>
-          <a:p>
-            <a:r>
-              <a:rPr lang="en-US" dirty="0" smtClean="0"/>
-              <a:t>Virtual Reality</a:t>
-            </a:r>
-            <a:endParaRPr lang="en-US" dirty="0"/>
-          </a:p>
-        </p:txBody>
-      </p:sp>
-      <p:sp>
-        <p:nvSpPr>
-          <p:cNvPr id="5" name="Subtitle 4"/>
-          <p:cNvSpPr>
-            <a:spLocks noGrp="1"/>
-          </p:cNvSpPr>
-          <p:nvPr>
-            <p:ph type="subTitle" idx="1"/>
-          </p:nvPr>
-        </p:nvSpPr>
-        <p:spPr/>
-        <p:txBody>
-          <a:bodyPr/>
-          <a:lstStyle/>
-          <a:p>
-            <a:r>
-              <a:rPr lang="en-US" dirty="0" smtClean="0"/>
-              <a:t>Building for Samsung Gear VR</a:t>
+          <p:cNvPr id="2" name="Title 1"/>
+          <p:cNvSpPr>
+            <a:spLocks noGrp="1"/>
+          </p:cNvSpPr>
+          <p:nvPr>
+            <p:ph type="title"/>
+          </p:nvPr>
+        </p:nvSpPr>
+        <p:spPr/>
+        <p:txBody>
+          <a:bodyPr/>
+          <a:lstStyle/>
+          <a:p>
+            <a:r>
+              <a:rPr lang="en-US" dirty="0" smtClean="0"/>
+              <a:t>What’s Involved?</a:t>
+            </a:r>
+            <a:endParaRPr lang="en-US" dirty="0"/>
+          </a:p>
+        </p:txBody>
+      </p:sp>
+      <p:sp>
+        <p:nvSpPr>
+          <p:cNvPr id="3" name="Content Placeholder 2"/>
+          <p:cNvSpPr>
+            <a:spLocks noGrp="1"/>
+          </p:cNvSpPr>
+          <p:nvPr>
+            <p:ph idx="1"/>
+          </p:nvPr>
+        </p:nvSpPr>
+        <p:spPr/>
+        <p:txBody>
+          <a:bodyPr/>
+          <a:lstStyle/>
+          <a:p>
+            <a:r>
+              <a:rPr lang="en-US" dirty="0" smtClean="0"/>
+              <a:t>Get the SDK (Unity 4)</a:t>
+            </a:r>
+          </a:p>
+          <a:p>
+            <a:pPr lvl="1"/>
+            <a:r>
+              <a:rPr lang="en-US" dirty="0">
+                <a:hlinkClick r:id="rId3"/>
+              </a:rPr>
+              <a:t>https://developer.oculus.com/downloads</a:t>
+            </a:r>
+            <a:r>
+              <a:rPr lang="en-US" dirty="0" smtClean="0">
+                <a:hlinkClick r:id="rId3"/>
+              </a:rPr>
+              <a:t>/</a:t>
+            </a:r>
+            <a:endParaRPr lang="en-US" dirty="0" smtClean="0"/>
+          </a:p>
+          <a:p>
+            <a:r>
+              <a:rPr lang="en-US" dirty="0"/>
+              <a:t>Install Android SDK</a:t>
+            </a:r>
+          </a:p>
+          <a:p>
+            <a:r>
+              <a:rPr lang="en-US" dirty="0" smtClean="0"/>
+              <a:t>Replace the player controller or camera</a:t>
+            </a:r>
+          </a:p>
+          <a:p>
+            <a:r>
+              <a:rPr lang="en-US" dirty="0" smtClean="0"/>
+              <a:t>Set SDK Location</a:t>
+            </a:r>
+          </a:p>
+          <a:p>
+            <a:r>
+              <a:rPr lang="en-US" dirty="0" smtClean="0"/>
+              <a:t>Switch platform to Android</a:t>
             </a:r>
             <a:endParaRPr lang="en-US" dirty="0"/>
           </a:p>
@@ -12812,7 +13066,7 @@
     </p:spTree>
     <p:extLst>
       <p:ext uri="{BB962C8B-B14F-4D97-AF65-F5344CB8AC3E}">
-        <p14:creationId xmlns:p14="http://schemas.microsoft.com/office/powerpoint/2010/main" val="48649245"/>
+        <p14:creationId xmlns:p14="http://schemas.microsoft.com/office/powerpoint/2010/main" val="1974338051"/>
       </p:ext>
     </p:extLst>
   </p:cSld>
@@ -12841,85 +13095,45 @@
       </p:grpSpPr>
       <p:sp>
         <p:nvSpPr>
-          <p:cNvPr id="2" name="Title 1"/>
-          <p:cNvSpPr>
-            <a:spLocks noGrp="1"/>
-          </p:cNvSpPr>
-          <p:nvPr>
-            <p:ph type="title"/>
-          </p:nvPr>
-        </p:nvSpPr>
-        <p:spPr/>
-        <p:txBody>
-          <a:bodyPr/>
-          <a:lstStyle/>
-          <a:p>
-            <a:r>
-              <a:rPr lang="en-US" dirty="0" smtClean="0"/>
-              <a:t>What’s Involved?</a:t>
-            </a:r>
-            <a:endParaRPr lang="en-US" dirty="0"/>
-          </a:p>
-        </p:txBody>
-      </p:sp>
-      <p:sp>
-        <p:nvSpPr>
-          <p:cNvPr id="3" name="Content Placeholder 2"/>
-          <p:cNvSpPr>
-            <a:spLocks noGrp="1"/>
-          </p:cNvSpPr>
-          <p:nvPr>
-            <p:ph idx="1"/>
-          </p:nvPr>
-        </p:nvSpPr>
-        <p:spPr/>
-        <p:txBody>
-          <a:bodyPr/>
-          <a:lstStyle/>
-          <a:p>
-            <a:r>
-              <a:rPr lang="en-US" dirty="0" smtClean="0"/>
-              <a:t>Get the SDK (Unity 4)</a:t>
-            </a:r>
-          </a:p>
-          <a:p>
-            <a:pPr lvl="1"/>
-            <a:r>
-              <a:rPr lang="en-US" dirty="0">
-                <a:hlinkClick r:id="rId3"/>
-              </a:rPr>
-              <a:t>https://developer.oculus.com/downloads</a:t>
-            </a:r>
-            <a:r>
-              <a:rPr lang="en-US" dirty="0" smtClean="0">
-                <a:hlinkClick r:id="rId3"/>
-              </a:rPr>
-              <a:t>/</a:t>
-            </a:r>
-            <a:endParaRPr lang="en-US" dirty="0" smtClean="0"/>
-          </a:p>
-          <a:p>
-            <a:r>
-              <a:rPr lang="en-US" dirty="0"/>
-              <a:t>Install Android SDK</a:t>
-            </a:r>
-          </a:p>
-          <a:p>
-            <a:r>
-              <a:rPr lang="en-US" dirty="0" smtClean="0"/>
-              <a:t>Replace the player controller or camera</a:t>
-            </a:r>
-          </a:p>
-          <a:p>
-            <a:r>
-              <a:rPr lang="en-US" dirty="0" smtClean="0"/>
-              <a:t>Set SDK Location</a:t>
-            </a:r>
-          </a:p>
-          <a:p>
-            <a:r>
-              <a:rPr lang="en-US" dirty="0" smtClean="0"/>
-              <a:t>Switch platform to Android</a:t>
+          <p:cNvPr id="4" name="Title 3"/>
+          <p:cNvSpPr>
+            <a:spLocks noGrp="1"/>
+          </p:cNvSpPr>
+          <p:nvPr>
+            <p:ph type="ctrTitle"/>
+          </p:nvPr>
+        </p:nvSpPr>
+        <p:spPr/>
+        <p:txBody>
+          <a:bodyPr/>
+          <a:lstStyle/>
+          <a:p>
+            <a:r>
+              <a:rPr lang="en-US" dirty="0" smtClean="0"/>
+              <a:t>Augmented Reality</a:t>
+            </a:r>
+            <a:endParaRPr lang="en-US" dirty="0"/>
+          </a:p>
+        </p:txBody>
+      </p:sp>
+      <p:sp>
+        <p:nvSpPr>
+          <p:cNvPr id="5" name="Subtitle 4"/>
+          <p:cNvSpPr>
+            <a:spLocks noGrp="1"/>
+          </p:cNvSpPr>
+          <p:nvPr>
+            <p:ph type="subTitle" idx="1"/>
+          </p:nvPr>
+        </p:nvSpPr>
+        <p:spPr/>
+        <p:txBody>
+          <a:bodyPr/>
+          <a:lstStyle/>
+          <a:p>
+            <a:r>
+              <a:rPr lang="en-US" dirty="0" err="1" smtClean="0"/>
+              <a:t>Vuforia</a:t>
             </a:r>
             <a:endParaRPr lang="en-US" dirty="0"/>
           </a:p>
@@ -12928,7 +13142,7 @@
     </p:spTree>
     <p:extLst>
       <p:ext uri="{BB962C8B-B14F-4D97-AF65-F5344CB8AC3E}">
-        <p14:creationId xmlns:p14="http://schemas.microsoft.com/office/powerpoint/2010/main" val="1974338051"/>
+        <p14:creationId xmlns:p14="http://schemas.microsoft.com/office/powerpoint/2010/main" val="1232132702"/>
       </p:ext>
     </p:extLst>
   </p:cSld>
@@ -12957,82 +13171,6 @@
       </p:grpSpPr>
       <p:sp>
         <p:nvSpPr>
-          <p:cNvPr id="4" name="Title 3"/>
-          <p:cNvSpPr>
-            <a:spLocks noGrp="1"/>
-          </p:cNvSpPr>
-          <p:nvPr>
-            <p:ph type="ctrTitle"/>
-          </p:nvPr>
-        </p:nvSpPr>
-        <p:spPr/>
-        <p:txBody>
-          <a:bodyPr/>
-          <a:lstStyle/>
-          <a:p>
-            <a:r>
-              <a:rPr lang="en-US" dirty="0" smtClean="0"/>
-              <a:t>Augmented Reality</a:t>
-            </a:r>
-            <a:endParaRPr lang="en-US" dirty="0"/>
-          </a:p>
-        </p:txBody>
-      </p:sp>
-      <p:sp>
-        <p:nvSpPr>
-          <p:cNvPr id="5" name="Subtitle 4"/>
-          <p:cNvSpPr>
-            <a:spLocks noGrp="1"/>
-          </p:cNvSpPr>
-          <p:nvPr>
-            <p:ph type="subTitle" idx="1"/>
-          </p:nvPr>
-        </p:nvSpPr>
-        <p:spPr/>
-        <p:txBody>
-          <a:bodyPr/>
-          <a:lstStyle/>
-          <a:p>
-            <a:r>
-              <a:rPr lang="en-US" dirty="0" err="1" smtClean="0"/>
-              <a:t>Vuforia</a:t>
-            </a:r>
-            <a:endParaRPr lang="en-US" dirty="0"/>
-          </a:p>
-        </p:txBody>
-      </p:sp>
-    </p:spTree>
-    <p:extLst>
-      <p:ext uri="{BB962C8B-B14F-4D97-AF65-F5344CB8AC3E}">
-        <p14:creationId xmlns:p14="http://schemas.microsoft.com/office/powerpoint/2010/main" val="1232132702"/>
-      </p:ext>
-    </p:extLst>
-  </p:cSld>
-  <p:clrMapOvr>
-    <a:masterClrMapping/>
-  </p:clrMapOvr>
-</p:sld>
-</file>
-
-<file path=ppt/slides/slide38.xml><?xml version="1.0" encoding="utf-8"?>
-<p:sld xmlns:a="http://schemas.openxmlformats.org/drawingml/2006/main" xmlns:r="http://schemas.openxmlformats.org/officeDocument/2006/relationships" xmlns:p="http://schemas.openxmlformats.org/presentationml/2006/main">
-  <p:cSld>
-    <p:spTree>
-      <p:nvGrpSpPr>
-        <p:cNvPr id="1" name=""/>
-        <p:cNvGrpSpPr/>
-        <p:nvPr/>
-      </p:nvGrpSpPr>
-      <p:grpSpPr>
-        <a:xfrm>
-          <a:off x="0" y="0"/>
-          <a:ext cx="0" cy="0"/>
-          <a:chOff x="0" y="0"/>
-          <a:chExt cx="0" cy="0"/>
-        </a:xfrm>
-      </p:grpSpPr>
-      <p:sp>
-        <p:nvSpPr>
           <p:cNvPr id="2" name="Title 1"/>
           <p:cNvSpPr>
             <a:spLocks noGrp="1"/>
@@ -13112,7 +13250,7 @@
 </p:sld>
 </file>
 
-<file path=ppt/slides/slide39.xml><?xml version="1.0" encoding="utf-8"?>
+<file path=ppt/slides/slide38.xml><?xml version="1.0" encoding="utf-8"?>
 <p:sld xmlns:a="http://schemas.openxmlformats.org/drawingml/2006/main" xmlns:r="http://schemas.openxmlformats.org/officeDocument/2006/relationships" xmlns:p="http://schemas.openxmlformats.org/presentationml/2006/main">
   <p:cSld>
     <p:spTree>

--- a/Presentations/Intro to Unity.pptx
+++ b/Presentations/Intro to Unity.pptx
@@ -1296,11 +1296,7 @@
           <a:p>
             <a:r>
               <a:rPr lang="en-US" baseline="0" dirty="0" smtClean="0"/>
-              <a:t>Show the trigger </a:t>
-            </a:r>
-            <a:r>
-              <a:rPr lang="en-US" baseline="0" dirty="0" smtClean="0"/>
-              <a:t>enter</a:t>
+              <a:t>Show the trigger enter</a:t>
             </a:r>
           </a:p>
           <a:p>
@@ -1402,11 +1398,7 @@
             </a:r>
             <a:r>
               <a:rPr lang="en-US" baseline="0" dirty="0" smtClean="0"/>
-              <a:t>  </a:t>
-            </a:r>
-            <a:r>
-              <a:rPr lang="en-US" baseline="0" dirty="0" smtClean="0"/>
-              <a:t>- </a:t>
+              <a:t>  - </a:t>
             </a:r>
             <a:r>
               <a:rPr lang="en-US" baseline="0" dirty="0" err="1" smtClean="0"/>
@@ -3658,7 +3650,44 @@
           <a:p>
             <a:r>
               <a:rPr lang="en-US" dirty="0" smtClean="0"/>
-              <a:t>Fish has a sprite renderer – Show how to change the</a:t>
+              <a:t>Explain </a:t>
+            </a:r>
+            <a:r>
+              <a:rPr lang="en-US" dirty="0" err="1" smtClean="0"/>
+              <a:t>GameObject</a:t>
+            </a:r>
+            <a:r>
+              <a:rPr lang="en-US" dirty="0" smtClean="0"/>
+              <a:t> – Comprised of Components / One is a transform / Can have children/parent</a:t>
+            </a:r>
+          </a:p>
+          <a:p>
+            <a:r>
+              <a:rPr lang="en-US" dirty="0" smtClean="0"/>
+              <a:t>Explain Component – Comprised</a:t>
+            </a:r>
+            <a:r>
+              <a:rPr lang="en-US" baseline="0" dirty="0" smtClean="0"/>
+              <a:t> of code (ours/</a:t>
+            </a:r>
+            <a:r>
+              <a:rPr lang="en-US" baseline="0" dirty="0" err="1" smtClean="0"/>
+              <a:t>theres</a:t>
+            </a:r>
+            <a:r>
+              <a:rPr lang="en-US" baseline="0" dirty="0" smtClean="0"/>
+              <a:t>) / Parts in Inspector / Many Built-in</a:t>
+            </a:r>
+            <a:endParaRPr lang="en-US" dirty="0" smtClean="0"/>
+          </a:p>
+          <a:p>
+            <a:r>
+              <a:rPr lang="en-US" dirty="0" smtClean="0"/>
+              <a:t>Fish </a:t>
+            </a:r>
+            <a:r>
+              <a:rPr lang="en-US" dirty="0" smtClean="0"/>
+              <a:t>has a sprite renderer – Show how to change the</a:t>
             </a:r>
             <a:r>
               <a:rPr lang="en-US" baseline="0" dirty="0" smtClean="0"/>
@@ -9882,6 +9911,14 @@
   <p:clrMapOvr>
     <a:masterClrMapping/>
   </p:clrMapOvr>
+  <mc:AlternateContent xmlns:mc="http://schemas.openxmlformats.org/markup-compatibility/2006">
+    <mc:Choice xmlns:p14="http://schemas.microsoft.com/office/powerpoint/2010/main" Requires="p14">
+      <p:transition spd="slow" p14:dur="2000"/>
+    </mc:Choice>
+    <mc:Fallback>
+      <p:transition spd="slow"/>
+    </mc:Fallback>
+  </mc:AlternateContent>
   <p:timing>
     <p:tnLst>
       <p:par>
@@ -10812,11 +10849,7 @@
           <a:p>
             <a:r>
               <a:rPr lang="en-US" dirty="0" smtClean="0"/>
-              <a:t>Game state / </a:t>
-            </a:r>
-            <a:r>
-              <a:rPr lang="en-US" dirty="0" smtClean="0"/>
-              <a:t>Pause</a:t>
+              <a:t>Game state / Pause</a:t>
             </a:r>
           </a:p>
           <a:p>
@@ -10824,7 +10857,6 @@
               <a:rPr lang="en-US" dirty="0" smtClean="0"/>
               <a:t>UI</a:t>
             </a:r>
-            <a:endParaRPr lang="en-US" dirty="0" smtClean="0"/>
           </a:p>
           <a:p>
             <a:r>
@@ -11204,6 +11236,18 @@
   <p:clrMapOvr>
     <a:masterClrMapping/>
   </p:clrMapOvr>
+  <mc:AlternateContent xmlns:mc="http://schemas.openxmlformats.org/markup-compatibility/2006">
+    <mc:Choice xmlns:p15="http://schemas.microsoft.com/office/powerpoint/2012/main" Requires="p15">
+      <p:transition xmlns:p14="http://schemas.microsoft.com/office/powerpoint/2010/main" spd="slow" p14:dur="6000">
+        <p15:prstTrans prst="curtains"/>
+      </p:transition>
+    </mc:Choice>
+    <mc:Fallback>
+      <p:transition spd="slow">
+        <p:fade/>
+      </p:transition>
+    </mc:Fallback>
+  </mc:AlternateContent>
   <p:timing>
     <p:tnLst>
       <p:par>
@@ -13902,6 +13946,29 @@
           <a:lstStyle/>
           <a:p>
             <a:r>
+              <a:rPr lang="en-US" dirty="0" err="1" smtClean="0"/>
+              <a:t>GameObjects</a:t>
+            </a:r>
+            <a:r>
+              <a:rPr lang="en-US" dirty="0"/>
+              <a:t> </a:t>
+            </a:r>
+            <a:r>
+              <a:rPr lang="en-US" dirty="0" smtClean="0"/>
+              <a:t>/</a:t>
+            </a:r>
+            <a:r>
+              <a:rPr lang="en-US" dirty="0" smtClean="0"/>
+              <a:t> </a:t>
+            </a:r>
+            <a:r>
+              <a:rPr lang="en-US" dirty="0" smtClean="0"/>
+              <a:t>Components &amp;</a:t>
+            </a:r>
+            <a:br>
+              <a:rPr lang="en-US" dirty="0" smtClean="0"/>
+            </a:br>
+            <a:r>
               <a:rPr lang="en-US" dirty="0" smtClean="0"/>
               <a:t>Inspector</a:t>
             </a:r>
@@ -13925,8 +13992,51 @@
           <a:lstStyle/>
           <a:p>
             <a:r>
-              <a:rPr lang="en-US" dirty="0" smtClean="0"/>
-              <a:t>Shows details of the selected object(s)</a:t>
+              <a:rPr lang="en-US" dirty="0" err="1" smtClean="0"/>
+              <a:t>GameObject</a:t>
+            </a:r>
+            <a:endParaRPr lang="en-US" dirty="0" smtClean="0"/>
+          </a:p>
+          <a:p>
+            <a:pPr lvl="1"/>
+            <a:r>
+              <a:rPr lang="en-US" dirty="0" smtClean="0"/>
+              <a:t>Comprised of Components</a:t>
+            </a:r>
+          </a:p>
+          <a:p>
+            <a:pPr lvl="2"/>
+            <a:r>
+              <a:rPr lang="en-US" dirty="0" smtClean="0"/>
+              <a:t>Shown in the Inspector when the </a:t>
+            </a:r>
+            <a:r>
+              <a:rPr lang="en-US" dirty="0" err="1" smtClean="0"/>
+              <a:t>GameObject</a:t>
+            </a:r>
+            <a:r>
+              <a:rPr lang="en-US" dirty="0" smtClean="0"/>
+              <a:t> is selected</a:t>
+            </a:r>
+          </a:p>
+          <a:p>
+            <a:endParaRPr lang="en-US" dirty="0" smtClean="0"/>
+          </a:p>
+          <a:p>
+            <a:r>
+              <a:rPr lang="en-US" dirty="0" smtClean="0"/>
+              <a:t>Inspector Tab</a:t>
+            </a:r>
+          </a:p>
+          <a:p>
+            <a:pPr lvl="1"/>
+            <a:r>
+              <a:rPr lang="en-US" dirty="0" smtClean="0"/>
+              <a:t>Shows </a:t>
+            </a:r>
+            <a:r>
+              <a:rPr lang="en-US" dirty="0" smtClean="0"/>
+              <a:t>details of the selected object(s)</a:t>
             </a:r>
           </a:p>
           <a:p>
@@ -13944,7 +14054,11 @@
           <a:p>
             <a:r>
               <a:rPr lang="en-US" dirty="0" smtClean="0"/>
-              <a:t>RigidBody2D - </a:t>
+              <a:t>Let’s add a RigidBody2D </a:t>
+            </a:r>
+            <a:r>
+              <a:rPr lang="en-US" dirty="0" smtClean="0"/>
+              <a:t>- </a:t>
             </a:r>
             <a:r>
               <a:rPr lang="en-US" dirty="0" err="1" smtClean="0"/>

--- a/Presentations/Intro to Unity.pptx
+++ b/Presentations/Intro to Unity.pptx
@@ -5,7 +5,7 @@
     <p:sldMasterId id="2147483806" r:id="rId1"/>
   </p:sldMasterIdLst>
   <p:notesMasterIdLst>
-    <p:notesMasterId r:id="rId40"/>
+    <p:notesMasterId r:id="rId41"/>
   </p:notesMasterIdLst>
   <p:sldIdLst>
     <p:sldId id="256" r:id="rId2"/>
@@ -24,28 +24,29 @@
     <p:sldId id="269" r:id="rId15"/>
     <p:sldId id="271" r:id="rId16"/>
     <p:sldId id="272" r:id="rId17"/>
-    <p:sldId id="273" r:id="rId18"/>
-    <p:sldId id="274" r:id="rId19"/>
-    <p:sldId id="275" r:id="rId20"/>
-    <p:sldId id="277" r:id="rId21"/>
-    <p:sldId id="278" r:id="rId22"/>
-    <p:sldId id="279" r:id="rId23"/>
-    <p:sldId id="270" r:id="rId24"/>
-    <p:sldId id="280" r:id="rId25"/>
-    <p:sldId id="281" r:id="rId26"/>
-    <p:sldId id="282" r:id="rId27"/>
-    <p:sldId id="283" r:id="rId28"/>
-    <p:sldId id="284" r:id="rId29"/>
-    <p:sldId id="285" r:id="rId30"/>
-    <p:sldId id="286" r:id="rId31"/>
-    <p:sldId id="287" r:id="rId32"/>
-    <p:sldId id="288" r:id="rId33"/>
-    <p:sldId id="289" r:id="rId34"/>
-    <p:sldId id="290" r:id="rId35"/>
-    <p:sldId id="291" r:id="rId36"/>
-    <p:sldId id="292" r:id="rId37"/>
-    <p:sldId id="293" r:id="rId38"/>
-    <p:sldId id="295" r:id="rId39"/>
+    <p:sldId id="296" r:id="rId18"/>
+    <p:sldId id="273" r:id="rId19"/>
+    <p:sldId id="274" r:id="rId20"/>
+    <p:sldId id="275" r:id="rId21"/>
+    <p:sldId id="277" r:id="rId22"/>
+    <p:sldId id="278" r:id="rId23"/>
+    <p:sldId id="279" r:id="rId24"/>
+    <p:sldId id="270" r:id="rId25"/>
+    <p:sldId id="280" r:id="rId26"/>
+    <p:sldId id="281" r:id="rId27"/>
+    <p:sldId id="282" r:id="rId28"/>
+    <p:sldId id="283" r:id="rId29"/>
+    <p:sldId id="284" r:id="rId30"/>
+    <p:sldId id="285" r:id="rId31"/>
+    <p:sldId id="286" r:id="rId32"/>
+    <p:sldId id="287" r:id="rId33"/>
+    <p:sldId id="288" r:id="rId34"/>
+    <p:sldId id="289" r:id="rId35"/>
+    <p:sldId id="290" r:id="rId36"/>
+    <p:sldId id="291" r:id="rId37"/>
+    <p:sldId id="292" r:id="rId38"/>
+    <p:sldId id="293" r:id="rId39"/>
+    <p:sldId id="295" r:id="rId40"/>
   </p:sldIdLst>
   <p:sldSz cx="12192000" cy="6858000"/>
   <p:notesSz cx="6858000" cy="9144000"/>
@@ -234,7 +235,7 @@
           <a:p>
             <a:fld id="{C7AB5DAF-74F8-49FF-A7FB-413F0AF491A3}" type="datetimeFigureOut">
               <a:rPr lang="en-US" smtClean="0"/>
-              <a:t>3/6/2015</a:t>
+              <a:t>3/7/2015</a:t>
             </a:fld>
             <a:endParaRPr lang="en-US"/>
           </a:p>
@@ -1390,141 +1391,11 @@
           <a:p>
             <a:r>
               <a:rPr lang="en-US" dirty="0" smtClean="0"/>
-              <a:t>Open </a:t>
-            </a:r>
-            <a:r>
-              <a:rPr lang="en-US" dirty="0" err="1" smtClean="0"/>
-              <a:t>gamestate.cs</a:t>
+              <a:t>Overview of what will be covered.  2D/3D</a:t>
             </a:r>
             <a:r>
               <a:rPr lang="en-US" baseline="0" dirty="0" smtClean="0"/>
-              <a:t>  - </a:t>
-            </a:r>
-            <a:r>
-              <a:rPr lang="en-US" baseline="0" dirty="0" err="1" smtClean="0"/>
-              <a:t>MonoSingleton</a:t>
-            </a:r>
-            <a:r>
-              <a:rPr lang="en-US" baseline="0" dirty="0" smtClean="0"/>
-              <a:t> (pattern available online)</a:t>
-            </a:r>
-          </a:p>
-          <a:p>
-            <a:r>
-              <a:rPr lang="en-US" baseline="0" dirty="0" smtClean="0"/>
-              <a:t>Add </a:t>
-            </a:r>
-            <a:r>
-              <a:rPr lang="en-US" baseline="0" dirty="0" err="1" smtClean="0"/>
-              <a:t>gamestate</a:t>
-            </a:r>
-            <a:r>
-              <a:rPr lang="en-US" baseline="0" dirty="0" smtClean="0"/>
-              <a:t> object and connect the </a:t>
-            </a:r>
-            <a:r>
-              <a:rPr lang="en-US" baseline="0" dirty="0" err="1" smtClean="0"/>
-              <a:t>gamestate</a:t>
-            </a:r>
-            <a:r>
-              <a:rPr lang="en-US" baseline="0" dirty="0" smtClean="0"/>
-              <a:t> text for </a:t>
-            </a:r>
-            <a:r>
-              <a:rPr lang="en-US" baseline="0" dirty="0" err="1" smtClean="0"/>
-              <a:t>ispaused</a:t>
-            </a:r>
-            <a:endParaRPr lang="en-US" baseline="0" dirty="0" smtClean="0"/>
-          </a:p>
-          <a:p>
-            <a:r>
-              <a:rPr lang="en-US" dirty="0" smtClean="0"/>
-              <a:t>Create a Text object then assign it to the fish.</a:t>
-            </a:r>
-          </a:p>
-          <a:p>
-            <a:r>
-              <a:rPr lang="en-US" dirty="0" smtClean="0"/>
-              <a:t>“Press To Play”</a:t>
-            </a:r>
-          </a:p>
-          <a:p>
-            <a:r>
-              <a:rPr lang="en-US" dirty="0" smtClean="0"/>
-              <a:t>Font</a:t>
-            </a:r>
-            <a:r>
-              <a:rPr lang="en-US" baseline="0" dirty="0" smtClean="0"/>
-              <a:t> Size = 28 / Color = White</a:t>
-            </a:r>
-            <a:endParaRPr lang="en-US" dirty="0" smtClean="0"/>
-          </a:p>
-          <a:p>
-            <a:r>
-              <a:rPr lang="en-US" dirty="0" smtClean="0"/>
-              <a:t>Need</a:t>
-            </a:r>
-            <a:r>
-              <a:rPr lang="en-US" baseline="0" dirty="0" smtClean="0"/>
-              <a:t> to expand width &amp; height</a:t>
-            </a:r>
-            <a:endParaRPr lang="en-US" dirty="0" smtClean="0"/>
-          </a:p>
-          <a:p>
-            <a:r>
-              <a:rPr lang="en-US" baseline="0" dirty="0" smtClean="0"/>
-              <a:t>Switch </a:t>
-            </a:r>
-            <a:r>
-              <a:rPr lang="en-US" baseline="0" dirty="0" err="1" smtClean="0"/>
-              <a:t>SeaweedPartBasic.cs</a:t>
-            </a:r>
-            <a:r>
-              <a:rPr lang="en-US" baseline="0" dirty="0" smtClean="0"/>
-              <a:t> to </a:t>
-            </a:r>
-            <a:r>
-              <a:rPr lang="en-US" baseline="0" dirty="0" err="1" smtClean="0"/>
-              <a:t>SeaweedPart.cs</a:t>
-            </a:r>
-            <a:r>
-              <a:rPr lang="en-US" baseline="0" dirty="0" smtClean="0"/>
-              <a:t> – This calls Pause instead of </a:t>
-            </a:r>
-            <a:r>
-              <a:rPr lang="en-US" baseline="0" dirty="0" err="1" smtClean="0"/>
-              <a:t>loadlevel</a:t>
-            </a:r>
-            <a:endParaRPr lang="en-US" baseline="0" dirty="0" smtClean="0"/>
-          </a:p>
-          <a:p>
-            <a:r>
-              <a:rPr lang="en-US" baseline="0" dirty="0" err="1" smtClean="0"/>
-              <a:t>Ground.cs</a:t>
-            </a:r>
-            <a:r>
-              <a:rPr lang="en-US" baseline="0" dirty="0" smtClean="0"/>
-              <a:t> – Change </a:t>
-            </a:r>
-            <a:r>
-              <a:rPr lang="en-US" baseline="0" dirty="0" err="1" smtClean="0"/>
-              <a:t>OnTriggerEnter</a:t>
-            </a:r>
-            <a:r>
-              <a:rPr lang="en-US" baseline="0" dirty="0" smtClean="0"/>
-              <a:t> to </a:t>
-            </a:r>
-            <a:r>
-              <a:rPr lang="en-US" baseline="0" dirty="0" err="1" smtClean="0"/>
-              <a:t>pausegame</a:t>
-            </a:r>
-            <a:r>
-              <a:rPr lang="en-US" baseline="0" dirty="0" smtClean="0"/>
-              <a:t> instead of </a:t>
-            </a:r>
-            <a:r>
-              <a:rPr lang="en-US" baseline="0" dirty="0" err="1" smtClean="0"/>
-              <a:t>loadlevel</a:t>
+              <a:t> Virtual Reality &amp; Augmented Reality</a:t>
             </a:r>
             <a:endParaRPr lang="en-US" dirty="0"/>
           </a:p>
@@ -1547,7 +1418,7 @@
           <a:p>
             <a:fld id="{DCD2E95C-A448-4C41-BD21-6E619E7F5BB2}" type="slidenum">
               <a:rPr lang="en-US" smtClean="0"/>
-              <a:t>18</a:t>
+              <a:t>17</a:t>
             </a:fld>
             <a:endParaRPr lang="en-US"/>
           </a:p>
@@ -1556,7 +1427,7 @@
     </p:spTree>
     <p:extLst>
       <p:ext uri="{BB962C8B-B14F-4D97-AF65-F5344CB8AC3E}">
-        <p14:creationId xmlns:p14="http://schemas.microsoft.com/office/powerpoint/2010/main" val="2766511803"/>
+        <p14:creationId xmlns:p14="http://schemas.microsoft.com/office/powerpoint/2010/main" val="3992604610"/>
       </p:ext>
     </p:extLst>
   </p:cSld>
@@ -1612,48 +1483,141 @@
           <a:p>
             <a:r>
               <a:rPr lang="en-US" dirty="0" smtClean="0"/>
-              <a:t>Swap </a:t>
+              <a:t>Open </a:t>
             </a:r>
             <a:r>
               <a:rPr lang="en-US" dirty="0" err="1" smtClean="0"/>
-              <a:t>fishbasic</a:t>
-            </a:r>
-            <a:r>
-              <a:rPr lang="en-US" dirty="0" smtClean="0"/>
-              <a:t> with </a:t>
-            </a:r>
-            <a:r>
-              <a:rPr lang="en-US" dirty="0" err="1" smtClean="0"/>
-              <a:t>Fish.cs</a:t>
-            </a:r>
-            <a:r>
-              <a:rPr lang="en-US" dirty="0" smtClean="0"/>
-              <a:t/>
-            </a:r>
-            <a:br>
-              <a:rPr lang="en-US" dirty="0" smtClean="0"/>
-            </a:br>
-            <a:r>
-              <a:rPr lang="en-US" dirty="0" smtClean="0"/>
-              <a:t>Start and run, fish should drop</a:t>
-            </a:r>
-          </a:p>
-          <a:p>
-            <a:r>
-              <a:rPr lang="en-US" dirty="0" smtClean="0"/>
-              <a:t>Show error in error window for the missing</a:t>
+              <a:t>gamestate.cs</a:t>
             </a:r>
             <a:r>
               <a:rPr lang="en-US" baseline="0" dirty="0" smtClean="0"/>
-              <a:t> </a:t>
+              <a:t>  - </a:t>
             </a:r>
             <a:r>
               <a:rPr lang="en-US" baseline="0" dirty="0" err="1" smtClean="0"/>
-              <a:t>guitext</a:t>
+              <a:t>MonoSingleton</a:t>
             </a:r>
             <a:r>
               <a:rPr lang="en-US" baseline="0" dirty="0" smtClean="0"/>
-              <a:t> – Fixed in next scene</a:t>
+              <a:t> (pattern available online)</a:t>
+            </a:r>
+          </a:p>
+          <a:p>
+            <a:r>
+              <a:rPr lang="en-US" baseline="0" dirty="0" smtClean="0"/>
+              <a:t>Add </a:t>
+            </a:r>
+            <a:r>
+              <a:rPr lang="en-US" baseline="0" dirty="0" err="1" smtClean="0"/>
+              <a:t>gamestate</a:t>
+            </a:r>
+            <a:r>
+              <a:rPr lang="en-US" baseline="0" dirty="0" smtClean="0"/>
+              <a:t> object and connect the </a:t>
+            </a:r>
+            <a:r>
+              <a:rPr lang="en-US" baseline="0" dirty="0" err="1" smtClean="0"/>
+              <a:t>gamestate</a:t>
+            </a:r>
+            <a:r>
+              <a:rPr lang="en-US" baseline="0" dirty="0" smtClean="0"/>
+              <a:t> text for </a:t>
+            </a:r>
+            <a:r>
+              <a:rPr lang="en-US" baseline="0" dirty="0" err="1" smtClean="0"/>
+              <a:t>ispaused</a:t>
+            </a:r>
+            <a:endParaRPr lang="en-US" baseline="0" dirty="0" smtClean="0"/>
+          </a:p>
+          <a:p>
+            <a:r>
+              <a:rPr lang="en-US" dirty="0" smtClean="0"/>
+              <a:t>Create a Text object then assign it to the fish.</a:t>
+            </a:r>
+          </a:p>
+          <a:p>
+            <a:r>
+              <a:rPr lang="en-US" dirty="0" smtClean="0"/>
+              <a:t>“Press To Play”</a:t>
+            </a:r>
+          </a:p>
+          <a:p>
+            <a:r>
+              <a:rPr lang="en-US" dirty="0" smtClean="0"/>
+              <a:t>Font</a:t>
+            </a:r>
+            <a:r>
+              <a:rPr lang="en-US" baseline="0" dirty="0" smtClean="0"/>
+              <a:t> Size = 28 / Color = White</a:t>
+            </a:r>
+            <a:endParaRPr lang="en-US" dirty="0" smtClean="0"/>
+          </a:p>
+          <a:p>
+            <a:r>
+              <a:rPr lang="en-US" dirty="0" smtClean="0"/>
+              <a:t>Need</a:t>
+            </a:r>
+            <a:r>
+              <a:rPr lang="en-US" baseline="0" dirty="0" smtClean="0"/>
+              <a:t> to expand width &amp; height</a:t>
+            </a:r>
+            <a:endParaRPr lang="en-US" dirty="0" smtClean="0"/>
+          </a:p>
+          <a:p>
+            <a:r>
+              <a:rPr lang="en-US" baseline="0" dirty="0" smtClean="0"/>
+              <a:t>Switch </a:t>
+            </a:r>
+            <a:r>
+              <a:rPr lang="en-US" baseline="0" dirty="0" err="1" smtClean="0"/>
+              <a:t>SeaweedPartBasic.cs</a:t>
+            </a:r>
+            <a:r>
+              <a:rPr lang="en-US" baseline="0" dirty="0" smtClean="0"/>
+              <a:t> to </a:t>
+            </a:r>
+            <a:r>
+              <a:rPr lang="en-US" baseline="0" dirty="0" err="1" smtClean="0"/>
+              <a:t>SeaweedPart.cs</a:t>
+            </a:r>
+            <a:r>
+              <a:rPr lang="en-US" baseline="0" dirty="0" smtClean="0"/>
+              <a:t> – This calls Pause instead of </a:t>
+            </a:r>
+            <a:r>
+              <a:rPr lang="en-US" baseline="0" dirty="0" err="1" smtClean="0"/>
+              <a:t>loadlevel</a:t>
+            </a:r>
+            <a:endParaRPr lang="en-US" baseline="0" dirty="0" smtClean="0"/>
+          </a:p>
+          <a:p>
+            <a:r>
+              <a:rPr lang="en-US" baseline="0" dirty="0" err="1" smtClean="0"/>
+              <a:t>Ground.cs</a:t>
+            </a:r>
+            <a:r>
+              <a:rPr lang="en-US" baseline="0" dirty="0" smtClean="0"/>
+              <a:t> – Change </a:t>
+            </a:r>
+            <a:r>
+              <a:rPr lang="en-US" baseline="0" dirty="0" err="1" smtClean="0"/>
+              <a:t>OnTriggerEnter</a:t>
+            </a:r>
+            <a:r>
+              <a:rPr lang="en-US" baseline="0" dirty="0" smtClean="0"/>
+              <a:t> to </a:t>
+            </a:r>
+            <a:r>
+              <a:rPr lang="en-US" baseline="0" dirty="0" err="1" smtClean="0"/>
+              <a:t>pausegame</a:t>
+            </a:r>
+            <a:r>
+              <a:rPr lang="en-US" baseline="0" dirty="0" smtClean="0"/>
+              <a:t> instead of </a:t>
+            </a:r>
+            <a:r>
+              <a:rPr lang="en-US" baseline="0" dirty="0" err="1" smtClean="0"/>
+              <a:t>loadlevel</a:t>
             </a:r>
             <a:endParaRPr lang="en-US" dirty="0"/>
           </a:p>
@@ -1685,7 +1649,7 @@
     </p:spTree>
     <p:extLst>
       <p:ext uri="{BB962C8B-B14F-4D97-AF65-F5344CB8AC3E}">
-        <p14:creationId xmlns:p14="http://schemas.microsoft.com/office/powerpoint/2010/main" val="243204536"/>
+        <p14:creationId xmlns:p14="http://schemas.microsoft.com/office/powerpoint/2010/main" val="2766511803"/>
       </p:ext>
     </p:extLst>
   </p:cSld>
@@ -1741,26 +1705,48 @@
           <a:p>
             <a:r>
               <a:rPr lang="en-US" dirty="0" smtClean="0"/>
-              <a:t>Change </a:t>
+              <a:t>Swap </a:t>
             </a:r>
             <a:r>
               <a:rPr lang="en-US" dirty="0" err="1" smtClean="0"/>
-              <a:t>seaweedbasic</a:t>
-            </a:r>
-            <a:r>
-              <a:rPr lang="en-US" dirty="0" smtClean="0"/>
-              <a:t> to </a:t>
+              <a:t>fishbasic</a:t>
+            </a:r>
+            <a:r>
+              <a:rPr lang="en-US" dirty="0" smtClean="0"/>
+              <a:t> with </a:t>
             </a:r>
             <a:r>
               <a:rPr lang="en-US" dirty="0" err="1" smtClean="0"/>
-              <a:t>seaweed.cs</a:t>
-            </a:r>
-            <a:endParaRPr lang="en-US" dirty="0" smtClean="0"/>
-          </a:p>
-          <a:p>
-            <a:r>
-              <a:rPr lang="en-US" dirty="0" smtClean="0"/>
-              <a:t>Create the new prefab and replace existing instances – In Scene 6</a:t>
+              <a:t>Fish.cs</a:t>
+            </a:r>
+            <a:r>
+              <a:rPr lang="en-US" dirty="0" smtClean="0"/>
+              <a:t/>
+            </a:r>
+            <a:br>
+              <a:rPr lang="en-US" dirty="0" smtClean="0"/>
+            </a:br>
+            <a:r>
+              <a:rPr lang="en-US" dirty="0" smtClean="0"/>
+              <a:t>Start and run, fish should drop</a:t>
+            </a:r>
+          </a:p>
+          <a:p>
+            <a:r>
+              <a:rPr lang="en-US" dirty="0" smtClean="0"/>
+              <a:t>Show error in error window for the missing</a:t>
+            </a:r>
+            <a:r>
+              <a:rPr lang="en-US" baseline="0" dirty="0" smtClean="0"/>
+              <a:t> </a:t>
+            </a:r>
+            <a:r>
+              <a:rPr lang="en-US" baseline="0" dirty="0" err="1" smtClean="0"/>
+              <a:t>guitext</a:t>
+            </a:r>
+            <a:r>
+              <a:rPr lang="en-US" baseline="0" dirty="0" smtClean="0"/>
+              <a:t> – Fixed in next scene</a:t>
             </a:r>
             <a:endParaRPr lang="en-US" dirty="0"/>
           </a:p>
@@ -1792,7 +1778,7 @@
     </p:spTree>
     <p:extLst>
       <p:ext uri="{BB962C8B-B14F-4D97-AF65-F5344CB8AC3E}">
-        <p14:creationId xmlns:p14="http://schemas.microsoft.com/office/powerpoint/2010/main" val="4097294617"/>
+        <p14:creationId xmlns:p14="http://schemas.microsoft.com/office/powerpoint/2010/main" val="243204536"/>
       </p:ext>
     </p:extLst>
   </p:cSld>
@@ -1848,7 +1834,26 @@
           <a:p>
             <a:r>
               <a:rPr lang="en-US" dirty="0" smtClean="0"/>
-              <a:t>Random Range = 0 / Z = -1</a:t>
+              <a:t>Change </a:t>
+            </a:r>
+            <a:r>
+              <a:rPr lang="en-US" dirty="0" err="1" smtClean="0"/>
+              <a:t>seaweedbasic</a:t>
+            </a:r>
+            <a:r>
+              <a:rPr lang="en-US" dirty="0" smtClean="0"/>
+              <a:t> to </a:t>
+            </a:r>
+            <a:r>
+              <a:rPr lang="en-US" dirty="0" err="1" smtClean="0"/>
+              <a:t>seaweed.cs</a:t>
+            </a:r>
+            <a:endParaRPr lang="en-US" dirty="0" smtClean="0"/>
+          </a:p>
+          <a:p>
+            <a:r>
+              <a:rPr lang="en-US" dirty="0" smtClean="0"/>
+              <a:t>Create the new prefab and replace existing instances – In Scene 6</a:t>
             </a:r>
             <a:endParaRPr lang="en-US" dirty="0"/>
           </a:p>
@@ -1880,7 +1885,7 @@
     </p:spTree>
     <p:extLst>
       <p:ext uri="{BB962C8B-B14F-4D97-AF65-F5344CB8AC3E}">
-        <p14:creationId xmlns:p14="http://schemas.microsoft.com/office/powerpoint/2010/main" val="529204786"/>
+        <p14:creationId xmlns:p14="http://schemas.microsoft.com/office/powerpoint/2010/main" val="4097294617"/>
       </p:ext>
     </p:extLst>
   </p:cSld>
@@ -2034,33 +2039,7 @@
           <a:p>
             <a:r>
               <a:rPr lang="en-US" dirty="0" smtClean="0"/>
-              <a:t>Create</a:t>
-            </a:r>
-            <a:r>
-              <a:rPr lang="en-US" baseline="0" dirty="0" smtClean="0"/>
-              <a:t> an empty </a:t>
-            </a:r>
-            <a:r>
-              <a:rPr lang="en-US" baseline="0" dirty="0" err="1" smtClean="0"/>
-              <a:t>gameobject</a:t>
-            </a:r>
-            <a:r>
-              <a:rPr lang="en-US" baseline="0" dirty="0" smtClean="0"/>
-              <a:t>, add the </a:t>
-            </a:r>
-            <a:r>
-              <a:rPr lang="en-US" baseline="0" dirty="0" err="1" smtClean="0"/>
-              <a:t>scorekeeper.cs</a:t>
-            </a:r>
-            <a:r>
-              <a:rPr lang="en-US" baseline="0" dirty="0" smtClean="0"/>
-              <a:t> script</a:t>
-            </a:r>
-          </a:p>
-          <a:p>
-            <a:r>
-              <a:rPr lang="en-US" baseline="0" dirty="0" smtClean="0"/>
-              <a:t>Create a Text and assign it to the scorekeeper</a:t>
+              <a:t>Random Range = 0 / Z = -1</a:t>
             </a:r>
             <a:endParaRPr lang="en-US" dirty="0"/>
           </a:p>
@@ -2092,7 +2071,7 @@
     </p:spTree>
     <p:extLst>
       <p:ext uri="{BB962C8B-B14F-4D97-AF65-F5344CB8AC3E}">
-        <p14:creationId xmlns:p14="http://schemas.microsoft.com/office/powerpoint/2010/main" val="2575853715"/>
+        <p14:creationId xmlns:p14="http://schemas.microsoft.com/office/powerpoint/2010/main" val="529204786"/>
       </p:ext>
     </p:extLst>
   </p:cSld>
@@ -2148,14 +2127,34 @@
           <a:p>
             <a:r>
               <a:rPr lang="en-US" dirty="0" smtClean="0"/>
-              <a:t>Create a terrain and show it grey.  Then import the terrain assets in the file import menu.  Mention standard</a:t>
+              <a:t>Create</a:t>
             </a:r>
             <a:r>
               <a:rPr lang="en-US" baseline="0" dirty="0" smtClean="0"/>
-              <a:t> assets.  Add a directional light then deform the terrain.</a:t>
-            </a:r>
-          </a:p>
-          <a:p>
+              <a:t> an empty </a:t>
+            </a:r>
+            <a:r>
+              <a:rPr lang="en-US" baseline="0" dirty="0" err="1" smtClean="0"/>
+              <a:t>gameobject</a:t>
+            </a:r>
+            <a:r>
+              <a:rPr lang="en-US" baseline="0" dirty="0" smtClean="0"/>
+              <a:t>, add the </a:t>
+            </a:r>
+            <a:r>
+              <a:rPr lang="en-US" baseline="0" dirty="0" err="1" smtClean="0"/>
+              <a:t>scorekeeper.cs</a:t>
+            </a:r>
+            <a:r>
+              <a:rPr lang="en-US" baseline="0" dirty="0" smtClean="0"/>
+              <a:t> script</a:t>
+            </a:r>
+          </a:p>
+          <a:p>
+            <a:r>
+              <a:rPr lang="en-US" baseline="0" dirty="0" smtClean="0"/>
+              <a:t>Create a Text and assign it to the scorekeeper</a:t>
+            </a:r>
             <a:endParaRPr lang="en-US" dirty="0"/>
           </a:p>
         </p:txBody>
@@ -2177,7 +2176,7 @@
           <a:p>
             <a:fld id="{DCD2E95C-A448-4C41-BD21-6E619E7F5BB2}" type="slidenum">
               <a:rPr lang="en-US" smtClean="0"/>
-              <a:t>26</a:t>
+              <a:t>23</a:t>
             </a:fld>
             <a:endParaRPr lang="en-US"/>
           </a:p>
@@ -2186,7 +2185,7 @@
     </p:spTree>
     <p:extLst>
       <p:ext uri="{BB962C8B-B14F-4D97-AF65-F5344CB8AC3E}">
-        <p14:creationId xmlns:p14="http://schemas.microsoft.com/office/powerpoint/2010/main" val="4130325980"/>
+        <p14:creationId xmlns:p14="http://schemas.microsoft.com/office/powerpoint/2010/main" val="2575853715"/>
       </p:ext>
     </p:extLst>
   </p:cSld>
@@ -2242,20 +2241,14 @@
           <a:p>
             <a:r>
               <a:rPr lang="en-US" dirty="0" smtClean="0"/>
-              <a:t>Create</a:t>
+              <a:t>Create a terrain and show it grey.  Then import the terrain assets in the file import menu.  Mention standard</a:t>
             </a:r>
             <a:r>
               <a:rPr lang="en-US" baseline="0" dirty="0" smtClean="0"/>
-              <a:t> a sphere in the main camera’s view and show it drop when it gets a </a:t>
-            </a:r>
-            <a:r>
-              <a:rPr lang="en-US" baseline="0" dirty="0" err="1" smtClean="0"/>
-              <a:t>rigidbody</a:t>
-            </a:r>
-            <a:r>
-              <a:rPr lang="en-US" baseline="0" dirty="0" smtClean="0"/>
-              <a:t>.  Try to make it roll down a hill.</a:t>
-            </a:r>
+              <a:t> assets.  Add a directional light then deform the terrain.</a:t>
+            </a:r>
+          </a:p>
+          <a:p>
             <a:endParaRPr lang="en-US" dirty="0"/>
           </a:p>
         </p:txBody>
@@ -2286,7 +2279,7 @@
     </p:spTree>
     <p:extLst>
       <p:ext uri="{BB962C8B-B14F-4D97-AF65-F5344CB8AC3E}">
-        <p14:creationId xmlns:p14="http://schemas.microsoft.com/office/powerpoint/2010/main" val="3530183443"/>
+        <p14:creationId xmlns:p14="http://schemas.microsoft.com/office/powerpoint/2010/main" val="4130325980"/>
       </p:ext>
     </p:extLst>
   </p:cSld>
@@ -2342,14 +2335,19 @@
           <a:p>
             <a:r>
               <a:rPr lang="en-US" dirty="0" smtClean="0"/>
-              <a:t>Import the character controller package.</a:t>
-            </a:r>
-            <a:br>
-              <a:rPr lang="en-US" dirty="0" smtClean="0"/>
-            </a:br>
-            <a:r>
-              <a:rPr lang="en-US" dirty="0" smtClean="0"/>
-              <a:t>Add the prefab and remove the original main camera</a:t>
+              <a:t>Create</a:t>
+            </a:r>
+            <a:r>
+              <a:rPr lang="en-US" baseline="0" dirty="0" smtClean="0"/>
+              <a:t> a sphere in the main camera’s view and show it drop when it gets a </a:t>
+            </a:r>
+            <a:r>
+              <a:rPr lang="en-US" baseline="0" dirty="0" err="1" smtClean="0"/>
+              <a:t>rigidbody</a:t>
+            </a:r>
+            <a:r>
+              <a:rPr lang="en-US" baseline="0" dirty="0" smtClean="0"/>
+              <a:t>.  Try to make it roll down a hill.</a:t>
             </a:r>
             <a:endParaRPr lang="en-US" dirty="0"/>
           </a:p>
@@ -2381,7 +2379,7 @@
     </p:spTree>
     <p:extLst>
       <p:ext uri="{BB962C8B-B14F-4D97-AF65-F5344CB8AC3E}">
-        <p14:creationId xmlns:p14="http://schemas.microsoft.com/office/powerpoint/2010/main" val="1169975469"/>
+        <p14:creationId xmlns:p14="http://schemas.microsoft.com/office/powerpoint/2010/main" val="3530183443"/>
       </p:ext>
     </p:extLst>
   </p:cSld>
@@ -2437,63 +2435,14 @@
           <a:p>
             <a:r>
               <a:rPr lang="en-US" dirty="0" smtClean="0"/>
-              <a:t>Create a new </a:t>
-            </a:r>
-            <a:r>
-              <a:rPr lang="en-US" dirty="0" err="1" smtClean="0"/>
-              <a:t>gameobject</a:t>
-            </a:r>
-            <a:r>
-              <a:rPr lang="en-US" dirty="0" smtClean="0"/>
-              <a:t> and add a </a:t>
-            </a:r>
-            <a:r>
-              <a:rPr lang="en-US" dirty="0" err="1" smtClean="0"/>
-              <a:t>poolmanager</a:t>
-            </a:r>
-            <a:r>
-              <a:rPr lang="en-US" dirty="0" smtClean="0"/>
-              <a:t> script.</a:t>
-            </a:r>
-          </a:p>
-          <a:p>
-            <a:r>
-              <a:rPr lang="en-US" dirty="0" smtClean="0"/>
-              <a:t>Show the </a:t>
-            </a:r>
-            <a:r>
-              <a:rPr lang="en-US" dirty="0" err="1" smtClean="0"/>
-              <a:t>poolmanager</a:t>
-            </a:r>
-            <a:r>
-              <a:rPr lang="en-US" dirty="0" smtClean="0"/>
-              <a:t> code (better ones available or written in 10</a:t>
-            </a:r>
-            <a:r>
-              <a:rPr lang="en-US" baseline="0" dirty="0" smtClean="0"/>
-              <a:t> </a:t>
-            </a:r>
-            <a:r>
-              <a:rPr lang="en-US" baseline="0" dirty="0" err="1" smtClean="0"/>
-              <a:t>mins</a:t>
-            </a:r>
-            <a:r>
-              <a:rPr lang="en-US" baseline="0" dirty="0" smtClean="0"/>
-              <a:t>)  Use Generics</a:t>
-            </a:r>
-          </a:p>
-          <a:p>
-            <a:r>
-              <a:rPr lang="en-US" baseline="0" dirty="0" smtClean="0"/>
-              <a:t>Create a red sphere, make it a prefab, and set it as the </a:t>
-            </a:r>
-            <a:r>
-              <a:rPr lang="en-US" baseline="0" dirty="0" err="1" smtClean="0"/>
-              <a:t>poolmanager</a:t>
-            </a:r>
-            <a:r>
-              <a:rPr lang="en-US" baseline="0" dirty="0" smtClean="0"/>
-              <a:t> prefab</a:t>
+              <a:t>Import the character controller package.</a:t>
+            </a:r>
+            <a:br>
+              <a:rPr lang="en-US" dirty="0" smtClean="0"/>
+            </a:br>
+            <a:r>
+              <a:rPr lang="en-US" dirty="0" smtClean="0"/>
+              <a:t>Add the prefab and remove the original main camera</a:t>
             </a:r>
             <a:endParaRPr lang="en-US" dirty="0"/>
           </a:p>
@@ -2525,7 +2474,7 @@
     </p:spTree>
     <p:extLst>
       <p:ext uri="{BB962C8B-B14F-4D97-AF65-F5344CB8AC3E}">
-        <p14:creationId xmlns:p14="http://schemas.microsoft.com/office/powerpoint/2010/main" val="3311590230"/>
+        <p14:creationId xmlns:p14="http://schemas.microsoft.com/office/powerpoint/2010/main" val="1169975469"/>
       </p:ext>
     </p:extLst>
   </p:cSld>
@@ -2581,18 +2530,64 @@
           <a:p>
             <a:r>
               <a:rPr lang="en-US" dirty="0" smtClean="0"/>
-              <a:t>Add the </a:t>
+              <a:t>Create a new </a:t>
             </a:r>
             <a:r>
               <a:rPr lang="en-US" dirty="0" err="1" smtClean="0"/>
-              <a:t>projectilelauncher.cs</a:t>
-            </a:r>
-            <a:r>
-              <a:rPr lang="en-US" dirty="0" smtClean="0"/>
-              <a:t> script to the player</a:t>
-            </a:r>
-          </a:p>
-          <a:p>
+              <a:t>gameobject</a:t>
+            </a:r>
+            <a:r>
+              <a:rPr lang="en-US" dirty="0" smtClean="0"/>
+              <a:t> and add a </a:t>
+            </a:r>
+            <a:r>
+              <a:rPr lang="en-US" dirty="0" err="1" smtClean="0"/>
+              <a:t>poolmanager</a:t>
+            </a:r>
+            <a:r>
+              <a:rPr lang="en-US" dirty="0" smtClean="0"/>
+              <a:t> script.</a:t>
+            </a:r>
+          </a:p>
+          <a:p>
+            <a:r>
+              <a:rPr lang="en-US" dirty="0" smtClean="0"/>
+              <a:t>Show the </a:t>
+            </a:r>
+            <a:r>
+              <a:rPr lang="en-US" dirty="0" err="1" smtClean="0"/>
+              <a:t>poolmanager</a:t>
+            </a:r>
+            <a:r>
+              <a:rPr lang="en-US" dirty="0" smtClean="0"/>
+              <a:t> code (better ones available or written in 10</a:t>
+            </a:r>
+            <a:r>
+              <a:rPr lang="en-US" baseline="0" dirty="0" smtClean="0"/>
+              <a:t> </a:t>
+            </a:r>
+            <a:r>
+              <a:rPr lang="en-US" baseline="0" dirty="0" err="1" smtClean="0"/>
+              <a:t>mins</a:t>
+            </a:r>
+            <a:r>
+              <a:rPr lang="en-US" baseline="0" dirty="0" smtClean="0"/>
+              <a:t>)  Use Generics</a:t>
+            </a:r>
+          </a:p>
+          <a:p>
+            <a:r>
+              <a:rPr lang="en-US" baseline="0" dirty="0" smtClean="0"/>
+              <a:t>Create a red sphere, make it a prefab, and set it as the </a:t>
+            </a:r>
+            <a:r>
+              <a:rPr lang="en-US" baseline="0" dirty="0" err="1" smtClean="0"/>
+              <a:t>poolmanager</a:t>
+            </a:r>
+            <a:r>
+              <a:rPr lang="en-US" baseline="0" dirty="0" smtClean="0"/>
+              <a:t> prefab</a:t>
+            </a:r>
             <a:endParaRPr lang="en-US" dirty="0"/>
           </a:p>
         </p:txBody>
@@ -2623,7 +2618,7 @@
     </p:spTree>
     <p:extLst>
       <p:ext uri="{BB962C8B-B14F-4D97-AF65-F5344CB8AC3E}">
-        <p14:creationId xmlns:p14="http://schemas.microsoft.com/office/powerpoint/2010/main" val="409507648"/>
+        <p14:creationId xmlns:p14="http://schemas.microsoft.com/office/powerpoint/2010/main" val="3311590230"/>
       </p:ext>
     </p:extLst>
   </p:cSld>
@@ -2679,47 +2674,18 @@
           <a:p>
             <a:r>
               <a:rPr lang="en-US" dirty="0" smtClean="0"/>
-              <a:t>After adding this, change the type</a:t>
-            </a:r>
-            <a:r>
-              <a:rPr lang="en-US" baseline="0" dirty="0" smtClean="0"/>
-              <a:t> to </a:t>
-            </a:r>
-            <a:r>
-              <a:rPr lang="en-US" baseline="0" dirty="0" err="1" smtClean="0"/>
-              <a:t>Continious</a:t>
-            </a:r>
-            <a:r>
-              <a:rPr lang="en-US" baseline="0" dirty="0" smtClean="0"/>
-              <a:t> Dynamic</a:t>
-            </a:r>
-            <a:br>
-              <a:rPr lang="en-US" baseline="0" dirty="0" smtClean="0"/>
-            </a:br>
-            <a:r>
-              <a:rPr lang="en-US" baseline="0" dirty="0" smtClean="0"/>
-              <a:t>Discrete = Non Moving</a:t>
-            </a:r>
-          </a:p>
-          <a:p>
-            <a:r>
-              <a:rPr lang="en-US" baseline="0" dirty="0" err="1" smtClean="0"/>
-              <a:t>Cont</a:t>
-            </a:r>
-            <a:r>
-              <a:rPr lang="en-US" baseline="0" dirty="0" smtClean="0"/>
-              <a:t> = Moving slow</a:t>
-            </a:r>
-          </a:p>
-          <a:p>
-            <a:r>
-              <a:rPr lang="en-US" baseline="0" dirty="0" err="1" smtClean="0"/>
-              <a:t>Cont</a:t>
-            </a:r>
-            <a:r>
-              <a:rPr lang="en-US" baseline="0" dirty="0" smtClean="0"/>
-              <a:t> Dynamic = Fast Moving</a:t>
-            </a:r>
+              <a:t>Add the </a:t>
+            </a:r>
+            <a:r>
+              <a:rPr lang="en-US" dirty="0" err="1" smtClean="0"/>
+              <a:t>projectilelauncher.cs</a:t>
+            </a:r>
+            <a:r>
+              <a:rPr lang="en-US" dirty="0" smtClean="0"/>
+              <a:t> script to the player</a:t>
+            </a:r>
+          </a:p>
+          <a:p>
             <a:endParaRPr lang="en-US" dirty="0"/>
           </a:p>
         </p:txBody>
@@ -2750,7 +2716,7 @@
     </p:spTree>
     <p:extLst>
       <p:ext uri="{BB962C8B-B14F-4D97-AF65-F5344CB8AC3E}">
-        <p14:creationId xmlns:p14="http://schemas.microsoft.com/office/powerpoint/2010/main" val="3342569816"/>
+        <p14:creationId xmlns:p14="http://schemas.microsoft.com/office/powerpoint/2010/main" val="409507648"/>
       </p:ext>
     </p:extLst>
   </p:cSld>
@@ -2806,25 +2772,46 @@
           <a:p>
             <a:r>
               <a:rPr lang="en-US" dirty="0" smtClean="0"/>
-              <a:t>Talk about the asset store then import</a:t>
+              <a:t>After adding this, change the type</a:t>
             </a:r>
             <a:r>
               <a:rPr lang="en-US" baseline="0" dirty="0" smtClean="0"/>
-              <a:t> the “Crate and Box”</a:t>
-            </a:r>
-            <a:r>
-              <a:rPr lang="en-US" dirty="0" smtClean="0"/>
-              <a:t> package</a:t>
-            </a:r>
-          </a:p>
-          <a:p>
-            <a:r>
-              <a:rPr lang="en-US" dirty="0" smtClean="0"/>
-              <a:t>Developers</a:t>
+              <a:t> to </a:t>
+            </a:r>
+            <a:r>
+              <a:rPr lang="en-US" baseline="0" dirty="0" err="1" smtClean="0"/>
+              <a:t>Continious</a:t>
             </a:r>
             <a:r>
               <a:rPr lang="en-US" baseline="0" dirty="0" smtClean="0"/>
-              <a:t> can sell on the store</a:t>
+              <a:t> Dynamic</a:t>
+            </a:r>
+            <a:br>
+              <a:rPr lang="en-US" baseline="0" dirty="0" smtClean="0"/>
+            </a:br>
+            <a:r>
+              <a:rPr lang="en-US" baseline="0" dirty="0" smtClean="0"/>
+              <a:t>Discrete = Non Moving</a:t>
+            </a:r>
+          </a:p>
+          <a:p>
+            <a:r>
+              <a:rPr lang="en-US" baseline="0" dirty="0" err="1" smtClean="0"/>
+              <a:t>Cont</a:t>
+            </a:r>
+            <a:r>
+              <a:rPr lang="en-US" baseline="0" dirty="0" smtClean="0"/>
+              <a:t> = Moving slow</a:t>
+            </a:r>
+          </a:p>
+          <a:p>
+            <a:r>
+              <a:rPr lang="en-US" baseline="0" dirty="0" err="1" smtClean="0"/>
+              <a:t>Cont</a:t>
+            </a:r>
+            <a:r>
+              <a:rPr lang="en-US" baseline="0" dirty="0" smtClean="0"/>
+              <a:t> Dynamic = Fast Moving</a:t>
             </a:r>
             <a:endParaRPr lang="en-US" dirty="0"/>
           </a:p>
@@ -2856,7 +2843,7 @@
     </p:spTree>
     <p:extLst>
       <p:ext uri="{BB962C8B-B14F-4D97-AF65-F5344CB8AC3E}">
-        <p14:creationId xmlns:p14="http://schemas.microsoft.com/office/powerpoint/2010/main" val="762050862"/>
+        <p14:creationId xmlns:p14="http://schemas.microsoft.com/office/powerpoint/2010/main" val="3342569816"/>
       </p:ext>
     </p:extLst>
   </p:cSld>
@@ -2912,38 +2899,25 @@
           <a:p>
             <a:r>
               <a:rPr lang="en-US" dirty="0" smtClean="0"/>
-              <a:t>Talk about </a:t>
-            </a:r>
-            <a:r>
-              <a:rPr lang="en-US" dirty="0" err="1" smtClean="0"/>
-              <a:t>GameObject.Destroy</a:t>
-            </a:r>
-            <a:r>
-              <a:rPr lang="en-US" dirty="0" smtClean="0"/>
-              <a:t>.</a:t>
+              <a:t>Talk about the asset store then import</a:t>
             </a:r>
             <a:r>
               <a:rPr lang="en-US" baseline="0" dirty="0" smtClean="0"/>
-              <a:t>  Use </a:t>
-            </a:r>
-            <a:r>
-              <a:rPr lang="en-US" baseline="0" dirty="0" err="1" smtClean="0"/>
-              <a:t>this.GameObject</a:t>
+              <a:t> the “Crate and Box”</a:t>
+            </a:r>
+            <a:r>
+              <a:rPr lang="en-US" dirty="0" smtClean="0"/>
+              <a:t> package</a:t>
+            </a:r>
+          </a:p>
+          <a:p>
+            <a:r>
+              <a:rPr lang="en-US" dirty="0" smtClean="0"/>
+              <a:t>Developers</a:t>
             </a:r>
             <a:r>
               <a:rPr lang="en-US" baseline="0" dirty="0" smtClean="0"/>
-              <a:t> or you’ll be trying to destroy the component not the object.</a:t>
-            </a:r>
-            <a:br>
-              <a:rPr lang="en-US" baseline="0" dirty="0" smtClean="0"/>
-            </a:br>
-            <a:r>
-              <a:rPr lang="en-US" baseline="0" dirty="0" err="1" smtClean="0"/>
-              <a:t>BoxCollider</a:t>
-            </a:r>
-            <a:r>
-              <a:rPr lang="en-US" baseline="0" dirty="0" smtClean="0"/>
-              <a:t> vs Mesh Collider</a:t>
+              <a:t> can sell on the store</a:t>
             </a:r>
             <a:endParaRPr lang="en-US" dirty="0"/>
           </a:p>
@@ -2975,7 +2949,7 @@
     </p:spTree>
     <p:extLst>
       <p:ext uri="{BB962C8B-B14F-4D97-AF65-F5344CB8AC3E}">
-        <p14:creationId xmlns:p14="http://schemas.microsoft.com/office/powerpoint/2010/main" val="316512440"/>
+        <p14:creationId xmlns:p14="http://schemas.microsoft.com/office/powerpoint/2010/main" val="762050862"/>
       </p:ext>
     </p:extLst>
   </p:cSld>
@@ -3031,15 +3005,38 @@
           <a:p>
             <a:r>
               <a:rPr lang="en-US" dirty="0" smtClean="0"/>
-              <a:t>These are all done, just show where to set the </a:t>
+              <a:t>Talk about </a:t>
             </a:r>
             <a:r>
               <a:rPr lang="en-US" dirty="0" err="1" smtClean="0"/>
-              <a:t>sdk</a:t>
-            </a:r>
-            <a:r>
-              <a:rPr lang="en-US" dirty="0" smtClean="0"/>
-              <a:t> location and swap the player controller for the OVR one</a:t>
+              <a:t>GameObject.Destroy</a:t>
+            </a:r>
+            <a:r>
+              <a:rPr lang="en-US" dirty="0" smtClean="0"/>
+              <a:t>.</a:t>
+            </a:r>
+            <a:r>
+              <a:rPr lang="en-US" baseline="0" dirty="0" smtClean="0"/>
+              <a:t>  Use </a:t>
+            </a:r>
+            <a:r>
+              <a:rPr lang="en-US" baseline="0" dirty="0" err="1" smtClean="0"/>
+              <a:t>this.GameObject</a:t>
+            </a:r>
+            <a:r>
+              <a:rPr lang="en-US" baseline="0" dirty="0" smtClean="0"/>
+              <a:t> or you’ll be trying to destroy the component not the object.</a:t>
+            </a:r>
+            <a:br>
+              <a:rPr lang="en-US" baseline="0" dirty="0" smtClean="0"/>
+            </a:br>
+            <a:r>
+              <a:rPr lang="en-US" baseline="0" dirty="0" err="1" smtClean="0"/>
+              <a:t>BoxCollider</a:t>
+            </a:r>
+            <a:r>
+              <a:rPr lang="en-US" baseline="0" dirty="0" smtClean="0"/>
+              <a:t> vs Mesh Collider</a:t>
             </a:r>
             <a:endParaRPr lang="en-US" dirty="0"/>
           </a:p>
@@ -3062,7 +3059,7 @@
           <a:p>
             <a:fld id="{DCD2E95C-A448-4C41-BD21-6E619E7F5BB2}" type="slidenum">
               <a:rPr lang="en-US" smtClean="0"/>
-              <a:t>35</a:t>
+              <a:t>34</a:t>
             </a:fld>
             <a:endParaRPr lang="en-US"/>
           </a:p>
@@ -3071,7 +3068,7 @@
     </p:spTree>
     <p:extLst>
       <p:ext uri="{BB962C8B-B14F-4D97-AF65-F5344CB8AC3E}">
-        <p14:creationId xmlns:p14="http://schemas.microsoft.com/office/powerpoint/2010/main" val="4120880223"/>
+        <p14:creationId xmlns:p14="http://schemas.microsoft.com/office/powerpoint/2010/main" val="316512440"/>
       </p:ext>
     </p:extLst>
   </p:cSld>
@@ -3196,6 +3193,102 @@
     <p:extLst>
       <p:ext uri="{BB962C8B-B14F-4D97-AF65-F5344CB8AC3E}">
         <p14:creationId xmlns:p14="http://schemas.microsoft.com/office/powerpoint/2010/main" val="3319053361"/>
+      </p:ext>
+    </p:extLst>
+  </p:cSld>
+  <p:clrMapOvr>
+    <a:masterClrMapping/>
+  </p:clrMapOvr>
+</p:notes>
+</file>
+
+<file path=ppt/notesSlides/notesSlide30.xml><?xml version="1.0" encoding="utf-8"?>
+<p:notes xmlns:a="http://schemas.openxmlformats.org/drawingml/2006/main" xmlns:r="http://schemas.openxmlformats.org/officeDocument/2006/relationships" xmlns:p="http://schemas.openxmlformats.org/presentationml/2006/main">
+  <p:cSld>
+    <p:spTree>
+      <p:nvGrpSpPr>
+        <p:cNvPr id="1" name=""/>
+        <p:cNvGrpSpPr/>
+        <p:nvPr/>
+      </p:nvGrpSpPr>
+      <p:grpSpPr>
+        <a:xfrm>
+          <a:off x="0" y="0"/>
+          <a:ext cx="0" cy="0"/>
+          <a:chOff x="0" y="0"/>
+          <a:chExt cx="0" cy="0"/>
+        </a:xfrm>
+      </p:grpSpPr>
+      <p:sp>
+        <p:nvSpPr>
+          <p:cNvPr id="2" name="Slide Image Placeholder 1"/>
+          <p:cNvSpPr>
+            <a:spLocks noGrp="1" noRot="1" noChangeAspect="1"/>
+          </p:cNvSpPr>
+          <p:nvPr>
+            <p:ph type="sldImg"/>
+          </p:nvPr>
+        </p:nvSpPr>
+        <p:spPr/>
+      </p:sp>
+      <p:sp>
+        <p:nvSpPr>
+          <p:cNvPr id="3" name="Notes Placeholder 2"/>
+          <p:cNvSpPr>
+            <a:spLocks noGrp="1"/>
+          </p:cNvSpPr>
+          <p:nvPr>
+            <p:ph type="body" idx="1"/>
+          </p:nvPr>
+        </p:nvSpPr>
+        <p:spPr/>
+        <p:txBody>
+          <a:bodyPr/>
+          <a:lstStyle/>
+          <a:p>
+            <a:r>
+              <a:rPr lang="en-US" dirty="0" smtClean="0"/>
+              <a:t>These are all done, just show where to set the </a:t>
+            </a:r>
+            <a:r>
+              <a:rPr lang="en-US" dirty="0" err="1" smtClean="0"/>
+              <a:t>sdk</a:t>
+            </a:r>
+            <a:r>
+              <a:rPr lang="en-US" dirty="0" smtClean="0"/>
+              <a:t> location and swap the player controller for the OVR one</a:t>
+            </a:r>
+            <a:endParaRPr lang="en-US" dirty="0"/>
+          </a:p>
+        </p:txBody>
+      </p:sp>
+      <p:sp>
+        <p:nvSpPr>
+          <p:cNvPr id="4" name="Slide Number Placeholder 3"/>
+          <p:cNvSpPr>
+            <a:spLocks noGrp="1"/>
+          </p:cNvSpPr>
+          <p:nvPr>
+            <p:ph type="sldNum" sz="quarter" idx="10"/>
+          </p:nvPr>
+        </p:nvSpPr>
+        <p:spPr/>
+        <p:txBody>
+          <a:bodyPr/>
+          <a:lstStyle/>
+          <a:p>
+            <a:fld id="{DCD2E95C-A448-4C41-BD21-6E619E7F5BB2}" type="slidenum">
+              <a:rPr lang="en-US" smtClean="0"/>
+              <a:t>36</a:t>
+            </a:fld>
+            <a:endParaRPr lang="en-US"/>
+          </a:p>
+        </p:txBody>
+      </p:sp>
+    </p:spTree>
+    <p:extLst>
+      <p:ext uri="{BB962C8B-B14F-4D97-AF65-F5344CB8AC3E}">
+        <p14:creationId xmlns:p14="http://schemas.microsoft.com/office/powerpoint/2010/main" val="4120880223"/>
       </p:ext>
     </p:extLst>
   </p:cSld>
@@ -3683,11 +3776,7 @@
           <a:p>
             <a:r>
               <a:rPr lang="en-US" dirty="0" smtClean="0"/>
-              <a:t>Fish </a:t>
-            </a:r>
-            <a:r>
-              <a:rPr lang="en-US" dirty="0" smtClean="0"/>
-              <a:t>has a sprite renderer – Show how to change the</a:t>
+              <a:t>Fish has a sprite renderer – Show how to change the</a:t>
             </a:r>
             <a:r>
               <a:rPr lang="en-US" baseline="0" dirty="0" smtClean="0"/>
@@ -4027,7 +4116,7 @@
             <a:fld id="{B61BEF0D-F0BB-DE4B-95CE-6DB70DBA9567}" type="datetimeFigureOut">
               <a:rPr lang="en-US" smtClean="0"/>
               <a:pPr/>
-              <a:t>3/6/2015</a:t>
+              <a:t>3/7/2015</a:t>
             </a:fld>
             <a:endParaRPr lang="en-US" dirty="0"/>
           </a:p>
@@ -4304,7 +4393,7 @@
             <a:fld id="{B61BEF0D-F0BB-DE4B-95CE-6DB70DBA9567}" type="datetimeFigureOut">
               <a:rPr lang="en-US" smtClean="0"/>
               <a:pPr/>
-              <a:t>3/6/2015</a:t>
+              <a:t>3/7/2015</a:t>
             </a:fld>
             <a:endParaRPr lang="en-US" dirty="0"/>
           </a:p>
@@ -4500,7 +4589,7 @@
             <a:fld id="{B61BEF0D-F0BB-DE4B-95CE-6DB70DBA9567}" type="datetimeFigureOut">
               <a:rPr lang="en-US" smtClean="0"/>
               <a:pPr/>
-              <a:t>3/6/2015</a:t>
+              <a:t>3/7/2015</a:t>
             </a:fld>
             <a:endParaRPr lang="en-US" dirty="0"/>
           </a:p>
@@ -4775,7 +4864,7 @@
             <a:fld id="{B61BEF0D-F0BB-DE4B-95CE-6DB70DBA9567}" type="datetimeFigureOut">
               <a:rPr lang="en-US" smtClean="0"/>
               <a:pPr/>
-              <a:t>3/6/2015</a:t>
+              <a:t>3/7/2015</a:t>
             </a:fld>
             <a:endParaRPr lang="en-US" dirty="0"/>
           </a:p>
@@ -5118,7 +5207,7 @@
             <a:fld id="{B61BEF0D-F0BB-DE4B-95CE-6DB70DBA9567}" type="datetimeFigureOut">
               <a:rPr lang="en-US" smtClean="0"/>
               <a:pPr/>
-              <a:t>3/6/2015</a:t>
+              <a:t>3/7/2015</a:t>
             </a:fld>
             <a:endParaRPr lang="en-US" dirty="0"/>
           </a:p>
@@ -5743,7 +5832,7 @@
             <a:fld id="{B61BEF0D-F0BB-DE4B-95CE-6DB70DBA9567}" type="datetimeFigureOut">
               <a:rPr lang="en-US" smtClean="0"/>
               <a:pPr/>
-              <a:t>3/6/2015</a:t>
+              <a:t>3/7/2015</a:t>
             </a:fld>
             <a:endParaRPr lang="en-US" dirty="0"/>
           </a:p>
@@ -6605,7 +6694,7 @@
             <a:fld id="{B61BEF0D-F0BB-DE4B-95CE-6DB70DBA9567}" type="datetimeFigureOut">
               <a:rPr lang="en-US" smtClean="0"/>
               <a:pPr/>
-              <a:t>3/6/2015</a:t>
+              <a:t>3/7/2015</a:t>
             </a:fld>
             <a:endParaRPr lang="en-US" dirty="0"/>
           </a:p>
@@ -6777,7 +6866,7 @@
             <a:fld id="{B61BEF0D-F0BB-DE4B-95CE-6DB70DBA9567}" type="datetimeFigureOut">
               <a:rPr lang="en-US" smtClean="0"/>
               <a:pPr/>
-              <a:t>3/6/2015</a:t>
+              <a:t>3/7/2015</a:t>
             </a:fld>
             <a:endParaRPr lang="en-US" dirty="0"/>
           </a:p>
@@ -6959,7 +7048,7 @@
             <a:fld id="{B61BEF0D-F0BB-DE4B-95CE-6DB70DBA9567}" type="datetimeFigureOut">
               <a:rPr lang="en-US" smtClean="0"/>
               <a:pPr/>
-              <a:t>3/6/2015</a:t>
+              <a:t>3/7/2015</a:t>
             </a:fld>
             <a:endParaRPr lang="en-US" dirty="0"/>
           </a:p>
@@ -7131,7 +7220,7 @@
             <a:fld id="{B61BEF0D-F0BB-DE4B-95CE-6DB70DBA9567}" type="datetimeFigureOut">
               <a:rPr lang="en-US" smtClean="0"/>
               <a:pPr/>
-              <a:t>3/6/2015</a:t>
+              <a:t>3/7/2015</a:t>
             </a:fld>
             <a:endParaRPr lang="en-US" dirty="0"/>
           </a:p>
@@ -7380,7 +7469,7 @@
             <a:fld id="{B61BEF0D-F0BB-DE4B-95CE-6DB70DBA9567}" type="datetimeFigureOut">
               <a:rPr lang="en-US" smtClean="0"/>
               <a:pPr/>
-              <a:t>3/6/2015</a:t>
+              <a:t>3/7/2015</a:t>
             </a:fld>
             <a:endParaRPr lang="en-US" dirty="0"/>
           </a:p>
@@ -7674,7 +7763,7 @@
             <a:fld id="{B61BEF0D-F0BB-DE4B-95CE-6DB70DBA9567}" type="datetimeFigureOut">
               <a:rPr lang="en-US" smtClean="0"/>
               <a:pPr/>
-              <a:t>3/6/2015</a:t>
+              <a:t>3/7/2015</a:t>
             </a:fld>
             <a:endParaRPr lang="en-US" dirty="0"/>
           </a:p>
@@ -8120,7 +8209,7 @@
             <a:fld id="{B61BEF0D-F0BB-DE4B-95CE-6DB70DBA9567}" type="datetimeFigureOut">
               <a:rPr lang="en-US" smtClean="0"/>
               <a:pPr/>
-              <a:t>3/6/2015</a:t>
+              <a:t>3/7/2015</a:t>
             </a:fld>
             <a:endParaRPr lang="en-US" dirty="0"/>
           </a:p>
@@ -8240,7 +8329,7 @@
             <a:fld id="{B61BEF0D-F0BB-DE4B-95CE-6DB70DBA9567}" type="datetimeFigureOut">
               <a:rPr lang="en-US" smtClean="0"/>
               <a:pPr/>
-              <a:t>3/6/2015</a:t>
+              <a:t>3/7/2015</a:t>
             </a:fld>
             <a:endParaRPr lang="en-US" dirty="0"/>
           </a:p>
@@ -8337,7 +8426,7 @@
             <a:fld id="{B61BEF0D-F0BB-DE4B-95CE-6DB70DBA9567}" type="datetimeFigureOut">
               <a:rPr lang="en-US" smtClean="0"/>
               <a:pPr/>
-              <a:t>3/6/2015</a:t>
+              <a:t>3/7/2015</a:t>
             </a:fld>
             <a:endParaRPr lang="en-US" dirty="0"/>
           </a:p>
@@ -8618,7 +8707,7 @@
             <a:fld id="{B61BEF0D-F0BB-DE4B-95CE-6DB70DBA9567}" type="datetimeFigureOut">
               <a:rPr lang="en-US" smtClean="0"/>
               <a:pPr/>
-              <a:t>3/6/2015</a:t>
+              <a:t>3/7/2015</a:t>
             </a:fld>
             <a:endParaRPr lang="en-US" dirty="0"/>
           </a:p>
@@ -8895,7 +8984,7 @@
             <a:fld id="{B61BEF0D-F0BB-DE4B-95CE-6DB70DBA9567}" type="datetimeFigureOut">
               <a:rPr lang="en-US" smtClean="0"/>
               <a:pPr/>
-              <a:t>3/6/2015</a:t>
+              <a:t>3/7/2015</a:t>
             </a:fld>
             <a:endParaRPr lang="en-US" dirty="0"/>
           </a:p>
@@ -9326,7 +9415,7 @@
             <a:fld id="{B61BEF0D-F0BB-DE4B-95CE-6DB70DBA9567}" type="datetimeFigureOut">
               <a:rPr lang="en-US" smtClean="0"/>
               <a:pPr/>
-              <a:t>3/6/2015</a:t>
+              <a:t>3/7/2015</a:t>
             </a:fld>
             <a:endParaRPr lang="en-US" dirty="0"/>
           </a:p>
@@ -9872,7 +9961,18 @@
           <a:p>
             <a:r>
               <a:rPr lang="en-US" dirty="0" smtClean="0"/>
-              <a:t>Intro to Unity</a:t>
+              <a:t>Intro to </a:t>
+            </a:r>
+            <a:r>
+              <a:rPr lang="en-US" dirty="0" smtClean="0"/>
+              <a:t>Unity</a:t>
+            </a:r>
+            <a:br>
+              <a:rPr lang="en-US" dirty="0" smtClean="0"/>
+            </a:br>
+            <a:r>
+              <a:rPr lang="en-US" dirty="0" smtClean="0"/>
+              <a:t>Part 1</a:t>
             </a:r>
             <a:endParaRPr lang="en-US" dirty="0"/>
           </a:p>
@@ -9911,11 +10011,11 @@
   <p:clrMapOvr>
     <a:masterClrMapping/>
   </p:clrMapOvr>
-  <mc:AlternateContent xmlns:mc="http://schemas.openxmlformats.org/markup-compatibility/2006">
-    <mc:Choice xmlns:p14="http://schemas.microsoft.com/office/powerpoint/2010/main" Requires="p14">
+  <mc:AlternateContent xmlns:mc="http://schemas.openxmlformats.org/markup-compatibility/2006" xmlns:p14="http://schemas.microsoft.com/office/powerpoint/2010/main">
+    <mc:Choice Requires="p14">
       <p:transition spd="slow" p14:dur="2000"/>
     </mc:Choice>
-    <mc:Fallback>
+    <mc:Fallback xmlns="">
       <p:transition spd="slow"/>
     </mc:Fallback>
   </mc:AlternateContent>
@@ -10816,67 +10916,52 @@
             <a:spLocks noGrp="1"/>
           </p:cNvSpPr>
           <p:nvPr>
-            <p:ph type="title"/>
-          </p:nvPr>
-        </p:nvSpPr>
-        <p:spPr/>
-        <p:txBody>
-          <a:bodyPr/>
-          <a:lstStyle/>
-          <a:p>
-            <a:r>
-              <a:rPr lang="en-US" dirty="0" smtClean="0"/>
-              <a:t>Improvements</a:t>
-            </a:r>
-            <a:endParaRPr lang="en-US" dirty="0"/>
-          </a:p>
-        </p:txBody>
-      </p:sp>
-      <p:sp>
-        <p:nvSpPr>
-          <p:cNvPr id="3" name="Content Placeholder 2"/>
-          <p:cNvSpPr>
-            <a:spLocks noGrp="1"/>
-          </p:cNvSpPr>
-          <p:nvPr>
-            <p:ph idx="1"/>
-          </p:nvPr>
-        </p:nvSpPr>
-        <p:spPr/>
-        <p:txBody>
-          <a:bodyPr/>
-          <a:lstStyle/>
-          <a:p>
-            <a:r>
-              <a:rPr lang="en-US" dirty="0" smtClean="0"/>
-              <a:t>Game state / Pause</a:t>
-            </a:r>
-          </a:p>
-          <a:p>
-            <a:r>
-              <a:rPr lang="en-US" dirty="0" smtClean="0"/>
-              <a:t>UI</a:t>
-            </a:r>
-          </a:p>
-          <a:p>
-            <a:r>
-              <a:rPr lang="en-US" dirty="0" smtClean="0"/>
-              <a:t>Tilting</a:t>
-            </a:r>
-          </a:p>
-          <a:p>
-            <a:r>
-              <a:rPr lang="en-US" dirty="0" smtClean="0"/>
-              <a:t>Props</a:t>
-            </a:r>
-          </a:p>
-          <a:p>
-            <a:r>
-              <a:rPr lang="en-US" dirty="0" smtClean="0"/>
-              <a:t>Score</a:t>
-            </a:r>
-          </a:p>
-          <a:p>
+            <p:ph type="ctrTitle"/>
+          </p:nvPr>
+        </p:nvSpPr>
+        <p:spPr/>
+        <p:txBody>
+          <a:bodyPr/>
+          <a:lstStyle/>
+          <a:p>
+            <a:r>
+              <a:rPr lang="en-US" dirty="0" smtClean="0"/>
+              <a:t>Intro to </a:t>
+            </a:r>
+            <a:r>
+              <a:rPr lang="en-US" dirty="0" smtClean="0"/>
+              <a:t>Unity</a:t>
+            </a:r>
+            <a:br>
+              <a:rPr lang="en-US" dirty="0" smtClean="0"/>
+            </a:br>
+            <a:r>
+              <a:rPr lang="en-US" dirty="0" smtClean="0"/>
+              <a:t>Part 2</a:t>
+            </a:r>
+            <a:endParaRPr lang="en-US" dirty="0"/>
+          </a:p>
+        </p:txBody>
+      </p:sp>
+      <p:sp>
+        <p:nvSpPr>
+          <p:cNvPr id="3" name="Subtitle 2"/>
+          <p:cNvSpPr>
+            <a:spLocks noGrp="1"/>
+          </p:cNvSpPr>
+          <p:nvPr>
+            <p:ph type="subTitle" idx="1"/>
+          </p:nvPr>
+        </p:nvSpPr>
+        <p:spPr/>
+        <p:txBody>
+          <a:bodyPr/>
+          <a:lstStyle/>
+          <a:p>
+            <a:r>
+              <a:rPr lang="en-US" dirty="0" smtClean="0"/>
+              <a:t>2D/3D/VR/AR</a:t>
+            </a:r>
             <a:endParaRPr lang="en-US" dirty="0"/>
           </a:p>
         </p:txBody>
@@ -10884,13 +10969,21 @@
     </p:spTree>
     <p:extLst>
       <p:ext uri="{BB962C8B-B14F-4D97-AF65-F5344CB8AC3E}">
-        <p14:creationId xmlns:p14="http://schemas.microsoft.com/office/powerpoint/2010/main" val="32771244"/>
+        <p14:creationId xmlns:p14="http://schemas.microsoft.com/office/powerpoint/2010/main" val="2598481080"/>
       </p:ext>
     </p:extLst>
   </p:cSld>
   <p:clrMapOvr>
     <a:masterClrMapping/>
   </p:clrMapOvr>
+  <mc:AlternateContent xmlns:mc="http://schemas.openxmlformats.org/markup-compatibility/2006">
+    <mc:Choice xmlns:p14="http://schemas.microsoft.com/office/powerpoint/2010/main" Requires="p14">
+      <p:transition spd="slow" p14:dur="2000"/>
+    </mc:Choice>
+    <mc:Fallback>
+      <p:transition spd="slow"/>
+    </mc:Fallback>
+  </mc:AlternateContent>
   <p:timing>
     <p:tnLst>
       <p:par>
@@ -10934,8 +11027,8 @@
           <a:lstStyle/>
           <a:p>
             <a:r>
-              <a:rPr lang="en-US" dirty="0" err="1" smtClean="0"/>
-              <a:t>GameState</a:t>
+              <a:rPr lang="en-US" dirty="0" smtClean="0"/>
+              <a:t>Improvements</a:t>
             </a:r>
             <a:endParaRPr lang="en-US" dirty="0"/>
           </a:p>
@@ -10957,22 +11050,35 @@
           <a:lstStyle/>
           <a:p>
             <a:r>
-              <a:rPr lang="en-US" dirty="0" err="1" smtClean="0"/>
-              <a:t>MonoSingleton</a:t>
-            </a:r>
-            <a:endParaRPr lang="en-US" dirty="0" smtClean="0"/>
-          </a:p>
-          <a:p>
-            <a:r>
-              <a:rPr lang="en-US" dirty="0" smtClean="0"/>
-              <a:t>More complex in real application</a:t>
-            </a:r>
-          </a:p>
-          <a:p>
-            <a:r>
-              <a:rPr lang="en-US" dirty="0" smtClean="0"/>
-              <a:t>Pause on start – Tap to play</a:t>
-            </a:r>
+              <a:rPr lang="en-US" dirty="0" smtClean="0"/>
+              <a:t>Game state / Pause</a:t>
+            </a:r>
+          </a:p>
+          <a:p>
+            <a:r>
+              <a:rPr lang="en-US" dirty="0" smtClean="0"/>
+              <a:t>UI</a:t>
+            </a:r>
+          </a:p>
+          <a:p>
+            <a:r>
+              <a:rPr lang="en-US" dirty="0" smtClean="0"/>
+              <a:t>Tilting</a:t>
+            </a:r>
+          </a:p>
+          <a:p>
+            <a:r>
+              <a:rPr lang="en-US" dirty="0" smtClean="0"/>
+              <a:t>Props</a:t>
+            </a:r>
+          </a:p>
+          <a:p>
+            <a:r>
+              <a:rPr lang="en-US" dirty="0" smtClean="0"/>
+              <a:t>Score</a:t>
+            </a:r>
+          </a:p>
+          <a:p>
             <a:endParaRPr lang="en-US" dirty="0"/>
           </a:p>
         </p:txBody>
@@ -10980,7 +11086,7 @@
     </p:spTree>
     <p:extLst>
       <p:ext uri="{BB962C8B-B14F-4D97-AF65-F5344CB8AC3E}">
-        <p14:creationId xmlns:p14="http://schemas.microsoft.com/office/powerpoint/2010/main" val="2271372868"/>
+        <p14:creationId xmlns:p14="http://schemas.microsoft.com/office/powerpoint/2010/main" val="32771244"/>
       </p:ext>
     </p:extLst>
   </p:cSld>
@@ -11030,8 +11136,8 @@
           <a:lstStyle/>
           <a:p>
             <a:r>
-              <a:rPr lang="en-US" dirty="0" smtClean="0"/>
-              <a:t>Tilting</a:t>
+              <a:rPr lang="en-US" dirty="0" err="1" smtClean="0"/>
+              <a:t>GameState</a:t>
             </a:r>
             <a:endParaRPr lang="en-US" dirty="0"/>
           </a:p>
@@ -11054,53 +11160,20 @@
           <a:p>
             <a:r>
               <a:rPr lang="en-US" dirty="0" err="1" smtClean="0"/>
-              <a:t>Fish.cs</a:t>
+              <a:t>MonoSingleton</a:t>
             </a:r>
             <a:endParaRPr lang="en-US" dirty="0" smtClean="0"/>
           </a:p>
           <a:p>
             <a:r>
-              <a:rPr lang="en-US" dirty="0" err="1" smtClean="0"/>
-              <a:t>GuiText</a:t>
-            </a:r>
-            <a:r>
-              <a:rPr lang="en-US" dirty="0" smtClean="0"/>
-              <a:t> _</a:t>
-            </a:r>
-            <a:r>
-              <a:rPr lang="en-US" dirty="0" err="1" smtClean="0"/>
-              <a:t>gameOver</a:t>
-            </a:r>
-            <a:r>
-              <a:rPr lang="en-US" dirty="0" smtClean="0"/>
-              <a:t> – Shows when the game ends</a:t>
-            </a:r>
-          </a:p>
-          <a:p>
-            <a:r>
-              <a:rPr lang="en-US" dirty="0" err="1" smtClean="0"/>
-              <a:t>ScoreKeeper</a:t>
-            </a:r>
-            <a:endParaRPr lang="en-US" dirty="0" smtClean="0"/>
-          </a:p>
-          <a:p>
-            <a:r>
-              <a:rPr lang="en-US" dirty="0" smtClean="0"/>
-              <a:t>Start()</a:t>
-            </a:r>
-          </a:p>
-          <a:p>
-            <a:pPr lvl="1"/>
-            <a:r>
-              <a:rPr lang="en-US" dirty="0" smtClean="0"/>
-              <a:t>Paused</a:t>
-            </a:r>
-          </a:p>
-          <a:p>
-            <a:pPr lvl="1"/>
-            <a:r>
-              <a:rPr lang="en-US" dirty="0" smtClean="0"/>
-              <a:t>Kinematic</a:t>
+              <a:rPr lang="en-US" dirty="0" smtClean="0"/>
+              <a:t>More complex in real application</a:t>
+            </a:r>
+          </a:p>
+          <a:p>
+            <a:r>
+              <a:rPr lang="en-US" dirty="0" smtClean="0"/>
+              <a:t>Pause on start – Tap to play</a:t>
             </a:r>
             <a:endParaRPr lang="en-US" dirty="0"/>
           </a:p>
@@ -11109,7 +11182,7 @@
     </p:spTree>
     <p:extLst>
       <p:ext uri="{BB962C8B-B14F-4D97-AF65-F5344CB8AC3E}">
-        <p14:creationId xmlns:p14="http://schemas.microsoft.com/office/powerpoint/2010/main" val="3688678260"/>
+        <p14:creationId xmlns:p14="http://schemas.microsoft.com/office/powerpoint/2010/main" val="2271372868"/>
       </p:ext>
     </p:extLst>
   </p:cSld>
@@ -11236,13 +11309,13 @@
   <p:clrMapOvr>
     <a:masterClrMapping/>
   </p:clrMapOvr>
-  <mc:AlternateContent xmlns:mc="http://schemas.openxmlformats.org/markup-compatibility/2006">
-    <mc:Choice xmlns:p15="http://schemas.microsoft.com/office/powerpoint/2012/main" Requires="p15">
+  <mc:AlternateContent xmlns:mc="http://schemas.openxmlformats.org/markup-compatibility/2006" xmlns:p15="http://schemas.microsoft.com/office/powerpoint/2012/main">
+    <mc:Choice Requires="p15">
       <p:transition xmlns:p14="http://schemas.microsoft.com/office/powerpoint/2010/main" spd="slow" p14:dur="6000">
         <p15:prstTrans prst="curtains"/>
       </p:transition>
     </mc:Choice>
-    <mc:Fallback>
+    <mc:Fallback xmlns="">
       <p:transition spd="slow">
         <p:fade/>
       </p:transition>
@@ -11292,7 +11365,7 @@
           <a:p>
             <a:r>
               <a:rPr lang="en-US" dirty="0" smtClean="0"/>
-              <a:t>Seaweed Upgrades</a:t>
+              <a:t>Tilting</a:t>
             </a:r>
             <a:endParaRPr lang="en-US" dirty="0"/>
           </a:p>
@@ -11314,14 +11387,54 @@
           <a:lstStyle/>
           <a:p>
             <a:r>
-              <a:rPr lang="en-US" dirty="0" smtClean="0"/>
-              <a:t>Pause Check</a:t>
-            </a:r>
-          </a:p>
-          <a:p>
-            <a:r>
-              <a:rPr lang="en-US" dirty="0" smtClean="0"/>
-              <a:t>Random Height</a:t>
+              <a:rPr lang="en-US" dirty="0" err="1" smtClean="0"/>
+              <a:t>Fish.cs</a:t>
+            </a:r>
+            <a:endParaRPr lang="en-US" dirty="0" smtClean="0"/>
+          </a:p>
+          <a:p>
+            <a:r>
+              <a:rPr lang="en-US" dirty="0" err="1" smtClean="0"/>
+              <a:t>GuiText</a:t>
+            </a:r>
+            <a:r>
+              <a:rPr lang="en-US" dirty="0" smtClean="0"/>
+              <a:t> _</a:t>
+            </a:r>
+            <a:r>
+              <a:rPr lang="en-US" dirty="0" err="1" smtClean="0"/>
+              <a:t>gameOver</a:t>
+            </a:r>
+            <a:r>
+              <a:rPr lang="en-US" dirty="0" smtClean="0"/>
+              <a:t> – Shows when the game ends</a:t>
+            </a:r>
+          </a:p>
+          <a:p>
+            <a:r>
+              <a:rPr lang="en-US" dirty="0" err="1" smtClean="0"/>
+              <a:t>ScoreKeeper</a:t>
+            </a:r>
+            <a:endParaRPr lang="en-US" dirty="0" smtClean="0"/>
+          </a:p>
+          <a:p>
+            <a:r>
+              <a:rPr lang="en-US" dirty="0" smtClean="0"/>
+              <a:t>Start()</a:t>
+            </a:r>
+          </a:p>
+          <a:p>
+            <a:pPr lvl="1"/>
+            <a:r>
+              <a:rPr lang="en-US" dirty="0" smtClean="0"/>
+              <a:t>Paused</a:t>
+            </a:r>
+          </a:p>
+          <a:p>
+            <a:pPr lvl="1"/>
+            <a:r>
+              <a:rPr lang="en-US" dirty="0" smtClean="0"/>
+              <a:t>Kinematic</a:t>
             </a:r>
             <a:endParaRPr lang="en-US" dirty="0"/>
           </a:p>
@@ -11330,7 +11443,7 @@
     </p:spTree>
     <p:extLst>
       <p:ext uri="{BB962C8B-B14F-4D97-AF65-F5344CB8AC3E}">
-        <p14:creationId xmlns:p14="http://schemas.microsoft.com/office/powerpoint/2010/main" val="2406486191"/>
+        <p14:creationId xmlns:p14="http://schemas.microsoft.com/office/powerpoint/2010/main" val="3688678260"/>
       </p:ext>
     </p:extLst>
   </p:cSld>
@@ -11381,7 +11494,7 @@
           <a:p>
             <a:r>
               <a:rPr lang="en-US" dirty="0" smtClean="0"/>
-              <a:t>Props</a:t>
+              <a:t>Seaweed Upgrades</a:t>
             </a:r>
             <a:endParaRPr lang="en-US" dirty="0"/>
           </a:p>
@@ -11404,21 +11517,13 @@
           <a:p>
             <a:r>
               <a:rPr lang="en-US" dirty="0" smtClean="0"/>
-              <a:t>Reuse </a:t>
-            </a:r>
-            <a:r>
-              <a:rPr lang="en-US" dirty="0" err="1" smtClean="0"/>
-              <a:t>seaweed.cs</a:t>
-            </a:r>
-            <a:r>
-              <a:rPr lang="en-US" dirty="0" smtClean="0"/>
-              <a:t> with range of 0</a:t>
-            </a:r>
-          </a:p>
-          <a:p>
-            <a:r>
-              <a:rPr lang="en-US" dirty="0" smtClean="0"/>
-              <a:t>Place in front of ground</a:t>
+              <a:t>Pause Check</a:t>
+            </a:r>
+          </a:p>
+          <a:p>
+            <a:r>
+              <a:rPr lang="en-US" dirty="0" smtClean="0"/>
+              <a:t>Random Height</a:t>
             </a:r>
             <a:endParaRPr lang="en-US" dirty="0"/>
           </a:p>
@@ -11427,7 +11532,7 @@
     </p:spTree>
     <p:extLst>
       <p:ext uri="{BB962C8B-B14F-4D97-AF65-F5344CB8AC3E}">
-        <p14:creationId xmlns:p14="http://schemas.microsoft.com/office/powerpoint/2010/main" val="2261892773"/>
+        <p14:creationId xmlns:p14="http://schemas.microsoft.com/office/powerpoint/2010/main" val="2406486191"/>
       </p:ext>
     </p:extLst>
   </p:cSld>
@@ -11478,7 +11583,7 @@
           <a:p>
             <a:r>
               <a:rPr lang="en-US" dirty="0" smtClean="0"/>
-              <a:t>Scorekeeper</a:t>
+              <a:t>Props</a:t>
             </a:r>
             <a:endParaRPr lang="en-US" dirty="0"/>
           </a:p>
@@ -11501,49 +11606,30 @@
           <a:p>
             <a:r>
               <a:rPr lang="en-US" dirty="0" smtClean="0"/>
-              <a:t>Handles scoring</a:t>
-            </a:r>
-          </a:p>
-          <a:p>
-            <a:r>
-              <a:rPr lang="en-US" dirty="0" smtClean="0"/>
-              <a:t>Updates the UI</a:t>
-            </a:r>
-          </a:p>
-          <a:p>
-            <a:r>
-              <a:rPr lang="en-US" dirty="0" smtClean="0"/>
-              <a:t>Add Bubble</a:t>
-            </a:r>
-          </a:p>
-          <a:p>
-            <a:pPr lvl="1"/>
+              <a:t>Reuse </a:t>
+            </a:r>
             <a:r>
               <a:rPr lang="en-US" dirty="0" err="1" smtClean="0"/>
-              <a:t>Bubble.cs</a:t>
-            </a:r>
-            <a:endParaRPr lang="en-US" dirty="0"/>
-          </a:p>
-          <a:p>
-            <a:pPr lvl="1"/>
-            <a:r>
-              <a:rPr lang="en-US" dirty="0" smtClean="0"/>
-              <a:t>Move to the right</a:t>
-            </a:r>
-          </a:p>
-          <a:p>
-            <a:pPr lvl="1"/>
-            <a:r>
-              <a:rPr lang="en-US" dirty="0" smtClean="0"/>
-              <a:t>Apply to prefab</a:t>
-            </a:r>
+              <a:t>seaweed.cs</a:t>
+            </a:r>
+            <a:r>
+              <a:rPr lang="en-US" dirty="0" smtClean="0"/>
+              <a:t> with range of 0</a:t>
+            </a:r>
+          </a:p>
+          <a:p>
+            <a:r>
+              <a:rPr lang="en-US" dirty="0" smtClean="0"/>
+              <a:t>Place in front of ground</a:t>
+            </a:r>
+            <a:endParaRPr lang="en-US" dirty="0"/>
           </a:p>
         </p:txBody>
       </p:sp>
     </p:spTree>
     <p:extLst>
       <p:ext uri="{BB962C8B-B14F-4D97-AF65-F5344CB8AC3E}">
-        <p14:creationId xmlns:p14="http://schemas.microsoft.com/office/powerpoint/2010/main" val="3200898331"/>
+        <p14:creationId xmlns:p14="http://schemas.microsoft.com/office/powerpoint/2010/main" val="2261892773"/>
       </p:ext>
     </p:extLst>
   </p:cSld>
@@ -11594,7 +11680,7 @@
           <a:p>
             <a:r>
               <a:rPr lang="en-US" dirty="0" smtClean="0"/>
-              <a:t>2D Recap</a:t>
+              <a:t>Scorekeeper</a:t>
             </a:r>
             <a:endParaRPr lang="en-US" dirty="0"/>
           </a:p>
@@ -11617,69 +11703,49 @@
           <a:p>
             <a:r>
               <a:rPr lang="en-US" dirty="0" smtClean="0"/>
-              <a:t>Use colliders and </a:t>
-            </a:r>
+              <a:t>Handles scoring</a:t>
+            </a:r>
+          </a:p>
+          <a:p>
+            <a:r>
+              <a:rPr lang="en-US" dirty="0" smtClean="0"/>
+              <a:t>Updates the UI</a:t>
+            </a:r>
+          </a:p>
+          <a:p>
+            <a:r>
+              <a:rPr lang="en-US" dirty="0" smtClean="0"/>
+              <a:t>Add Bubble</a:t>
+            </a:r>
+          </a:p>
+          <a:p>
+            <a:pPr lvl="1"/>
             <a:r>
               <a:rPr lang="en-US" dirty="0" err="1" smtClean="0"/>
-              <a:t>rigidbody</a:t>
-            </a:r>
-            <a:r>
-              <a:rPr lang="en-US" dirty="0" smtClean="0"/>
-              <a:t> with 2D suffix</a:t>
-            </a:r>
-          </a:p>
-          <a:p>
-            <a:r>
-              <a:rPr lang="en-US" dirty="0"/>
-              <a:t>OnTriggerEnter2D</a:t>
-            </a:r>
-            <a:endParaRPr lang="en-US" dirty="0" smtClean="0"/>
-          </a:p>
-          <a:p>
-            <a:r>
-              <a:rPr lang="en-US" dirty="0" smtClean="0"/>
-              <a:t>Verify Z axis for collisions</a:t>
-            </a:r>
-          </a:p>
-          <a:p>
-            <a:r>
-              <a:rPr lang="en-US" dirty="0" smtClean="0"/>
-              <a:t>Sprites</a:t>
-            </a:r>
+              <a:t>Bubble.cs</a:t>
+            </a:r>
+            <a:endParaRPr lang="en-US" dirty="0"/>
           </a:p>
           <a:p>
             <a:pPr lvl="1"/>
             <a:r>
-              <a:rPr lang="en-US" dirty="0" err="1" smtClean="0"/>
-              <a:t>PolygonCollider</a:t>
-            </a:r>
-            <a:endParaRPr lang="en-US" dirty="0" smtClean="0"/>
-          </a:p>
-          <a:p>
-            <a:r>
-              <a:rPr lang="en-US" dirty="0" smtClean="0"/>
-              <a:t>Can also use 3d Objects</a:t>
-            </a:r>
-          </a:p>
-          <a:p>
-            <a:r>
-              <a:rPr lang="en-US" dirty="0" smtClean="0"/>
-              <a:t>Camera mode – Orthographic</a:t>
-            </a:r>
-          </a:p>
-          <a:p>
-            <a:r>
-              <a:rPr lang="en-US" dirty="0" smtClean="0"/>
-              <a:t>4.6 UI</a:t>
-            </a:r>
-            <a:endParaRPr lang="en-US" dirty="0"/>
+              <a:rPr lang="en-US" dirty="0" smtClean="0"/>
+              <a:t>Move to the right</a:t>
+            </a:r>
+          </a:p>
+          <a:p>
+            <a:pPr lvl="1"/>
+            <a:r>
+              <a:rPr lang="en-US" dirty="0" smtClean="0"/>
+              <a:t>Apply to prefab</a:t>
+            </a:r>
           </a:p>
         </p:txBody>
       </p:sp>
     </p:spTree>
     <p:extLst>
       <p:ext uri="{BB962C8B-B14F-4D97-AF65-F5344CB8AC3E}">
-        <p14:creationId xmlns:p14="http://schemas.microsoft.com/office/powerpoint/2010/main" val="948269773"/>
+        <p14:creationId xmlns:p14="http://schemas.microsoft.com/office/powerpoint/2010/main" val="3200898331"/>
       </p:ext>
     </p:extLst>
   </p:cSld>
@@ -11715,45 +11781,102 @@
       </p:grpSpPr>
       <p:sp>
         <p:nvSpPr>
-          <p:cNvPr id="4" name="Title 3"/>
-          <p:cNvSpPr>
-            <a:spLocks noGrp="1"/>
-          </p:cNvSpPr>
-          <p:nvPr>
-            <p:ph type="ctrTitle"/>
-          </p:nvPr>
-        </p:nvSpPr>
-        <p:spPr/>
-        <p:txBody>
-          <a:bodyPr/>
-          <a:lstStyle/>
-          <a:p>
-            <a:r>
-              <a:rPr lang="en-US" dirty="0" smtClean="0"/>
-              <a:t>3D</a:t>
-            </a:r>
-            <a:endParaRPr lang="en-US" dirty="0"/>
-          </a:p>
-        </p:txBody>
-      </p:sp>
-      <p:sp>
-        <p:nvSpPr>
-          <p:cNvPr id="5" name="Subtitle 4"/>
-          <p:cNvSpPr>
-            <a:spLocks noGrp="1"/>
-          </p:cNvSpPr>
-          <p:nvPr>
-            <p:ph type="subTitle" idx="1"/>
-          </p:nvPr>
-        </p:nvSpPr>
-        <p:spPr/>
-        <p:txBody>
-          <a:bodyPr/>
-          <a:lstStyle/>
-          <a:p>
-            <a:r>
-              <a:rPr lang="en-US" dirty="0" smtClean="0"/>
-              <a:t>Let’s build a first person shooter</a:t>
+          <p:cNvPr id="2" name="Title 1"/>
+          <p:cNvSpPr>
+            <a:spLocks noGrp="1"/>
+          </p:cNvSpPr>
+          <p:nvPr>
+            <p:ph type="title"/>
+          </p:nvPr>
+        </p:nvSpPr>
+        <p:spPr/>
+        <p:txBody>
+          <a:bodyPr/>
+          <a:lstStyle/>
+          <a:p>
+            <a:r>
+              <a:rPr lang="en-US" dirty="0" smtClean="0"/>
+              <a:t>2D Recap</a:t>
+            </a:r>
+            <a:endParaRPr lang="en-US" dirty="0"/>
+          </a:p>
+        </p:txBody>
+      </p:sp>
+      <p:sp>
+        <p:nvSpPr>
+          <p:cNvPr id="3" name="Content Placeholder 2"/>
+          <p:cNvSpPr>
+            <a:spLocks noGrp="1"/>
+          </p:cNvSpPr>
+          <p:nvPr>
+            <p:ph idx="1"/>
+          </p:nvPr>
+        </p:nvSpPr>
+        <p:spPr/>
+        <p:txBody>
+          <a:bodyPr/>
+          <a:lstStyle/>
+          <a:p>
+            <a:r>
+              <a:rPr lang="en-US" dirty="0" smtClean="0"/>
+              <a:t>Use colliders and </a:t>
+            </a:r>
+            <a:r>
+              <a:rPr lang="en-US" dirty="0" err="1" smtClean="0"/>
+              <a:t>rigidbody</a:t>
+            </a:r>
+            <a:r>
+              <a:rPr lang="en-US" dirty="0" smtClean="0"/>
+              <a:t> with 2D suffix</a:t>
+            </a:r>
+          </a:p>
+          <a:p>
+            <a:r>
+              <a:rPr lang="en-US" dirty="0"/>
+              <a:t>OnTriggerEnter2D</a:t>
+            </a:r>
+            <a:endParaRPr lang="en-US" dirty="0" smtClean="0"/>
+          </a:p>
+          <a:p>
+            <a:r>
+              <a:rPr lang="en-US" dirty="0" smtClean="0"/>
+              <a:t>Verify Z axis for collisions</a:t>
+            </a:r>
+          </a:p>
+          <a:p>
+            <a:r>
+              <a:rPr lang="en-US" dirty="0" smtClean="0"/>
+              <a:t>Sprites</a:t>
+            </a:r>
+          </a:p>
+          <a:p>
+            <a:pPr lvl="1"/>
+            <a:r>
+              <a:rPr lang="en-US" dirty="0" err="1" smtClean="0"/>
+              <a:t>PolygonCollider</a:t>
+            </a:r>
+            <a:endParaRPr lang="en-US" dirty="0" smtClean="0"/>
+          </a:p>
+          <a:p>
+            <a:r>
+              <a:rPr lang="en-US" dirty="0" smtClean="0"/>
+              <a:t>Can also use 3d Objects</a:t>
+            </a:r>
+          </a:p>
+          <a:p>
+            <a:r>
+              <a:rPr lang="en-US" dirty="0" smtClean="0"/>
+              <a:t>Camera mode – Orthographic</a:t>
+            </a:r>
+          </a:p>
+          <a:p>
+            <a:r>
+              <a:rPr lang="en-US" dirty="0" smtClean="0"/>
+              <a:t>4.6/5.0 </a:t>
+            </a:r>
+            <a:r>
+              <a:rPr lang="en-US" dirty="0" smtClean="0"/>
+              <a:t>UI</a:t>
             </a:r>
             <a:endParaRPr lang="en-US" dirty="0"/>
           </a:p>
@@ -11762,13 +11885,20 @@
     </p:spTree>
     <p:extLst>
       <p:ext uri="{BB962C8B-B14F-4D97-AF65-F5344CB8AC3E}">
-        <p14:creationId xmlns:p14="http://schemas.microsoft.com/office/powerpoint/2010/main" val="617120444"/>
+        <p14:creationId xmlns:p14="http://schemas.microsoft.com/office/powerpoint/2010/main" val="948269773"/>
       </p:ext>
     </p:extLst>
   </p:cSld>
   <p:clrMapOvr>
     <a:masterClrMapping/>
   </p:clrMapOvr>
+  <p:timing>
+    <p:tnLst>
+      <p:par>
+        <p:cTn id="1" dur="indefinite" restart="never" nodeType="tmRoot"/>
+      </p:par>
+    </p:tnLst>
+  </p:timing>
 </p:sld>
 </file>
 
@@ -11791,71 +11921,54 @@
       </p:grpSpPr>
       <p:sp>
         <p:nvSpPr>
-          <p:cNvPr id="2" name="Title 1"/>
-          <p:cNvSpPr>
-            <a:spLocks noGrp="1"/>
-          </p:cNvSpPr>
-          <p:nvPr>
-            <p:ph type="title"/>
-          </p:nvPr>
-        </p:nvSpPr>
-        <p:spPr/>
-        <p:txBody>
-          <a:bodyPr/>
-          <a:lstStyle/>
-          <a:p>
-            <a:r>
-              <a:rPr lang="en-US" dirty="0" smtClean="0"/>
-              <a:t>Differences from 2D</a:t>
-            </a:r>
-            <a:endParaRPr lang="en-US" dirty="0"/>
-          </a:p>
-        </p:txBody>
-      </p:sp>
-      <p:sp>
-        <p:nvSpPr>
-          <p:cNvPr id="3" name="Content Placeholder 2"/>
-          <p:cNvSpPr>
-            <a:spLocks noGrp="1"/>
-          </p:cNvSpPr>
-          <p:nvPr>
-            <p:ph idx="1"/>
-          </p:nvPr>
-        </p:nvSpPr>
-        <p:spPr/>
-        <p:txBody>
-          <a:bodyPr/>
-          <a:lstStyle/>
-          <a:p>
-            <a:r>
-              <a:rPr lang="en-US" dirty="0" smtClean="0"/>
-              <a:t>Same component &amp; method names without the 2D suffix</a:t>
-            </a:r>
-          </a:p>
-          <a:p>
-            <a:r>
-              <a:rPr lang="en-US" dirty="0" smtClean="0"/>
-              <a:t>Usually perspective camera</a:t>
-            </a:r>
-          </a:p>
-          <a:p>
-            <a:r>
-              <a:rPr lang="en-US" dirty="0" smtClean="0"/>
-              <a:t>Meshes instead of sprites</a:t>
-            </a:r>
-          </a:p>
-          <a:p>
-            <a:r>
-              <a:rPr lang="en-US" dirty="0" smtClean="0"/>
-              <a:t>Terrains</a:t>
-            </a:r>
+          <p:cNvPr id="4" name="Title 3"/>
+          <p:cNvSpPr>
+            <a:spLocks noGrp="1"/>
+          </p:cNvSpPr>
+          <p:nvPr>
+            <p:ph type="ctrTitle"/>
+          </p:nvPr>
+        </p:nvSpPr>
+        <p:spPr/>
+        <p:txBody>
+          <a:bodyPr/>
+          <a:lstStyle/>
+          <a:p>
+            <a:r>
+              <a:rPr lang="en-US" dirty="0" smtClean="0"/>
+              <a:t>3D</a:t>
+            </a:r>
+            <a:endParaRPr lang="en-US" dirty="0"/>
+          </a:p>
+        </p:txBody>
+      </p:sp>
+      <p:sp>
+        <p:nvSpPr>
+          <p:cNvPr id="5" name="Subtitle 4"/>
+          <p:cNvSpPr>
+            <a:spLocks noGrp="1"/>
+          </p:cNvSpPr>
+          <p:nvPr>
+            <p:ph type="subTitle" idx="1"/>
+          </p:nvPr>
+        </p:nvSpPr>
+        <p:spPr/>
+        <p:txBody>
+          <a:bodyPr/>
+          <a:lstStyle/>
+          <a:p>
+            <a:r>
+              <a:rPr lang="en-US" dirty="0" smtClean="0"/>
+              <a:t>Let’s build a first person shooter</a:t>
+            </a:r>
+            <a:endParaRPr lang="en-US" dirty="0"/>
           </a:p>
         </p:txBody>
       </p:sp>
     </p:spTree>
     <p:extLst>
       <p:ext uri="{BB962C8B-B14F-4D97-AF65-F5344CB8AC3E}">
-        <p14:creationId xmlns:p14="http://schemas.microsoft.com/office/powerpoint/2010/main" val="2420246313"/>
+        <p14:creationId xmlns:p14="http://schemas.microsoft.com/office/powerpoint/2010/main" val="617120444"/>
       </p:ext>
     </p:extLst>
   </p:cSld>
@@ -11884,7 +11997,7 @@
       </p:grpSpPr>
       <p:sp>
         <p:nvSpPr>
-          <p:cNvPr id="4" name="Title 3"/>
+          <p:cNvPr id="2" name="Title 1"/>
           <p:cNvSpPr>
             <a:spLocks noGrp="1"/>
           </p:cNvSpPr>
@@ -11899,15 +12012,15 @@
           <a:p>
             <a:r>
               <a:rPr lang="en-US" dirty="0" smtClean="0"/>
-              <a:t>Terrain</a:t>
-            </a:r>
-            <a:endParaRPr lang="en-US" dirty="0"/>
-          </a:p>
-        </p:txBody>
-      </p:sp>
-      <p:sp>
-        <p:nvSpPr>
-          <p:cNvPr id="5" name="Content Placeholder 4"/>
+              <a:t>Differences from 2D</a:t>
+            </a:r>
+            <a:endParaRPr lang="en-US" dirty="0"/>
+          </a:p>
+        </p:txBody>
+      </p:sp>
+      <p:sp>
+        <p:nvSpPr>
+          <p:cNvPr id="3" name="Content Placeholder 2"/>
           <p:cNvSpPr>
             <a:spLocks noGrp="1"/>
           </p:cNvSpPr>
@@ -11922,42 +12035,33 @@
           <a:p>
             <a:r>
               <a:rPr lang="en-US" dirty="0" smtClean="0"/>
-              <a:t>Add Textures</a:t>
-            </a:r>
-          </a:p>
-          <a:p>
-            <a:pPr lvl="1"/>
-            <a:r>
-              <a:rPr lang="en-US" dirty="0" smtClean="0"/>
-              <a:t>Import </a:t>
-            </a:r>
-            <a:r>
-              <a:rPr lang="en-US" dirty="0" err="1" smtClean="0"/>
-              <a:t>Assetpack</a:t>
-            </a:r>
-            <a:endParaRPr lang="en-US" dirty="0"/>
-          </a:p>
-          <a:p>
-            <a:r>
-              <a:rPr lang="en-US" dirty="0" smtClean="0"/>
-              <a:t>Light - Directional</a:t>
-            </a:r>
-          </a:p>
-          <a:p>
-            <a:r>
-              <a:rPr lang="en-US" dirty="0" smtClean="0"/>
-              <a:t>Deform</a:t>
-            </a:r>
-          </a:p>
-          <a:p>
-            <a:endParaRPr lang="en-US" dirty="0"/>
+              <a:t>Same component &amp; method names without the 2D suffix</a:t>
+            </a:r>
+          </a:p>
+          <a:p>
+            <a:r>
+              <a:rPr lang="en-US" dirty="0" smtClean="0"/>
+              <a:t>Usually perspective camera</a:t>
+            </a:r>
+          </a:p>
+          <a:p>
+            <a:r>
+              <a:rPr lang="en-US" dirty="0" smtClean="0"/>
+              <a:t>Meshes instead of sprites</a:t>
+            </a:r>
+          </a:p>
+          <a:p>
+            <a:r>
+              <a:rPr lang="en-US" dirty="0" smtClean="0"/>
+              <a:t>Terrains</a:t>
+            </a:r>
           </a:p>
         </p:txBody>
       </p:sp>
     </p:spTree>
     <p:extLst>
       <p:ext uri="{BB962C8B-B14F-4D97-AF65-F5344CB8AC3E}">
-        <p14:creationId xmlns:p14="http://schemas.microsoft.com/office/powerpoint/2010/main" val="1750924273"/>
+        <p14:creationId xmlns:p14="http://schemas.microsoft.com/office/powerpoint/2010/main" val="2420246313"/>
       </p:ext>
     </p:extLst>
   </p:cSld>
@@ -11986,7 +12090,7 @@
       </p:grpSpPr>
       <p:sp>
         <p:nvSpPr>
-          <p:cNvPr id="2" name="Title 1"/>
+          <p:cNvPr id="4" name="Title 3"/>
           <p:cNvSpPr>
             <a:spLocks noGrp="1"/>
           </p:cNvSpPr>
@@ -12001,15 +12105,15 @@
           <a:p>
             <a:r>
               <a:rPr lang="en-US" dirty="0" smtClean="0"/>
-              <a:t>Sphere</a:t>
-            </a:r>
-            <a:endParaRPr lang="en-US" dirty="0"/>
-          </a:p>
-        </p:txBody>
-      </p:sp>
-      <p:sp>
-        <p:nvSpPr>
-          <p:cNvPr id="3" name="Content Placeholder 2"/>
+              <a:t>Terrain</a:t>
+            </a:r>
+            <a:endParaRPr lang="en-US" dirty="0"/>
+          </a:p>
+        </p:txBody>
+      </p:sp>
+      <p:sp>
+        <p:nvSpPr>
+          <p:cNvPr id="5" name="Content Placeholder 4"/>
           <p:cNvSpPr>
             <a:spLocks noGrp="1"/>
           </p:cNvSpPr>
@@ -12023,23 +12127,35 @@
           <a:lstStyle/>
           <a:p>
             <a:r>
+              <a:rPr lang="en-US" dirty="0" smtClean="0"/>
+              <a:t>Add Textures</a:t>
+            </a:r>
+          </a:p>
+          <a:p>
+            <a:pPr lvl="1"/>
+            <a:r>
+              <a:rPr lang="en-US" dirty="0" smtClean="0"/>
+              <a:t>Import </a:t>
+            </a:r>
+            <a:r>
               <a:rPr lang="en-US" dirty="0" err="1" smtClean="0"/>
-              <a:t>SphereCollider</a:t>
-            </a:r>
-            <a:r>
-              <a:rPr lang="en-US" dirty="0" smtClean="0"/>
-              <a:t> – Automatically added</a:t>
-            </a:r>
-          </a:p>
-          <a:p>
-            <a:r>
-              <a:rPr lang="en-US" dirty="0" err="1" smtClean="0"/>
-              <a:t>Rigidbody</a:t>
-            </a:r>
-            <a:r>
-              <a:rPr lang="en-US" dirty="0" smtClean="0"/>
-              <a:t> – Needed for movement</a:t>
-            </a:r>
+              <a:t>Assetpack</a:t>
+            </a:r>
+            <a:endParaRPr lang="en-US" dirty="0"/>
+          </a:p>
+          <a:p>
+            <a:r>
+              <a:rPr lang="en-US" dirty="0" smtClean="0"/>
+              <a:t>Light - Directional</a:t>
+            </a:r>
+          </a:p>
+          <a:p>
+            <a:r>
+              <a:rPr lang="en-US" dirty="0" smtClean="0"/>
+              <a:t>Deform</a:t>
+            </a:r>
+          </a:p>
+          <a:p>
             <a:endParaRPr lang="en-US" dirty="0"/>
           </a:p>
         </p:txBody>
@@ -12047,7 +12163,7 @@
     </p:spTree>
     <p:extLst>
       <p:ext uri="{BB962C8B-B14F-4D97-AF65-F5344CB8AC3E}">
-        <p14:creationId xmlns:p14="http://schemas.microsoft.com/office/powerpoint/2010/main" val="770276301"/>
+        <p14:creationId xmlns:p14="http://schemas.microsoft.com/office/powerpoint/2010/main" val="1750924273"/>
       </p:ext>
     </p:extLst>
   </p:cSld>
@@ -12091,7 +12207,7 @@
           <a:p>
             <a:r>
               <a:rPr lang="en-US" dirty="0" smtClean="0"/>
-              <a:t>Character Controller</a:t>
+              <a:t>Sphere</a:t>
             </a:r>
             <a:endParaRPr lang="en-US" dirty="0"/>
           </a:p>
@@ -12113,37 +12229,23 @@
           <a:lstStyle/>
           <a:p>
             <a:r>
-              <a:rPr lang="en-US" dirty="0" smtClean="0"/>
-              <a:t>Import Package – </a:t>
-            </a:r>
-            <a:r>
               <a:rPr lang="en-US" dirty="0" err="1" smtClean="0"/>
-              <a:t>CharacterController</a:t>
-            </a:r>
-            <a:endParaRPr lang="en-US" dirty="0" smtClean="0"/>
-          </a:p>
-          <a:p>
-            <a:pPr lvl="1"/>
-            <a:r>
-              <a:rPr lang="en-US" dirty="0" smtClean="0"/>
-              <a:t>Written in .</a:t>
-            </a:r>
+              <a:t>SphereCollider</a:t>
+            </a:r>
+            <a:r>
+              <a:rPr lang="en-US" dirty="0" smtClean="0"/>
+              <a:t> – Automatically added</a:t>
+            </a:r>
+          </a:p>
+          <a:p>
             <a:r>
               <a:rPr lang="en-US" dirty="0" err="1" smtClean="0"/>
-              <a:t>js</a:t>
-            </a:r>
-            <a:r>
-              <a:rPr lang="en-US" dirty="0" smtClean="0"/>
-              <a:t>  Better ones available on wiki</a:t>
-            </a:r>
-          </a:p>
-          <a:p>
-            <a:r>
-              <a:rPr lang="en-US" dirty="0" smtClean="0"/>
-              <a:t>First person and third person prefabs</a:t>
-            </a:r>
-          </a:p>
-          <a:p>
+              <a:t>Rigidbody</a:t>
+            </a:r>
+            <a:r>
+              <a:rPr lang="en-US" dirty="0" smtClean="0"/>
+              <a:t> – Needed for movement</a:t>
+            </a:r>
             <a:endParaRPr lang="en-US" dirty="0"/>
           </a:p>
         </p:txBody>
@@ -12151,7 +12253,7 @@
     </p:spTree>
     <p:extLst>
       <p:ext uri="{BB962C8B-B14F-4D97-AF65-F5344CB8AC3E}">
-        <p14:creationId xmlns:p14="http://schemas.microsoft.com/office/powerpoint/2010/main" val="2675929886"/>
+        <p14:creationId xmlns:p14="http://schemas.microsoft.com/office/powerpoint/2010/main" val="770276301"/>
       </p:ext>
     </p:extLst>
   </p:cSld>
@@ -12195,7 +12297,7 @@
           <a:p>
             <a:r>
               <a:rPr lang="en-US" dirty="0" smtClean="0"/>
-              <a:t>Projectiles &amp; Pooling</a:t>
+              <a:t>Character Controller</a:t>
             </a:r>
             <a:endParaRPr lang="en-US" dirty="0"/>
           </a:p>
@@ -12218,45 +12320,36 @@
           <a:p>
             <a:r>
               <a:rPr lang="en-US" dirty="0" smtClean="0"/>
-              <a:t>Instantiation and GC are expensive on mobile</a:t>
-            </a:r>
-          </a:p>
-          <a:p>
-            <a:r>
-              <a:rPr lang="en-US" dirty="0" smtClean="0"/>
-              <a:t>Pre-instantiate and use pools</a:t>
-            </a:r>
-          </a:p>
-          <a:p>
+              <a:t>Import Package – </a:t>
+            </a:r>
             <a:r>
               <a:rPr lang="en-US" dirty="0" err="1" smtClean="0"/>
-              <a:t>GameObject.Instantiate</a:t>
+              <a:t>CharacterController</a:t>
             </a:r>
             <a:endParaRPr lang="en-US" dirty="0" smtClean="0"/>
           </a:p>
           <a:p>
+            <a:pPr lvl="1"/>
+            <a:r>
+              <a:rPr lang="en-US" dirty="0" smtClean="0"/>
+              <a:t>Written in .</a:t>
+            </a:r>
             <a:r>
               <a:rPr lang="en-US" dirty="0" err="1" smtClean="0"/>
-              <a:t>PoolManager</a:t>
-            </a:r>
-            <a:endParaRPr lang="en-US" dirty="0" smtClean="0"/>
-          </a:p>
-          <a:p>
-            <a:r>
-              <a:rPr lang="en-US" dirty="0" smtClean="0"/>
-              <a:t>Set Projectile on </a:t>
-            </a:r>
-            <a:r>
-              <a:rPr lang="en-US" dirty="0" err="1" smtClean="0"/>
-              <a:t>PoolManager</a:t>
-            </a:r>
-            <a:endParaRPr lang="en-US" dirty="0" smtClean="0"/>
-          </a:p>
-          <a:p>
-            <a:r>
-              <a:rPr lang="en-US" dirty="0" smtClean="0"/>
-              <a:t>Material to set color</a:t>
-            </a:r>
+              <a:t>js</a:t>
+            </a:r>
+            <a:r>
+              <a:rPr lang="en-US" dirty="0" smtClean="0"/>
+              <a:t>  Better ones available on wiki</a:t>
+            </a:r>
+          </a:p>
+          <a:p>
+            <a:r>
+              <a:rPr lang="en-US" dirty="0" smtClean="0"/>
+              <a:t>First person and third person prefabs</a:t>
+            </a:r>
+          </a:p>
+          <a:p>
             <a:endParaRPr lang="en-US" dirty="0"/>
           </a:p>
         </p:txBody>
@@ -12264,7 +12357,7 @@
     </p:spTree>
     <p:extLst>
       <p:ext uri="{BB962C8B-B14F-4D97-AF65-F5344CB8AC3E}">
-        <p14:creationId xmlns:p14="http://schemas.microsoft.com/office/powerpoint/2010/main" val="2373936562"/>
+        <p14:creationId xmlns:p14="http://schemas.microsoft.com/office/powerpoint/2010/main" val="2675929886"/>
       </p:ext>
     </p:extLst>
   </p:cSld>
@@ -12473,7 +12566,7 @@
           <a:p>
             <a:r>
               <a:rPr lang="en-US" dirty="0" smtClean="0"/>
-              <a:t>Projectile Launcher</a:t>
+              <a:t>Projectiles &amp; Pooling</a:t>
             </a:r>
             <a:endParaRPr lang="en-US" dirty="0"/>
           </a:p>
@@ -12496,73 +12589,45 @@
           <a:p>
             <a:r>
               <a:rPr lang="en-US" dirty="0" smtClean="0"/>
-              <a:t>Handles “Fire1” just like the 2D sample</a:t>
+              <a:t>Instantiation and GC are expensive on mobile</a:t>
+            </a:r>
+          </a:p>
+          <a:p>
+            <a:r>
+              <a:rPr lang="en-US" dirty="0" smtClean="0"/>
+              <a:t>Pre-instantiate and use pools</a:t>
             </a:r>
           </a:p>
           <a:p>
             <a:r>
               <a:rPr lang="en-US" dirty="0" err="1" smtClean="0"/>
-              <a:t>GameObject.FindObjectOfType</a:t>
-            </a:r>
-            <a:r>
-              <a:rPr lang="en-US" dirty="0" smtClean="0"/>
-              <a:t>&lt;T&gt;()</a:t>
-            </a:r>
-          </a:p>
-          <a:p>
-            <a:pPr lvl="1"/>
-            <a:r>
-              <a:rPr lang="en-US" dirty="0" smtClean="0"/>
-              <a:t>Has non-generic overloads</a:t>
-            </a:r>
+              <a:t>GameObject.Instantiate</a:t>
+            </a:r>
+            <a:endParaRPr lang="en-US" dirty="0" smtClean="0"/>
           </a:p>
           <a:p>
             <a:r>
               <a:rPr lang="en-US" dirty="0" err="1" smtClean="0"/>
-              <a:t>GetPooledGameObject</a:t>
-            </a:r>
-            <a:r>
-              <a:rPr lang="en-US" dirty="0" smtClean="0"/>
-              <a:t>()</a:t>
-            </a:r>
-          </a:p>
-          <a:p>
+              <a:t>PoolManager</a:t>
+            </a:r>
+            <a:endParaRPr lang="en-US" dirty="0" smtClean="0"/>
+          </a:p>
+          <a:p>
+            <a:r>
+              <a:rPr lang="en-US" dirty="0" smtClean="0"/>
+              <a:t>Set Projectile on </a:t>
+            </a:r>
             <a:r>
               <a:rPr lang="en-US" dirty="0" err="1" smtClean="0"/>
-              <a:t>AddForce</a:t>
-            </a:r>
-            <a:r>
-              <a:rPr lang="en-US" dirty="0"/>
-              <a:t> </a:t>
-            </a:r>
-            <a:r>
-              <a:rPr lang="en-US" dirty="0" smtClean="0"/>
-              <a:t>– Similar to 2D sample</a:t>
-            </a:r>
-          </a:p>
-          <a:p>
-            <a:r>
-              <a:rPr lang="en-US" dirty="0" err="1"/>
-              <a:t>t</a:t>
-            </a:r>
-            <a:r>
-              <a:rPr lang="en-US" dirty="0" err="1" smtClean="0"/>
-              <a:t>his.transform.forward</a:t>
-            </a:r>
-            <a:r>
-              <a:rPr lang="en-US" dirty="0" smtClean="0"/>
-              <a:t> – current </a:t>
-            </a:r>
-            <a:r>
-              <a:rPr lang="en-US" dirty="0" err="1" smtClean="0"/>
-              <a:t>gameobjects</a:t>
-            </a:r>
-            <a:r>
-              <a:rPr lang="en-US" dirty="0" smtClean="0"/>
-              <a:t> forward direction</a:t>
-            </a:r>
-          </a:p>
-          <a:p>
+              <a:t>PoolManager</a:t>
+            </a:r>
+            <a:endParaRPr lang="en-US" dirty="0" smtClean="0"/>
+          </a:p>
+          <a:p>
+            <a:r>
+              <a:rPr lang="en-US" dirty="0" smtClean="0"/>
+              <a:t>Material to set color</a:t>
+            </a:r>
             <a:endParaRPr lang="en-US" dirty="0"/>
           </a:p>
         </p:txBody>
@@ -12570,7 +12635,7 @@
     </p:spTree>
     <p:extLst>
       <p:ext uri="{BB962C8B-B14F-4D97-AF65-F5344CB8AC3E}">
-        <p14:creationId xmlns:p14="http://schemas.microsoft.com/office/powerpoint/2010/main" val="3105566889"/>
+        <p14:creationId xmlns:p14="http://schemas.microsoft.com/office/powerpoint/2010/main" val="2373936562"/>
       </p:ext>
     </p:extLst>
   </p:cSld>
@@ -12613,45 +12678,97 @@
           <a:lstStyle/>
           <a:p>
             <a:r>
+              <a:rPr lang="en-US" dirty="0" smtClean="0"/>
+              <a:t>Projectile Launcher</a:t>
+            </a:r>
+            <a:endParaRPr lang="en-US" dirty="0"/>
+          </a:p>
+        </p:txBody>
+      </p:sp>
+      <p:sp>
+        <p:nvSpPr>
+          <p:cNvPr id="3" name="Content Placeholder 2"/>
+          <p:cNvSpPr>
+            <a:spLocks noGrp="1"/>
+          </p:cNvSpPr>
+          <p:nvPr>
+            <p:ph idx="1"/>
+          </p:nvPr>
+        </p:nvSpPr>
+        <p:spPr/>
+        <p:txBody>
+          <a:bodyPr/>
+          <a:lstStyle/>
+          <a:p>
+            <a:r>
+              <a:rPr lang="en-US" dirty="0" smtClean="0"/>
+              <a:t>Handles “Fire1” just like the 2D sample</a:t>
+            </a:r>
+          </a:p>
+          <a:p>
+            <a:r>
               <a:rPr lang="en-US" dirty="0" err="1" smtClean="0"/>
-              <a:t>Projectile.cs</a:t>
-            </a:r>
-            <a:endParaRPr lang="en-US" dirty="0"/>
-          </a:p>
-        </p:txBody>
-      </p:sp>
-      <p:sp>
-        <p:nvSpPr>
-          <p:cNvPr id="3" name="Content Placeholder 2"/>
-          <p:cNvSpPr>
-            <a:spLocks noGrp="1"/>
-          </p:cNvSpPr>
-          <p:nvPr>
-            <p:ph idx="1"/>
-          </p:nvPr>
-        </p:nvSpPr>
-        <p:spPr/>
-        <p:txBody>
-          <a:bodyPr/>
-          <a:lstStyle/>
-          <a:p>
-            <a:r>
-              <a:rPr lang="en-US" dirty="0" smtClean="0"/>
-              <a:t>Self Destroy / Re-Queue</a:t>
+              <a:t>GameObject.FindObjectOfType</a:t>
+            </a:r>
+            <a:r>
+              <a:rPr lang="en-US" dirty="0" smtClean="0"/>
+              <a:t>&lt;T&gt;()</a:t>
+            </a:r>
+          </a:p>
+          <a:p>
+            <a:pPr lvl="1"/>
+            <a:r>
+              <a:rPr lang="en-US" dirty="0" smtClean="0"/>
+              <a:t>Has non-generic overloads</a:t>
             </a:r>
           </a:p>
           <a:p>
             <a:r>
               <a:rPr lang="en-US" dirty="0" err="1" smtClean="0"/>
-              <a:t>Time.deltaTime</a:t>
-            </a:r>
-            <a:endParaRPr lang="en-US" dirty="0" smtClean="0"/>
-          </a:p>
-          <a:p>
-            <a:r>
-              <a:rPr lang="en-US" dirty="0" smtClean="0"/>
-              <a:t>Collision Detection</a:t>
-            </a:r>
+              <a:t>GetPooledGameObject</a:t>
+            </a:r>
+            <a:r>
+              <a:rPr lang="en-US" dirty="0" smtClean="0"/>
+              <a:t>()</a:t>
+            </a:r>
+          </a:p>
+          <a:p>
+            <a:r>
+              <a:rPr lang="en-US" dirty="0" err="1" smtClean="0"/>
+              <a:t>AddForce</a:t>
+            </a:r>
+            <a:r>
+              <a:rPr lang="en-US" dirty="0"/>
+              <a:t> </a:t>
+            </a:r>
+            <a:r>
+              <a:rPr lang="en-US" dirty="0" smtClean="0"/>
+              <a:t>– Similar to 2D sample</a:t>
+            </a:r>
+          </a:p>
+          <a:p>
+            <a:r>
+              <a:rPr lang="en-US" dirty="0" err="1"/>
+              <a:t>t</a:t>
+            </a:r>
+            <a:r>
+              <a:rPr lang="en-US" dirty="0" err="1" smtClean="0"/>
+              <a:t>his.transform.forward</a:t>
+            </a:r>
+            <a:r>
+              <a:rPr lang="en-US" dirty="0" smtClean="0"/>
+              <a:t> – current </a:t>
+            </a:r>
+            <a:r>
+              <a:rPr lang="en-US" dirty="0" err="1" smtClean="0"/>
+              <a:t>gameobjects</a:t>
+            </a:r>
+            <a:r>
+              <a:rPr lang="en-US" dirty="0" smtClean="0"/>
+              <a:t> forward direction</a:t>
+            </a:r>
+          </a:p>
+          <a:p>
             <a:endParaRPr lang="en-US" dirty="0"/>
           </a:p>
         </p:txBody>
@@ -12659,7 +12776,7 @@
     </p:spTree>
     <p:extLst>
       <p:ext uri="{BB962C8B-B14F-4D97-AF65-F5344CB8AC3E}">
-        <p14:creationId xmlns:p14="http://schemas.microsoft.com/office/powerpoint/2010/main" val="1131507461"/>
+        <p14:creationId xmlns:p14="http://schemas.microsoft.com/office/powerpoint/2010/main" val="3105566889"/>
       </p:ext>
     </p:extLst>
   </p:cSld>
@@ -12702,8 +12819,8 @@
           <a:lstStyle/>
           <a:p>
             <a:r>
-              <a:rPr lang="en-US" dirty="0" smtClean="0"/>
-              <a:t>Targets – The Asset Store</a:t>
+              <a:rPr lang="en-US" dirty="0" err="1" smtClean="0"/>
+              <a:t>Projectile.cs</a:t>
             </a:r>
             <a:endParaRPr lang="en-US" dirty="0"/>
           </a:p>
@@ -12726,64 +12843,20 @@
           <a:p>
             <a:r>
               <a:rPr lang="en-US" dirty="0" smtClean="0"/>
-              <a:t>15,000 things on the store (8,000) models</a:t>
-            </a:r>
-          </a:p>
-          <a:p>
-            <a:r>
-              <a:rPr lang="en-US" dirty="0" smtClean="0"/>
-              <a:t>Code Systems</a:t>
-            </a:r>
-          </a:p>
-          <a:p>
-            <a:pPr lvl="1"/>
-            <a:r>
-              <a:rPr lang="en-US" dirty="0" smtClean="0"/>
-              <a:t>Camera controllers</a:t>
-            </a:r>
-          </a:p>
-          <a:p>
-            <a:pPr lvl="1"/>
-            <a:r>
-              <a:rPr lang="en-US" dirty="0" smtClean="0"/>
-              <a:t>AI</a:t>
-            </a:r>
-          </a:p>
-          <a:p>
-            <a:pPr lvl="1"/>
-            <a:r>
-              <a:rPr lang="en-US" dirty="0" smtClean="0"/>
-              <a:t>Networking</a:t>
-            </a:r>
-          </a:p>
-          <a:p>
-            <a:r>
-              <a:rPr lang="en-US" dirty="0" smtClean="0"/>
-              <a:t>Art</a:t>
-            </a:r>
-          </a:p>
-          <a:p>
-            <a:r>
-              <a:rPr lang="en-US" dirty="0" smtClean="0"/>
-              <a:t>Audio</a:t>
-            </a:r>
-          </a:p>
-          <a:p>
-            <a:r>
-              <a:rPr lang="en-US" dirty="0" smtClean="0"/>
-              <a:t>Editor Extensions</a:t>
-            </a:r>
-          </a:p>
-          <a:p>
-            <a:r>
-              <a:rPr lang="en-US" dirty="0" smtClean="0"/>
-              <a:t>Free and Paid (Cost effective)</a:t>
-            </a:r>
-          </a:p>
-          <a:p>
-            <a:r>
-              <a:rPr lang="en-US" dirty="0" smtClean="0"/>
-              <a:t>Let’s grab one</a:t>
+              <a:t>Self Destroy / Re-Queue</a:t>
+            </a:r>
+          </a:p>
+          <a:p>
+            <a:r>
+              <a:rPr lang="en-US" dirty="0" err="1" smtClean="0"/>
+              <a:t>Time.deltaTime</a:t>
+            </a:r>
+            <a:endParaRPr lang="en-US" dirty="0" smtClean="0"/>
+          </a:p>
+          <a:p>
+            <a:r>
+              <a:rPr lang="en-US" dirty="0" smtClean="0"/>
+              <a:t>Collision Detection</a:t>
             </a:r>
             <a:endParaRPr lang="en-US" dirty="0"/>
           </a:p>
@@ -12792,7 +12865,7 @@
     </p:spTree>
     <p:extLst>
       <p:ext uri="{BB962C8B-B14F-4D97-AF65-F5344CB8AC3E}">
-        <p14:creationId xmlns:p14="http://schemas.microsoft.com/office/powerpoint/2010/main" val="3179156432"/>
+        <p14:creationId xmlns:p14="http://schemas.microsoft.com/office/powerpoint/2010/main" val="1131507461"/>
       </p:ext>
     </p:extLst>
   </p:cSld>
@@ -12836,7 +12909,7 @@
           <a:p>
             <a:r>
               <a:rPr lang="en-US" dirty="0" smtClean="0"/>
-              <a:t>Adding the box</a:t>
+              <a:t>Targets – The Asset Store</a:t>
             </a:r>
             <a:endParaRPr lang="en-US" dirty="0"/>
           </a:p>
@@ -12859,57 +12932,64 @@
           <a:p>
             <a:r>
               <a:rPr lang="en-US" dirty="0" smtClean="0"/>
-              <a:t>Add a Target script</a:t>
+              <a:t>15,000 things on the store (8,000) models</a:t>
+            </a:r>
+          </a:p>
+          <a:p>
+            <a:r>
+              <a:rPr lang="en-US" dirty="0" smtClean="0"/>
+              <a:t>Code Systems</a:t>
             </a:r>
           </a:p>
           <a:p>
             <a:pPr lvl="1"/>
             <a:r>
               <a:rPr lang="en-US" dirty="0" smtClean="0"/>
-              <a:t>Handles </a:t>
-            </a:r>
-            <a:r>
-              <a:rPr lang="en-US" dirty="0" err="1" smtClean="0"/>
-              <a:t>OnTriggerEnter</a:t>
-            </a:r>
-            <a:r>
-              <a:rPr lang="en-US" dirty="0" smtClean="0"/>
-              <a:t>()</a:t>
+              <a:t>Camera controllers</a:t>
             </a:r>
           </a:p>
           <a:p>
             <a:pPr lvl="1"/>
             <a:r>
-              <a:rPr lang="en-US" dirty="0" err="1" smtClean="0"/>
-              <a:t>GameObject.Destroy</a:t>
-            </a:r>
-            <a:r>
-              <a:rPr lang="en-US" dirty="0" smtClean="0"/>
-              <a:t>(</a:t>
-            </a:r>
-            <a:r>
-              <a:rPr lang="en-US" dirty="0" err="1" smtClean="0"/>
-              <a:t>this.gameObject</a:t>
-            </a:r>
-            <a:r>
-              <a:rPr lang="en-US" dirty="0" smtClean="0"/>
-              <a:t>)</a:t>
-            </a:r>
-          </a:p>
-          <a:p>
-            <a:r>
-              <a:rPr lang="en-US" dirty="0" smtClean="0"/>
-              <a:t>Remove the mesh collider</a:t>
-            </a:r>
-          </a:p>
-          <a:p>
-            <a:r>
-              <a:rPr lang="en-US" dirty="0" smtClean="0"/>
-              <a:t>Add </a:t>
-            </a:r>
-            <a:r>
-              <a:rPr lang="en-US" dirty="0" err="1" smtClean="0"/>
-              <a:t>BoxCollider</a:t>
+              <a:rPr lang="en-US" dirty="0" smtClean="0"/>
+              <a:t>AI</a:t>
+            </a:r>
+          </a:p>
+          <a:p>
+            <a:pPr lvl="1"/>
+            <a:r>
+              <a:rPr lang="en-US" dirty="0" smtClean="0"/>
+              <a:t>Networking</a:t>
+            </a:r>
+          </a:p>
+          <a:p>
+            <a:r>
+              <a:rPr lang="en-US" dirty="0" smtClean="0"/>
+              <a:t>Art</a:t>
+            </a:r>
+          </a:p>
+          <a:p>
+            <a:r>
+              <a:rPr lang="en-US" dirty="0" smtClean="0"/>
+              <a:t>Audio</a:t>
+            </a:r>
+          </a:p>
+          <a:p>
+            <a:r>
+              <a:rPr lang="en-US" dirty="0" smtClean="0"/>
+              <a:t>Editor Extensions</a:t>
+            </a:r>
+          </a:p>
+          <a:p>
+            <a:r>
+              <a:rPr lang="en-US" dirty="0" smtClean="0"/>
+              <a:t>Free and Paid (Cost effective)</a:t>
+            </a:r>
+          </a:p>
+          <a:p>
+            <a:r>
+              <a:rPr lang="en-US" dirty="0" smtClean="0"/>
+              <a:t>Let’s grab one</a:t>
             </a:r>
             <a:endParaRPr lang="en-US" dirty="0"/>
           </a:p>
@@ -12918,7 +12998,7 @@
     </p:spTree>
     <p:extLst>
       <p:ext uri="{BB962C8B-B14F-4D97-AF65-F5344CB8AC3E}">
-        <p14:creationId xmlns:p14="http://schemas.microsoft.com/office/powerpoint/2010/main" val="702665969"/>
+        <p14:creationId xmlns:p14="http://schemas.microsoft.com/office/powerpoint/2010/main" val="3179156432"/>
       </p:ext>
     </p:extLst>
   </p:cSld>
@@ -12947,45 +13027,95 @@
       </p:grpSpPr>
       <p:sp>
         <p:nvSpPr>
-          <p:cNvPr id="4" name="Title 3"/>
-          <p:cNvSpPr>
-            <a:spLocks noGrp="1"/>
-          </p:cNvSpPr>
-          <p:nvPr>
-            <p:ph type="ctrTitle"/>
-          </p:nvPr>
-        </p:nvSpPr>
-        <p:spPr/>
-        <p:txBody>
-          <a:bodyPr/>
-          <a:lstStyle/>
-          <a:p>
-            <a:r>
-              <a:rPr lang="en-US" dirty="0" smtClean="0"/>
-              <a:t>Virtual Reality</a:t>
-            </a:r>
-            <a:endParaRPr lang="en-US" dirty="0"/>
-          </a:p>
-        </p:txBody>
-      </p:sp>
-      <p:sp>
-        <p:nvSpPr>
-          <p:cNvPr id="5" name="Subtitle 4"/>
-          <p:cNvSpPr>
-            <a:spLocks noGrp="1"/>
-          </p:cNvSpPr>
-          <p:nvPr>
-            <p:ph type="subTitle" idx="1"/>
-          </p:nvPr>
-        </p:nvSpPr>
-        <p:spPr/>
-        <p:txBody>
-          <a:bodyPr/>
-          <a:lstStyle/>
-          <a:p>
-            <a:r>
-              <a:rPr lang="en-US" dirty="0" smtClean="0"/>
-              <a:t>Building for Samsung Gear VR</a:t>
+          <p:cNvPr id="2" name="Title 1"/>
+          <p:cNvSpPr>
+            <a:spLocks noGrp="1"/>
+          </p:cNvSpPr>
+          <p:nvPr>
+            <p:ph type="title"/>
+          </p:nvPr>
+        </p:nvSpPr>
+        <p:spPr/>
+        <p:txBody>
+          <a:bodyPr/>
+          <a:lstStyle/>
+          <a:p>
+            <a:r>
+              <a:rPr lang="en-US" dirty="0" smtClean="0"/>
+              <a:t>Adding the box</a:t>
+            </a:r>
+            <a:endParaRPr lang="en-US" dirty="0"/>
+          </a:p>
+        </p:txBody>
+      </p:sp>
+      <p:sp>
+        <p:nvSpPr>
+          <p:cNvPr id="3" name="Content Placeholder 2"/>
+          <p:cNvSpPr>
+            <a:spLocks noGrp="1"/>
+          </p:cNvSpPr>
+          <p:nvPr>
+            <p:ph idx="1"/>
+          </p:nvPr>
+        </p:nvSpPr>
+        <p:spPr/>
+        <p:txBody>
+          <a:bodyPr/>
+          <a:lstStyle/>
+          <a:p>
+            <a:r>
+              <a:rPr lang="en-US" dirty="0" smtClean="0"/>
+              <a:t>Add a Target script</a:t>
+            </a:r>
+          </a:p>
+          <a:p>
+            <a:pPr lvl="1"/>
+            <a:r>
+              <a:rPr lang="en-US" dirty="0" smtClean="0"/>
+              <a:t>Handles </a:t>
+            </a:r>
+            <a:r>
+              <a:rPr lang="en-US" dirty="0" err="1" smtClean="0"/>
+              <a:t>OnTriggerEnter</a:t>
+            </a:r>
+            <a:r>
+              <a:rPr lang="en-US" dirty="0" smtClean="0"/>
+              <a:t>()</a:t>
+            </a:r>
+          </a:p>
+          <a:p>
+            <a:pPr lvl="1"/>
+            <a:r>
+              <a:rPr lang="en-US" dirty="0" err="1" smtClean="0"/>
+              <a:t>GameObject.Destroy</a:t>
+            </a:r>
+            <a:r>
+              <a:rPr lang="en-US" dirty="0" smtClean="0"/>
+              <a:t>(</a:t>
+            </a:r>
+            <a:r>
+              <a:rPr lang="en-US" dirty="0" err="1" smtClean="0"/>
+              <a:t>this.gameObject</a:t>
+            </a:r>
+            <a:r>
+              <a:rPr lang="en-US" dirty="0" smtClean="0"/>
+              <a:t>)</a:t>
+            </a:r>
+          </a:p>
+          <a:p>
+            <a:r>
+              <a:rPr lang="en-US" dirty="0" smtClean="0"/>
+              <a:t>Remove the mesh collider</a:t>
+            </a:r>
+          </a:p>
+          <a:p>
+            <a:r>
+              <a:rPr lang="en-US" dirty="0" smtClean="0"/>
+              <a:t>Add </a:t>
+            </a:r>
+            <a:r>
+              <a:rPr lang="en-US" dirty="0" err="1" smtClean="0"/>
+              <a:t>BoxCollider</a:t>
             </a:r>
             <a:endParaRPr lang="en-US" dirty="0"/>
           </a:p>
@@ -12994,7 +13124,7 @@
     </p:spTree>
     <p:extLst>
       <p:ext uri="{BB962C8B-B14F-4D97-AF65-F5344CB8AC3E}">
-        <p14:creationId xmlns:p14="http://schemas.microsoft.com/office/powerpoint/2010/main" val="48649245"/>
+        <p14:creationId xmlns:p14="http://schemas.microsoft.com/office/powerpoint/2010/main" val="702665969"/>
       </p:ext>
     </p:extLst>
   </p:cSld>
@@ -13023,85 +13153,45 @@
       </p:grpSpPr>
       <p:sp>
         <p:nvSpPr>
-          <p:cNvPr id="2" name="Title 1"/>
-          <p:cNvSpPr>
-            <a:spLocks noGrp="1"/>
-          </p:cNvSpPr>
-          <p:nvPr>
-            <p:ph type="title"/>
-          </p:nvPr>
-        </p:nvSpPr>
-        <p:spPr/>
-        <p:txBody>
-          <a:bodyPr/>
-          <a:lstStyle/>
-          <a:p>
-            <a:r>
-              <a:rPr lang="en-US" dirty="0" smtClean="0"/>
-              <a:t>What’s Involved?</a:t>
-            </a:r>
-            <a:endParaRPr lang="en-US" dirty="0"/>
-          </a:p>
-        </p:txBody>
-      </p:sp>
-      <p:sp>
-        <p:nvSpPr>
-          <p:cNvPr id="3" name="Content Placeholder 2"/>
-          <p:cNvSpPr>
-            <a:spLocks noGrp="1"/>
-          </p:cNvSpPr>
-          <p:nvPr>
-            <p:ph idx="1"/>
-          </p:nvPr>
-        </p:nvSpPr>
-        <p:spPr/>
-        <p:txBody>
-          <a:bodyPr/>
-          <a:lstStyle/>
-          <a:p>
-            <a:r>
-              <a:rPr lang="en-US" dirty="0" smtClean="0"/>
-              <a:t>Get the SDK (Unity 4)</a:t>
-            </a:r>
-          </a:p>
-          <a:p>
-            <a:pPr lvl="1"/>
-            <a:r>
-              <a:rPr lang="en-US" dirty="0">
-                <a:hlinkClick r:id="rId3"/>
-              </a:rPr>
-              <a:t>https://developer.oculus.com/downloads</a:t>
-            </a:r>
-            <a:r>
-              <a:rPr lang="en-US" dirty="0" smtClean="0">
-                <a:hlinkClick r:id="rId3"/>
-              </a:rPr>
-              <a:t>/</a:t>
-            </a:r>
-            <a:endParaRPr lang="en-US" dirty="0" smtClean="0"/>
-          </a:p>
-          <a:p>
-            <a:r>
-              <a:rPr lang="en-US" dirty="0"/>
-              <a:t>Install Android SDK</a:t>
-            </a:r>
-          </a:p>
-          <a:p>
-            <a:r>
-              <a:rPr lang="en-US" dirty="0" smtClean="0"/>
-              <a:t>Replace the player controller or camera</a:t>
-            </a:r>
-          </a:p>
-          <a:p>
-            <a:r>
-              <a:rPr lang="en-US" dirty="0" smtClean="0"/>
-              <a:t>Set SDK Location</a:t>
-            </a:r>
-          </a:p>
-          <a:p>
-            <a:r>
-              <a:rPr lang="en-US" dirty="0" smtClean="0"/>
-              <a:t>Switch platform to Android</a:t>
+          <p:cNvPr id="4" name="Title 3"/>
+          <p:cNvSpPr>
+            <a:spLocks noGrp="1"/>
+          </p:cNvSpPr>
+          <p:nvPr>
+            <p:ph type="ctrTitle"/>
+          </p:nvPr>
+        </p:nvSpPr>
+        <p:spPr/>
+        <p:txBody>
+          <a:bodyPr/>
+          <a:lstStyle/>
+          <a:p>
+            <a:r>
+              <a:rPr lang="en-US" dirty="0" smtClean="0"/>
+              <a:t>Virtual Reality</a:t>
+            </a:r>
+            <a:endParaRPr lang="en-US" dirty="0"/>
+          </a:p>
+        </p:txBody>
+      </p:sp>
+      <p:sp>
+        <p:nvSpPr>
+          <p:cNvPr id="5" name="Subtitle 4"/>
+          <p:cNvSpPr>
+            <a:spLocks noGrp="1"/>
+          </p:cNvSpPr>
+          <p:nvPr>
+            <p:ph type="subTitle" idx="1"/>
+          </p:nvPr>
+        </p:nvSpPr>
+        <p:spPr/>
+        <p:txBody>
+          <a:bodyPr/>
+          <a:lstStyle/>
+          <a:p>
+            <a:r>
+              <a:rPr lang="en-US" dirty="0" smtClean="0"/>
+              <a:t>Building for Samsung Gear VR</a:t>
             </a:r>
             <a:endParaRPr lang="en-US" dirty="0"/>
           </a:p>
@@ -13110,7 +13200,7 @@
     </p:spTree>
     <p:extLst>
       <p:ext uri="{BB962C8B-B14F-4D97-AF65-F5344CB8AC3E}">
-        <p14:creationId xmlns:p14="http://schemas.microsoft.com/office/powerpoint/2010/main" val="1974338051"/>
+        <p14:creationId xmlns:p14="http://schemas.microsoft.com/office/powerpoint/2010/main" val="48649245"/>
       </p:ext>
     </p:extLst>
   </p:cSld>
@@ -13139,45 +13229,85 @@
       </p:grpSpPr>
       <p:sp>
         <p:nvSpPr>
-          <p:cNvPr id="4" name="Title 3"/>
-          <p:cNvSpPr>
-            <a:spLocks noGrp="1"/>
-          </p:cNvSpPr>
-          <p:nvPr>
-            <p:ph type="ctrTitle"/>
-          </p:nvPr>
-        </p:nvSpPr>
-        <p:spPr/>
-        <p:txBody>
-          <a:bodyPr/>
-          <a:lstStyle/>
-          <a:p>
-            <a:r>
-              <a:rPr lang="en-US" dirty="0" smtClean="0"/>
-              <a:t>Augmented Reality</a:t>
-            </a:r>
-            <a:endParaRPr lang="en-US" dirty="0"/>
-          </a:p>
-        </p:txBody>
-      </p:sp>
-      <p:sp>
-        <p:nvSpPr>
-          <p:cNvPr id="5" name="Subtitle 4"/>
-          <p:cNvSpPr>
-            <a:spLocks noGrp="1"/>
-          </p:cNvSpPr>
-          <p:nvPr>
-            <p:ph type="subTitle" idx="1"/>
-          </p:nvPr>
-        </p:nvSpPr>
-        <p:spPr/>
-        <p:txBody>
-          <a:bodyPr/>
-          <a:lstStyle/>
-          <a:p>
-            <a:r>
-              <a:rPr lang="en-US" dirty="0" err="1" smtClean="0"/>
-              <a:t>Vuforia</a:t>
+          <p:cNvPr id="2" name="Title 1"/>
+          <p:cNvSpPr>
+            <a:spLocks noGrp="1"/>
+          </p:cNvSpPr>
+          <p:nvPr>
+            <p:ph type="title"/>
+          </p:nvPr>
+        </p:nvSpPr>
+        <p:spPr/>
+        <p:txBody>
+          <a:bodyPr/>
+          <a:lstStyle/>
+          <a:p>
+            <a:r>
+              <a:rPr lang="en-US" dirty="0" smtClean="0"/>
+              <a:t>What’s Involved?</a:t>
+            </a:r>
+            <a:endParaRPr lang="en-US" dirty="0"/>
+          </a:p>
+        </p:txBody>
+      </p:sp>
+      <p:sp>
+        <p:nvSpPr>
+          <p:cNvPr id="3" name="Content Placeholder 2"/>
+          <p:cNvSpPr>
+            <a:spLocks noGrp="1"/>
+          </p:cNvSpPr>
+          <p:nvPr>
+            <p:ph idx="1"/>
+          </p:nvPr>
+        </p:nvSpPr>
+        <p:spPr/>
+        <p:txBody>
+          <a:bodyPr/>
+          <a:lstStyle/>
+          <a:p>
+            <a:r>
+              <a:rPr lang="en-US" dirty="0" smtClean="0"/>
+              <a:t>Get the SDK (Unity 4)</a:t>
+            </a:r>
+          </a:p>
+          <a:p>
+            <a:pPr lvl="1"/>
+            <a:r>
+              <a:rPr lang="en-US" dirty="0">
+                <a:hlinkClick r:id="rId3"/>
+              </a:rPr>
+              <a:t>https://developer.oculus.com/downloads</a:t>
+            </a:r>
+            <a:r>
+              <a:rPr lang="en-US" dirty="0" smtClean="0">
+                <a:hlinkClick r:id="rId3"/>
+              </a:rPr>
+              <a:t>/</a:t>
+            </a:r>
+            <a:endParaRPr lang="en-US" dirty="0" smtClean="0"/>
+          </a:p>
+          <a:p>
+            <a:r>
+              <a:rPr lang="en-US" dirty="0"/>
+              <a:t>Install Android SDK</a:t>
+            </a:r>
+          </a:p>
+          <a:p>
+            <a:r>
+              <a:rPr lang="en-US" dirty="0" smtClean="0"/>
+              <a:t>Replace the player controller or camera</a:t>
+            </a:r>
+          </a:p>
+          <a:p>
+            <a:r>
+              <a:rPr lang="en-US" dirty="0" smtClean="0"/>
+              <a:t>Set SDK Location</a:t>
+            </a:r>
+          </a:p>
+          <a:p>
+            <a:r>
+              <a:rPr lang="en-US" dirty="0" smtClean="0"/>
+              <a:t>Switch platform to Android</a:t>
             </a:r>
             <a:endParaRPr lang="en-US" dirty="0"/>
           </a:p>
@@ -13186,7 +13316,7 @@
     </p:spTree>
     <p:extLst>
       <p:ext uri="{BB962C8B-B14F-4D97-AF65-F5344CB8AC3E}">
-        <p14:creationId xmlns:p14="http://schemas.microsoft.com/office/powerpoint/2010/main" val="1232132702"/>
+        <p14:creationId xmlns:p14="http://schemas.microsoft.com/office/powerpoint/2010/main" val="1974338051"/>
       </p:ext>
     </p:extLst>
   </p:cSld>
@@ -13215,6 +13345,82 @@
       </p:grpSpPr>
       <p:sp>
         <p:nvSpPr>
+          <p:cNvPr id="4" name="Title 3"/>
+          <p:cNvSpPr>
+            <a:spLocks noGrp="1"/>
+          </p:cNvSpPr>
+          <p:nvPr>
+            <p:ph type="ctrTitle"/>
+          </p:nvPr>
+        </p:nvSpPr>
+        <p:spPr/>
+        <p:txBody>
+          <a:bodyPr/>
+          <a:lstStyle/>
+          <a:p>
+            <a:r>
+              <a:rPr lang="en-US" dirty="0" smtClean="0"/>
+              <a:t>Augmented Reality</a:t>
+            </a:r>
+            <a:endParaRPr lang="en-US" dirty="0"/>
+          </a:p>
+        </p:txBody>
+      </p:sp>
+      <p:sp>
+        <p:nvSpPr>
+          <p:cNvPr id="5" name="Subtitle 4"/>
+          <p:cNvSpPr>
+            <a:spLocks noGrp="1"/>
+          </p:cNvSpPr>
+          <p:nvPr>
+            <p:ph type="subTitle" idx="1"/>
+          </p:nvPr>
+        </p:nvSpPr>
+        <p:spPr/>
+        <p:txBody>
+          <a:bodyPr/>
+          <a:lstStyle/>
+          <a:p>
+            <a:r>
+              <a:rPr lang="en-US" dirty="0" err="1" smtClean="0"/>
+              <a:t>Vuforia</a:t>
+            </a:r>
+            <a:endParaRPr lang="en-US" dirty="0"/>
+          </a:p>
+        </p:txBody>
+      </p:sp>
+    </p:spTree>
+    <p:extLst>
+      <p:ext uri="{BB962C8B-B14F-4D97-AF65-F5344CB8AC3E}">
+        <p14:creationId xmlns:p14="http://schemas.microsoft.com/office/powerpoint/2010/main" val="1232132702"/>
+      </p:ext>
+    </p:extLst>
+  </p:cSld>
+  <p:clrMapOvr>
+    <a:masterClrMapping/>
+  </p:clrMapOvr>
+</p:sld>
+</file>
+
+<file path=ppt/slides/slide38.xml><?xml version="1.0" encoding="utf-8"?>
+<p:sld xmlns:a="http://schemas.openxmlformats.org/drawingml/2006/main" xmlns:r="http://schemas.openxmlformats.org/officeDocument/2006/relationships" xmlns:p="http://schemas.openxmlformats.org/presentationml/2006/main">
+  <p:cSld>
+    <p:spTree>
+      <p:nvGrpSpPr>
+        <p:cNvPr id="1" name=""/>
+        <p:cNvGrpSpPr/>
+        <p:nvPr/>
+      </p:nvGrpSpPr>
+      <p:grpSpPr>
+        <a:xfrm>
+          <a:off x="0" y="0"/>
+          <a:ext cx="0" cy="0"/>
+          <a:chOff x="0" y="0"/>
+          <a:chExt cx="0" cy="0"/>
+        </a:xfrm>
+      </p:grpSpPr>
+      <p:sp>
+        <p:nvSpPr>
           <p:cNvPr id="2" name="Title 1"/>
           <p:cNvSpPr>
             <a:spLocks noGrp="1"/>
@@ -13294,7 +13500,7 @@
 </p:sld>
 </file>
 
-<file path=ppt/slides/slide38.xml><?xml version="1.0" encoding="utf-8"?>
+<file path=ppt/slides/slide39.xml><?xml version="1.0" encoding="utf-8"?>
 <p:sld xmlns:a="http://schemas.openxmlformats.org/drawingml/2006/main" xmlns:r="http://schemas.openxmlformats.org/officeDocument/2006/relationships" xmlns:p="http://schemas.openxmlformats.org/presentationml/2006/main">
   <p:cSld>
     <p:spTree>
@@ -13955,15 +14161,7 @@
             </a:r>
             <a:r>
               <a:rPr lang="en-US" dirty="0" smtClean="0"/>
-              <a:t>/</a:t>
-            </a:r>
-            <a:r>
-              <a:rPr lang="en-US" dirty="0" smtClean="0"/>
-              <a:t> </a:t>
-            </a:r>
-            <a:r>
-              <a:rPr lang="en-US" dirty="0" smtClean="0"/>
-              <a:t>Components &amp;</a:t>
+              <a:t>/ Components &amp;</a:t>
             </a:r>
             <a:br>
               <a:rPr lang="en-US" dirty="0" smtClean="0"/>
@@ -14032,11 +14230,7 @@
             <a:pPr lvl="1"/>
             <a:r>
               <a:rPr lang="en-US" dirty="0" smtClean="0"/>
-              <a:t>Shows </a:t>
-            </a:r>
-            <a:r>
-              <a:rPr lang="en-US" dirty="0" smtClean="0"/>
-              <a:t>details of the selected object(s)</a:t>
+              <a:t>Shows details of the selected object(s)</a:t>
             </a:r>
           </a:p>
           <a:p>
@@ -14054,11 +14248,7 @@
           <a:p>
             <a:r>
               <a:rPr lang="en-US" dirty="0" smtClean="0"/>
-              <a:t>Let’s add a RigidBody2D </a:t>
-            </a:r>
-            <a:r>
-              <a:rPr lang="en-US" dirty="0" smtClean="0"/>
-              <a:t>- </a:t>
+              <a:t>Let’s add a RigidBody2D - </a:t>
             </a:r>
             <a:r>
               <a:rPr lang="en-US" dirty="0" err="1" smtClean="0"/>
